--- a/Week 6/Workshop_Materials/Week 6 Workshop.pptx
+++ b/Week 6/Workshop_Materials/Week 6 Workshop.pptx
@@ -5,21 +5,42 @@
     <p:sldMasterId id="2147483648" r:id="rId4"/>
   </p:sldMasterIdLst>
   <p:notesMasterIdLst>
-    <p:notesMasterId r:id="rId12"/>
+    <p:notesMasterId r:id="rId33"/>
   </p:notesMasterIdLst>
   <p:sldIdLst>
     <p:sldId id="256" r:id="rId5"/>
     <p:sldId id="319" r:id="rId6"/>
-    <p:sldId id="310" r:id="rId7"/>
-    <p:sldId id="312" r:id="rId8"/>
-    <p:sldId id="275" r:id="rId9"/>
-    <p:sldId id="304" r:id="rId10"/>
-    <p:sldId id="318" r:id="rId11"/>
+    <p:sldId id="321" r:id="rId7"/>
+    <p:sldId id="320" r:id="rId8"/>
+    <p:sldId id="322" r:id="rId9"/>
+    <p:sldId id="324" r:id="rId10"/>
+    <p:sldId id="326" r:id="rId11"/>
+    <p:sldId id="327" r:id="rId12"/>
+    <p:sldId id="328" r:id="rId13"/>
+    <p:sldId id="329" r:id="rId14"/>
+    <p:sldId id="330" r:id="rId15"/>
+    <p:sldId id="331" r:id="rId16"/>
+    <p:sldId id="333" r:id="rId17"/>
+    <p:sldId id="334" r:id="rId18"/>
+    <p:sldId id="335" r:id="rId19"/>
+    <p:sldId id="336" r:id="rId20"/>
+    <p:sldId id="339" r:id="rId21"/>
+    <p:sldId id="332" r:id="rId22"/>
+    <p:sldId id="340" r:id="rId23"/>
+    <p:sldId id="337" r:id="rId24"/>
+    <p:sldId id="341" r:id="rId25"/>
+    <p:sldId id="310" r:id="rId26"/>
+    <p:sldId id="342" r:id="rId27"/>
+    <p:sldId id="343" r:id="rId28"/>
+    <p:sldId id="312" r:id="rId29"/>
+    <p:sldId id="275" r:id="rId30"/>
+    <p:sldId id="304" r:id="rId31"/>
+    <p:sldId id="318" r:id="rId32"/>
   </p:sldIdLst>
   <p:sldSz cx="12192000" cy="6858000"/>
   <p:notesSz cx="6858000" cy="9144000"/>
   <p:custDataLst>
-    <p:tags r:id="rId13"/>
+    <p:tags r:id="rId34"/>
   </p:custDataLst>
   <p:defaultTextStyle>
     <a:defPPr>
@@ -3442,7 +3463,7 @@
           <a:p>
             <a:fld id="{B4FFCC06-BC85-8244-A9DE-11745B1DC4B3}" type="slidenum">
               <a:rPr lang="en-US" smtClean="0"/>
-              <a:t>3</a:t>
+              <a:t>22</a:t>
             </a:fld>
             <a:endParaRPr lang="en-US"/>
           </a:p>
@@ -3526,7 +3547,7 @@
           <a:p>
             <a:fld id="{B4FFCC06-BC85-8244-A9DE-11745B1DC4B3}" type="slidenum">
               <a:rPr lang="en-US" smtClean="0"/>
-              <a:t>4</a:t>
+              <a:t>25</a:t>
             </a:fld>
             <a:endParaRPr lang="en-US"/>
           </a:p>
@@ -3610,7 +3631,7 @@
           <a:p>
             <a:fld id="{B4FFCC06-BC85-8244-A9DE-11745B1DC4B3}" type="slidenum">
               <a:rPr lang="en-US" smtClean="0"/>
-              <a:t>5</a:t>
+              <a:t>26</a:t>
             </a:fld>
             <a:endParaRPr lang="en-US"/>
           </a:p>
@@ -3705,7 +3726,7 @@
           <a:p>
             <a:fld id="{B4FFCC06-BC85-8244-A9DE-11745B1DC4B3}" type="slidenum">
               <a:rPr lang="en-US" smtClean="0"/>
-              <a:t>6</a:t>
+              <a:t>27</a:t>
             </a:fld>
             <a:endParaRPr lang="en-US"/>
           </a:p>
@@ -3789,7 +3810,7 @@
           <a:p>
             <a:fld id="{B4FFCC06-BC85-8244-A9DE-11745B1DC4B3}" type="slidenum">
               <a:rPr lang="en-US" smtClean="0"/>
-              <a:t>7</a:t>
+              <a:t>28</a:t>
             </a:fld>
             <a:endParaRPr lang="en-US"/>
           </a:p>
@@ -7464,6 +7485,4895 @@
 </p:sld>
 </file>
 
+<file path=ppt/slides/slide10.xml><?xml version="1.0" encoding="utf-8"?>
+<p:sld xmlns:a="http://schemas.openxmlformats.org/drawingml/2006/main" xmlns:r="http://schemas.openxmlformats.org/officeDocument/2006/relationships" xmlns:p="http://schemas.openxmlformats.org/presentationml/2006/main">
+  <p:cSld>
+    <p:bg>
+      <p:bgPr>
+        <a:solidFill>
+          <a:schemeClr val="bg1"/>
+        </a:solidFill>
+        <a:effectLst/>
+      </p:bgPr>
+    </p:bg>
+    <p:spTree>
+      <p:nvGrpSpPr>
+        <p:cNvPr id="1" name=""/>
+        <p:cNvGrpSpPr/>
+        <p:nvPr/>
+      </p:nvGrpSpPr>
+      <p:grpSpPr>
+        <a:xfrm>
+          <a:off x="0" y="0"/>
+          <a:ext cx="0" cy="0"/>
+          <a:chOff x="0" y="0"/>
+          <a:chExt cx="0" cy="0"/>
+        </a:xfrm>
+      </p:grpSpPr>
+      <p:sp useBgFill="1">
+        <p:nvSpPr>
+          <p:cNvPr id="9" name="Rectangle 8">
+            <a:extLst>
+              <a:ext uri="{FF2B5EF4-FFF2-40B4-BE49-F238E27FC236}">
+                <a16:creationId xmlns:a16="http://schemas.microsoft.com/office/drawing/2014/main" id="{ECC07320-C2CA-4E29-8481-9D9E143C7788}"/>
+              </a:ext>
+              <a:ext uri="{C183D7F6-B498-43B3-948B-1728B52AA6E4}">
+                <adec:decorative xmlns:adec="http://schemas.microsoft.com/office/drawing/2017/decorative" val="1"/>
+              </a:ext>
+            </a:extLst>
+          </p:cNvPr>
+          <p:cNvSpPr>
+            <a:spLocks noGrp="1" noRot="1" noChangeAspect="1" noMove="1" noResize="1" noEditPoints="1" noAdjustHandles="1" noChangeArrowheads="1" noChangeShapeType="1" noTextEdit="1"/>
+          </p:cNvSpPr>
+          <p:nvPr>
+            <p:extLst>
+              <p:ext uri="{386F3935-93C4-4BCD-93E2-E3B085C9AB24}">
+                <p16:designElem xmlns:p16="http://schemas.microsoft.com/office/powerpoint/2015/main" val="1"/>
+              </p:ext>
+            </p:extLst>
+          </p:nvPr>
+        </p:nvSpPr>
+        <p:spPr>
+          <a:xfrm>
+            <a:off x="-1" y="0"/>
+            <a:ext cx="12188952" cy="6858000"/>
+          </a:xfrm>
+          <a:prstGeom prst="rect">
+            <a:avLst/>
+          </a:prstGeom>
+          <a:ln>
+            <a:noFill/>
+          </a:ln>
+        </p:spPr>
+        <p:style>
+          <a:lnRef idx="2">
+            <a:schemeClr val="accent1">
+              <a:shade val="50000"/>
+            </a:schemeClr>
+          </a:lnRef>
+          <a:fillRef idx="1">
+            <a:schemeClr val="accent1"/>
+          </a:fillRef>
+          <a:effectRef idx="0">
+            <a:schemeClr val="accent1"/>
+          </a:effectRef>
+          <a:fontRef idx="minor">
+            <a:schemeClr val="lt1"/>
+          </a:fontRef>
+        </p:style>
+        <p:txBody>
+          <a:bodyPr rtlCol="0" anchor="ctr"/>
+          <a:lstStyle/>
+          <a:p>
+            <a:pPr algn="ctr"/>
+            <a:endParaRPr lang="en-US"/>
+          </a:p>
+        </p:txBody>
+      </p:sp>
+      <p:pic>
+        <p:nvPicPr>
+          <p:cNvPr id="5" name="Picture 4" descr="Red toy person in front of two lines of white figures">
+            <a:extLst>
+              <a:ext uri="{FF2B5EF4-FFF2-40B4-BE49-F238E27FC236}">
+                <a16:creationId xmlns:a16="http://schemas.microsoft.com/office/drawing/2014/main" id="{718F32ED-AB49-FAB7-72D0-D66F7CCBA94D}"/>
+              </a:ext>
+            </a:extLst>
+          </p:cNvPr>
+          <p:cNvPicPr>
+            <a:picLocks noChangeAspect="1"/>
+          </p:cNvPicPr>
+          <p:nvPr/>
+        </p:nvPicPr>
+        <p:blipFill rotWithShape="1">
+          <a:blip r:embed="rId2"/>
+          <a:srcRect l="5575" r="1719"/>
+          <a:stretch/>
+        </p:blipFill>
+        <p:spPr>
+          <a:xfrm>
+            <a:off x="2522358" y="10"/>
+            <a:ext cx="9669642" cy="6857990"/>
+          </a:xfrm>
+          <a:prstGeom prst="rect">
+            <a:avLst/>
+          </a:prstGeom>
+        </p:spPr>
+      </p:pic>
+      <p:sp>
+        <p:nvSpPr>
+          <p:cNvPr id="11" name="Rectangle 10">
+            <a:extLst>
+              <a:ext uri="{FF2B5EF4-FFF2-40B4-BE49-F238E27FC236}">
+                <a16:creationId xmlns:a16="http://schemas.microsoft.com/office/drawing/2014/main" id="{178FB36B-5BFE-42CA-BC60-1115E0D95EEC}"/>
+              </a:ext>
+              <a:ext uri="{C183D7F6-B498-43B3-948B-1728B52AA6E4}">
+                <adec:decorative xmlns:adec="http://schemas.microsoft.com/office/drawing/2017/decorative" val="1"/>
+              </a:ext>
+            </a:extLst>
+          </p:cNvPr>
+          <p:cNvSpPr>
+            <a:spLocks noGrp="1" noRot="1" noChangeAspect="1" noMove="1" noResize="1" noEditPoints="1" noAdjustHandles="1" noChangeArrowheads="1" noChangeShapeType="1" noTextEdit="1"/>
+          </p:cNvSpPr>
+          <p:nvPr>
+            <p:extLst>
+              <p:ext uri="{386F3935-93C4-4BCD-93E2-E3B085C9AB24}">
+                <p16:designElem xmlns:p16="http://schemas.microsoft.com/office/powerpoint/2015/main" val="1"/>
+              </p:ext>
+            </p:extLst>
+          </p:nvPr>
+        </p:nvSpPr>
+        <p:spPr>
+          <a:xfrm>
+            <a:off x="0" y="0"/>
+            <a:ext cx="7066978" cy="6858000"/>
+          </a:xfrm>
+          <a:prstGeom prst="rect">
+            <a:avLst/>
+          </a:prstGeom>
+          <a:gradFill>
+            <a:gsLst>
+              <a:gs pos="48000">
+                <a:schemeClr val="bg1"/>
+              </a:gs>
+              <a:gs pos="35000">
+                <a:schemeClr val="bg1">
+                  <a:alpha val="77000"/>
+                </a:schemeClr>
+              </a:gs>
+              <a:gs pos="19000">
+                <a:schemeClr val="bg1">
+                  <a:alpha val="38000"/>
+                </a:schemeClr>
+              </a:gs>
+              <a:gs pos="0">
+                <a:schemeClr val="bg1">
+                  <a:alpha val="0"/>
+                </a:schemeClr>
+              </a:gs>
+              <a:gs pos="100000">
+                <a:schemeClr val="bg1"/>
+              </a:gs>
+            </a:gsLst>
+            <a:lin ang="10800000" scaled="0"/>
+          </a:gradFill>
+          <a:ln>
+            <a:noFill/>
+          </a:ln>
+        </p:spPr>
+        <p:style>
+          <a:lnRef idx="2">
+            <a:schemeClr val="accent1">
+              <a:shade val="50000"/>
+            </a:schemeClr>
+          </a:lnRef>
+          <a:fillRef idx="1">
+            <a:schemeClr val="accent1"/>
+          </a:fillRef>
+          <a:effectRef idx="0">
+            <a:schemeClr val="accent1"/>
+          </a:effectRef>
+          <a:fontRef idx="minor">
+            <a:schemeClr val="lt1"/>
+          </a:fontRef>
+        </p:style>
+        <p:txBody>
+          <a:bodyPr rtlCol="0" anchor="ctr"/>
+          <a:lstStyle/>
+          <a:p>
+            <a:pPr algn="ctr"/>
+            <a:endParaRPr lang="en-US" dirty="0"/>
+          </a:p>
+        </p:txBody>
+      </p:sp>
+      <p:sp>
+        <p:nvSpPr>
+          <p:cNvPr id="2" name="Title 1">
+            <a:extLst>
+              <a:ext uri="{FF2B5EF4-FFF2-40B4-BE49-F238E27FC236}">
+                <a16:creationId xmlns:a16="http://schemas.microsoft.com/office/drawing/2014/main" id="{6F2A199B-E4B2-A379-C9C9-CC8A8BA1B208}"/>
+              </a:ext>
+            </a:extLst>
+          </p:cNvPr>
+          <p:cNvSpPr>
+            <a:spLocks noGrp="1"/>
+          </p:cNvSpPr>
+          <p:nvPr>
+            <p:ph type="title"/>
+          </p:nvPr>
+        </p:nvSpPr>
+        <p:spPr>
+          <a:xfrm>
+            <a:off x="952228" y="743447"/>
+            <a:ext cx="3973385" cy="3692028"/>
+          </a:xfrm>
+          <a:noFill/>
+        </p:spPr>
+        <p:txBody>
+          <a:bodyPr vert="horz" lIns="91440" tIns="45720" rIns="91440" bIns="45720" rtlCol="0" anchor="b">
+            <a:normAutofit/>
+          </a:bodyPr>
+          <a:lstStyle/>
+          <a:p>
+            <a:r>
+              <a:rPr lang="en-US" sz="5200"/>
+              <a:t>Checking for Bias</a:t>
+            </a:r>
+          </a:p>
+        </p:txBody>
+      </p:sp>
+      <p:sp>
+        <p:nvSpPr>
+          <p:cNvPr id="3" name="Content Placeholder 2">
+            <a:extLst>
+              <a:ext uri="{FF2B5EF4-FFF2-40B4-BE49-F238E27FC236}">
+                <a16:creationId xmlns:a16="http://schemas.microsoft.com/office/drawing/2014/main" id="{B6DBFAE5-1023-1D27-34DF-AB485838059E}"/>
+              </a:ext>
+            </a:extLst>
+          </p:cNvPr>
+          <p:cNvSpPr>
+            <a:spLocks noGrp="1"/>
+          </p:cNvSpPr>
+          <p:nvPr>
+            <p:ph idx="1"/>
+          </p:nvPr>
+        </p:nvSpPr>
+        <p:spPr>
+          <a:xfrm>
+            <a:off x="952229" y="4629234"/>
+            <a:ext cx="3973386" cy="1485319"/>
+          </a:xfrm>
+          <a:noFill/>
+        </p:spPr>
+        <p:txBody>
+          <a:bodyPr vert="horz" lIns="91440" tIns="45720" rIns="91440" bIns="45720" rtlCol="0">
+            <a:normAutofit/>
+          </a:bodyPr>
+          <a:lstStyle/>
+          <a:p>
+            <a:pPr marL="0" indent="0">
+              <a:buNone/>
+            </a:pPr>
+            <a:r>
+              <a:rPr lang="en-US" sz="2400" dirty="0"/>
+              <a:t>Will this measure disadvantage different groups of people?</a:t>
+            </a:r>
+          </a:p>
+        </p:txBody>
+      </p:sp>
+    </p:spTree>
+    <p:extLst>
+      <p:ext uri="{BB962C8B-B14F-4D97-AF65-F5344CB8AC3E}">
+        <p14:creationId xmlns:p14="http://schemas.microsoft.com/office/powerpoint/2010/main" val="2504330044"/>
+      </p:ext>
+    </p:extLst>
+  </p:cSld>
+  <p:clrMapOvr>
+    <a:masterClrMapping/>
+  </p:clrMapOvr>
+</p:sld>
+</file>
+
+<file path=ppt/slides/slide11.xml><?xml version="1.0" encoding="utf-8"?>
+<p:sld xmlns:a="http://schemas.openxmlformats.org/drawingml/2006/main" xmlns:r="http://schemas.openxmlformats.org/officeDocument/2006/relationships" xmlns:p="http://schemas.openxmlformats.org/presentationml/2006/main">
+  <p:cSld>
+    <p:bg>
+      <p:bgPr>
+        <a:solidFill>
+          <a:schemeClr val="bg1"/>
+        </a:solidFill>
+        <a:effectLst/>
+      </p:bgPr>
+    </p:bg>
+    <p:spTree>
+      <p:nvGrpSpPr>
+        <p:cNvPr id="1" name=""/>
+        <p:cNvGrpSpPr/>
+        <p:nvPr/>
+      </p:nvGrpSpPr>
+      <p:grpSpPr>
+        <a:xfrm>
+          <a:off x="0" y="0"/>
+          <a:ext cx="0" cy="0"/>
+          <a:chOff x="0" y="0"/>
+          <a:chExt cx="0" cy="0"/>
+        </a:xfrm>
+      </p:grpSpPr>
+      <p:sp useBgFill="1">
+        <p:nvSpPr>
+          <p:cNvPr id="11" name="Rectangle 8">
+            <a:extLst>
+              <a:ext uri="{FF2B5EF4-FFF2-40B4-BE49-F238E27FC236}">
+                <a16:creationId xmlns:a16="http://schemas.microsoft.com/office/drawing/2014/main" id="{C93D702E-F4E0-47FC-A74C-ECD9647A81AA}"/>
+              </a:ext>
+              <a:ext uri="{C183D7F6-B498-43B3-948B-1728B52AA6E4}">
+                <adec:decorative xmlns:adec="http://schemas.microsoft.com/office/drawing/2017/decorative" val="1"/>
+              </a:ext>
+            </a:extLst>
+          </p:cNvPr>
+          <p:cNvSpPr>
+            <a:spLocks noGrp="1" noRot="1" noChangeAspect="1" noMove="1" noResize="1" noEditPoints="1" noAdjustHandles="1" noChangeArrowheads="1" noChangeShapeType="1" noTextEdit="1"/>
+          </p:cNvSpPr>
+          <p:nvPr>
+            <p:extLst>
+              <p:ext uri="{386F3935-93C4-4BCD-93E2-E3B085C9AB24}">
+                <p16:designElem xmlns:p16="http://schemas.microsoft.com/office/powerpoint/2015/main" val="1"/>
+              </p:ext>
+            </p:extLst>
+          </p:nvPr>
+        </p:nvSpPr>
+        <p:spPr>
+          <a:xfrm>
+            <a:off x="0" y="0"/>
+            <a:ext cx="12188952" cy="6858000"/>
+          </a:xfrm>
+          <a:prstGeom prst="rect">
+            <a:avLst/>
+          </a:prstGeom>
+          <a:ln>
+            <a:noFill/>
+          </a:ln>
+        </p:spPr>
+        <p:style>
+          <a:lnRef idx="2">
+            <a:schemeClr val="accent1">
+              <a:shade val="50000"/>
+            </a:schemeClr>
+          </a:lnRef>
+          <a:fillRef idx="1">
+            <a:schemeClr val="accent1"/>
+          </a:fillRef>
+          <a:effectRef idx="0">
+            <a:schemeClr val="accent1"/>
+          </a:effectRef>
+          <a:fontRef idx="minor">
+            <a:schemeClr val="lt1"/>
+          </a:fontRef>
+        </p:style>
+        <p:txBody>
+          <a:bodyPr rtlCol="0" anchor="ctr"/>
+          <a:lstStyle/>
+          <a:p>
+            <a:pPr algn="ctr"/>
+            <a:endParaRPr lang="en-US"/>
+          </a:p>
+        </p:txBody>
+      </p:sp>
+      <p:sp>
+        <p:nvSpPr>
+          <p:cNvPr id="2" name="Title 1">
+            <a:extLst>
+              <a:ext uri="{FF2B5EF4-FFF2-40B4-BE49-F238E27FC236}">
+                <a16:creationId xmlns:a16="http://schemas.microsoft.com/office/drawing/2014/main" id="{25D5758D-8B3E-83C0-A9C9-6163D486A49F}"/>
+              </a:ext>
+            </a:extLst>
+          </p:cNvPr>
+          <p:cNvSpPr>
+            <a:spLocks noGrp="1"/>
+          </p:cNvSpPr>
+          <p:nvPr>
+            <p:ph type="title"/>
+          </p:nvPr>
+        </p:nvSpPr>
+        <p:spPr>
+          <a:xfrm>
+            <a:off x="1524000" y="3851974"/>
+            <a:ext cx="9144000" cy="758126"/>
+          </a:xfrm>
+        </p:spPr>
+        <p:txBody>
+          <a:bodyPr vert="horz" lIns="91440" tIns="45720" rIns="91440" bIns="45720" rtlCol="0" anchor="b">
+            <a:normAutofit/>
+          </a:bodyPr>
+          <a:lstStyle/>
+          <a:p>
+            <a:pPr algn="ctr"/>
+            <a:r>
+              <a:rPr lang="en-US" dirty="0"/>
+              <a:t>Alternative Approaches to Feedback</a:t>
+            </a:r>
+          </a:p>
+        </p:txBody>
+      </p:sp>
+      <p:pic>
+        <p:nvPicPr>
+          <p:cNvPr id="12" name="Picture 4" descr="Arrows pointing right while one points left">
+            <a:extLst>
+              <a:ext uri="{FF2B5EF4-FFF2-40B4-BE49-F238E27FC236}">
+                <a16:creationId xmlns:a16="http://schemas.microsoft.com/office/drawing/2014/main" id="{25C63931-D953-D10B-18D2-BD33C9C4A733}"/>
+              </a:ext>
+            </a:extLst>
+          </p:cNvPr>
+          <p:cNvPicPr>
+            <a:picLocks noChangeAspect="1"/>
+          </p:cNvPicPr>
+          <p:nvPr/>
+        </p:nvPicPr>
+        <p:blipFill rotWithShape="1">
+          <a:blip r:embed="rId2"/>
+          <a:srcRect t="23229" b="22310"/>
+          <a:stretch/>
+        </p:blipFill>
+        <p:spPr>
+          <a:xfrm>
+            <a:off x="838201" y="10"/>
+            <a:ext cx="10484412" cy="3811394"/>
+          </a:xfrm>
+          <a:custGeom>
+            <a:avLst/>
+            <a:gdLst/>
+            <a:ahLst/>
+            <a:cxnLst/>
+            <a:rect l="l" t="t" r="r" b="b"/>
+            <a:pathLst>
+              <a:path w="10484412" h="3811404">
+                <a:moveTo>
+                  <a:pt x="0" y="3811403"/>
+                </a:moveTo>
+                <a:lnTo>
+                  <a:pt x="10484412" y="3811403"/>
+                </a:lnTo>
+                <a:lnTo>
+                  <a:pt x="10484412" y="3811404"/>
+                </a:lnTo>
+                <a:lnTo>
+                  <a:pt x="0" y="3811404"/>
+                </a:lnTo>
+                <a:close/>
+                <a:moveTo>
+                  <a:pt x="181717" y="0"/>
+                </a:moveTo>
+                <a:lnTo>
+                  <a:pt x="10224015" y="0"/>
+                </a:lnTo>
+                <a:cubicBezTo>
+                  <a:pt x="10261561" y="45054"/>
+                  <a:pt x="10301611" y="85103"/>
+                  <a:pt x="10369193" y="110134"/>
+                </a:cubicBezTo>
+                <a:cubicBezTo>
+                  <a:pt x="10321635" y="167704"/>
+                  <a:pt x="10236530" y="182722"/>
+                  <a:pt x="10173954" y="222771"/>
+                </a:cubicBezTo>
+                <a:cubicBezTo>
+                  <a:pt x="10168948" y="255310"/>
+                  <a:pt x="10269071" y="245298"/>
+                  <a:pt x="10241537" y="317887"/>
+                </a:cubicBezTo>
+                <a:cubicBezTo>
+                  <a:pt x="10206494" y="418008"/>
+                  <a:pt x="10241537" y="528142"/>
+                  <a:pt x="10071328" y="573196"/>
+                </a:cubicBezTo>
+                <a:cubicBezTo>
+                  <a:pt x="10023770" y="668312"/>
+                  <a:pt x="10008751" y="820997"/>
+                  <a:pt x="10113880" y="913610"/>
+                </a:cubicBezTo>
+                <a:cubicBezTo>
+                  <a:pt x="10271573" y="1048774"/>
+                  <a:pt x="10244040" y="1138885"/>
+                  <a:pt x="10036285" y="1216478"/>
+                </a:cubicBezTo>
+                <a:cubicBezTo>
+                  <a:pt x="10011255" y="1226491"/>
+                  <a:pt x="9978715" y="1231497"/>
+                  <a:pt x="9966200" y="1256528"/>
+                </a:cubicBezTo>
+                <a:cubicBezTo>
+                  <a:pt x="9986224" y="1289067"/>
+                  <a:pt x="10031280" y="1281557"/>
+                  <a:pt x="10063819" y="1289067"/>
+                </a:cubicBezTo>
+                <a:cubicBezTo>
+                  <a:pt x="10211500" y="1324110"/>
+                  <a:pt x="10214003" y="1324110"/>
+                  <a:pt x="10176457" y="1441752"/>
+                </a:cubicBezTo>
+                <a:cubicBezTo>
+                  <a:pt x="10163942" y="1476795"/>
+                  <a:pt x="10188972" y="1491813"/>
+                  <a:pt x="10211500" y="1511838"/>
+                </a:cubicBezTo>
+                <a:cubicBezTo>
+                  <a:pt x="10296604" y="1591936"/>
+                  <a:pt x="10296604" y="1594439"/>
+                  <a:pt x="10206494" y="1664523"/>
+                </a:cubicBezTo>
+                <a:cubicBezTo>
+                  <a:pt x="10181463" y="1684547"/>
+                  <a:pt x="10163942" y="1704572"/>
+                  <a:pt x="10151426" y="1732106"/>
+                </a:cubicBezTo>
+                <a:cubicBezTo>
+                  <a:pt x="10128899" y="1782166"/>
+                  <a:pt x="10128899" y="1822216"/>
+                  <a:pt x="10208996" y="1847246"/>
+                </a:cubicBezTo>
+                <a:cubicBezTo>
+                  <a:pt x="10266568" y="1864767"/>
+                  <a:pt x="10296604" y="1884791"/>
+                  <a:pt x="10299107" y="1939858"/>
+                </a:cubicBezTo>
+                <a:cubicBezTo>
+                  <a:pt x="10299107" y="1987416"/>
+                  <a:pt x="10306617" y="2017452"/>
+                  <a:pt x="10244040" y="2037477"/>
+                </a:cubicBezTo>
+                <a:cubicBezTo>
+                  <a:pt x="10193979" y="2054998"/>
+                  <a:pt x="10178960" y="2090041"/>
+                  <a:pt x="10183966" y="2130089"/>
+                </a:cubicBezTo>
+                <a:cubicBezTo>
+                  <a:pt x="10193979" y="2230211"/>
+                  <a:pt x="10126396" y="2287781"/>
+                  <a:pt x="10013758" y="2335339"/>
+                </a:cubicBezTo>
+                <a:cubicBezTo>
+                  <a:pt x="9908629" y="2377890"/>
+                  <a:pt x="9813513" y="2437963"/>
+                  <a:pt x="9715893" y="2493030"/>
+                </a:cubicBezTo>
+                <a:cubicBezTo>
+                  <a:pt x="9605758" y="2553103"/>
+                  <a:pt x="9480605" y="2590649"/>
+                  <a:pt x="9347942" y="2623189"/>
+                </a:cubicBezTo>
+                <a:cubicBezTo>
+                  <a:pt x="9370469" y="2665740"/>
+                  <a:pt x="9453071" y="2640710"/>
+                  <a:pt x="9460580" y="2700783"/>
+                </a:cubicBezTo>
+                <a:cubicBezTo>
+                  <a:pt x="9255329" y="2753346"/>
+                  <a:pt x="9060089" y="2833444"/>
+                  <a:pt x="8827305" y="2855971"/>
+                </a:cubicBezTo>
+                <a:cubicBezTo>
+                  <a:pt x="9015035" y="2843456"/>
+                  <a:pt x="9182740" y="2908535"/>
+                  <a:pt x="9360458" y="2926056"/>
+                </a:cubicBezTo>
+                <a:cubicBezTo>
+                  <a:pt x="9377980" y="2961099"/>
+                  <a:pt x="9337930" y="2951087"/>
+                  <a:pt x="9322912" y="2958595"/>
+                </a:cubicBezTo>
+                <a:cubicBezTo>
+                  <a:pt x="9307893" y="2963602"/>
+                  <a:pt x="9287869" y="2966105"/>
+                  <a:pt x="9285366" y="2991135"/>
+                </a:cubicBezTo>
+                <a:cubicBezTo>
+                  <a:pt x="9370469" y="3023675"/>
+                  <a:pt x="9478102" y="2998644"/>
+                  <a:pt x="9565709" y="3033687"/>
+                </a:cubicBezTo>
+                <a:cubicBezTo>
+                  <a:pt x="9543182" y="3083748"/>
+                  <a:pt x="9468090" y="3056214"/>
+                  <a:pt x="9435550" y="3096263"/>
+                </a:cubicBezTo>
+                <a:cubicBezTo>
+                  <a:pt x="9518151" y="3101269"/>
+                  <a:pt x="9593243" y="3103772"/>
+                  <a:pt x="9668335" y="3113784"/>
+                </a:cubicBezTo>
+                <a:cubicBezTo>
+                  <a:pt x="9725905" y="3121294"/>
+                  <a:pt x="9740924" y="3163845"/>
+                  <a:pt x="9700875" y="3193882"/>
+                </a:cubicBezTo>
+                <a:cubicBezTo>
+                  <a:pt x="9665832" y="3221415"/>
+                  <a:pt x="9613268" y="3223918"/>
+                  <a:pt x="9565709" y="3236434"/>
+                </a:cubicBezTo>
+                <a:cubicBezTo>
+                  <a:pt x="9232801" y="3319034"/>
+                  <a:pt x="8882372" y="3351573"/>
+                  <a:pt x="8529440" y="3364088"/>
+                </a:cubicBezTo>
+                <a:cubicBezTo>
+                  <a:pt x="7961245" y="3386616"/>
+                  <a:pt x="7393049" y="3394125"/>
+                  <a:pt x="6827357" y="3419155"/>
+                </a:cubicBezTo>
+                <a:cubicBezTo>
+                  <a:pt x="6481933" y="3434173"/>
+                  <a:pt x="6136510" y="3456701"/>
+                  <a:pt x="5788584" y="3456701"/>
+                </a:cubicBezTo>
+                <a:cubicBezTo>
+                  <a:pt x="5415628" y="3456701"/>
+                  <a:pt x="5042671" y="3464210"/>
+                  <a:pt x="4669714" y="3411646"/>
+                </a:cubicBezTo>
+                <a:cubicBezTo>
+                  <a:pt x="4479481" y="3384113"/>
+                  <a:pt x="4279236" y="3396628"/>
+                  <a:pt x="4086500" y="3376603"/>
+                </a:cubicBezTo>
+                <a:cubicBezTo>
+                  <a:pt x="3793641" y="3346568"/>
+                  <a:pt x="3500782" y="3306518"/>
+                  <a:pt x="3210426" y="3256458"/>
+                </a:cubicBezTo>
+                <a:cubicBezTo>
+                  <a:pt x="3117813" y="3241439"/>
+                  <a:pt x="3007678" y="3231428"/>
+                  <a:pt x="2937592" y="3166348"/>
+                </a:cubicBezTo>
+                <a:cubicBezTo>
+                  <a:pt x="2824954" y="3211403"/>
+                  <a:pt x="2757372" y="3131305"/>
+                  <a:pt x="2669765" y="3106275"/>
+                </a:cubicBezTo>
+                <a:cubicBezTo>
+                  <a:pt x="2634722" y="3096263"/>
+                  <a:pt x="2592169" y="3081245"/>
+                  <a:pt x="2597176" y="3048705"/>
+                </a:cubicBezTo>
+                <a:cubicBezTo>
+                  <a:pt x="2604685" y="3006154"/>
+                  <a:pt x="2654746" y="2978620"/>
+                  <a:pt x="2702304" y="2986130"/>
+                </a:cubicBezTo>
+                <a:cubicBezTo>
+                  <a:pt x="2849986" y="3011160"/>
+                  <a:pt x="2985150" y="2948584"/>
+                  <a:pt x="3137838" y="2956093"/>
+                </a:cubicBezTo>
+                <a:cubicBezTo>
+                  <a:pt x="3005175" y="2933565"/>
+                  <a:pt x="2872513" y="2908535"/>
+                  <a:pt x="2739850" y="2886007"/>
+                </a:cubicBezTo>
+                <a:cubicBezTo>
+                  <a:pt x="2940095" y="2863480"/>
+                  <a:pt x="3132831" y="2896020"/>
+                  <a:pt x="3328071" y="2913541"/>
+                </a:cubicBezTo>
+                <a:cubicBezTo>
+                  <a:pt x="3390647" y="2921050"/>
+                  <a:pt x="3485763" y="2968608"/>
+                  <a:pt x="3503285" y="2898523"/>
+                </a:cubicBezTo>
+                <a:cubicBezTo>
+                  <a:pt x="3513297" y="2850965"/>
+                  <a:pt x="3410671" y="2850965"/>
+                  <a:pt x="3350598" y="2838450"/>
+                </a:cubicBezTo>
+                <a:cubicBezTo>
+                  <a:pt x="3090279" y="2785886"/>
+                  <a:pt x="2824954" y="2758353"/>
+                  <a:pt x="2562133" y="2725813"/>
+                </a:cubicBezTo>
+                <a:cubicBezTo>
+                  <a:pt x="2537102" y="2723310"/>
+                  <a:pt x="2504562" y="2725813"/>
+                  <a:pt x="2487041" y="2715801"/>
+                </a:cubicBezTo>
+                <a:cubicBezTo>
+                  <a:pt x="2354378" y="2633200"/>
+                  <a:pt x="2184170" y="2608170"/>
+                  <a:pt x="1998943" y="2548097"/>
+                </a:cubicBezTo>
+                <a:cubicBezTo>
+                  <a:pt x="2116587" y="2515558"/>
+                  <a:pt x="2196685" y="2575630"/>
+                  <a:pt x="2294304" y="2560612"/>
+                </a:cubicBezTo>
+                <a:cubicBezTo>
+                  <a:pt x="2196685" y="2498036"/>
+                  <a:pt x="2079041" y="2488024"/>
+                  <a:pt x="1978918" y="2455485"/>
+                </a:cubicBezTo>
+                <a:cubicBezTo>
+                  <a:pt x="1906330" y="2430454"/>
+                  <a:pt x="1635999" y="2357866"/>
+                  <a:pt x="1595950" y="2335339"/>
+                </a:cubicBezTo>
+                <a:cubicBezTo>
+                  <a:pt x="1473299" y="2267756"/>
+                  <a:pt x="1315606" y="2237720"/>
+                  <a:pt x="1215483" y="2145108"/>
+                </a:cubicBezTo>
+                <a:cubicBezTo>
+                  <a:pt x="1145398" y="2080028"/>
+                  <a:pt x="1025251" y="2095047"/>
+                  <a:pt x="942649" y="2049992"/>
+                </a:cubicBezTo>
+                <a:cubicBezTo>
+                  <a:pt x="912613" y="2004937"/>
+                  <a:pt x="972686" y="1994925"/>
+                  <a:pt x="992711" y="1969894"/>
+                </a:cubicBezTo>
+                <a:cubicBezTo>
+                  <a:pt x="1020244" y="1939858"/>
+                  <a:pt x="972686" y="1922337"/>
+                  <a:pt x="960170" y="1884791"/>
+                </a:cubicBezTo>
+                <a:cubicBezTo>
+                  <a:pt x="1117863" y="1922337"/>
+                  <a:pt x="1268048" y="1944864"/>
+                  <a:pt x="1448268" y="1957380"/>
+                </a:cubicBezTo>
+                <a:cubicBezTo>
+                  <a:pt x="1390698" y="1897306"/>
+                  <a:pt x="1318109" y="1927343"/>
+                  <a:pt x="1270551" y="1904815"/>
+                </a:cubicBezTo>
+                <a:cubicBezTo>
+                  <a:pt x="1238011" y="1889797"/>
+                  <a:pt x="1190453" y="1884791"/>
+                  <a:pt x="1200466" y="1849749"/>
+                </a:cubicBezTo>
+                <a:cubicBezTo>
+                  <a:pt x="1207974" y="1822216"/>
+                  <a:pt x="1248023" y="1824718"/>
+                  <a:pt x="1278060" y="1827221"/>
+                </a:cubicBezTo>
+                <a:cubicBezTo>
+                  <a:pt x="1393201" y="1834730"/>
+                  <a:pt x="1503336" y="1834730"/>
+                  <a:pt x="1615974" y="1764645"/>
+                </a:cubicBezTo>
+                <a:cubicBezTo>
+                  <a:pt x="1338134" y="1669530"/>
+                  <a:pt x="1015238" y="1717087"/>
+                  <a:pt x="767434" y="1576917"/>
+                </a:cubicBezTo>
+                <a:cubicBezTo>
+                  <a:pt x="802477" y="1531862"/>
+                  <a:pt x="852539" y="1554390"/>
+                  <a:pt x="890085" y="1559396"/>
+                </a:cubicBezTo>
+                <a:cubicBezTo>
+                  <a:pt x="1132882" y="1591936"/>
+                  <a:pt x="2003949" y="1514341"/>
+                  <a:pt x="2129102" y="1556893"/>
+                </a:cubicBezTo>
+                <a:cubicBezTo>
+                  <a:pt x="2204195" y="1584426"/>
+                  <a:pt x="2286796" y="1594439"/>
+                  <a:pt x="2369396" y="1576917"/>
+                </a:cubicBezTo>
+                <a:cubicBezTo>
+                  <a:pt x="2469519" y="1554390"/>
+                  <a:pt x="1881298" y="1519347"/>
+                  <a:pt x="1746133" y="1421728"/>
+                </a:cubicBezTo>
+                <a:cubicBezTo>
+                  <a:pt x="1678551" y="1374170"/>
+                  <a:pt x="1082821" y="1146394"/>
+                  <a:pt x="819999" y="1083817"/>
+                </a:cubicBezTo>
+                <a:cubicBezTo>
+                  <a:pt x="857545" y="1041266"/>
+                  <a:pt x="952662" y="1066296"/>
+                  <a:pt x="940146" y="993707"/>
+                </a:cubicBezTo>
+                <a:cubicBezTo>
+                  <a:pt x="794969" y="956162"/>
+                  <a:pt x="627263" y="961168"/>
+                  <a:pt x="459558" y="903598"/>
+                </a:cubicBezTo>
+                <a:cubicBezTo>
+                  <a:pt x="537153" y="858543"/>
+                  <a:pt x="622257" y="883573"/>
+                  <a:pt x="699852" y="868556"/>
+                </a:cubicBezTo>
+                <a:cubicBezTo>
+                  <a:pt x="657300" y="813489"/>
+                  <a:pt x="582208" y="823500"/>
+                  <a:pt x="522134" y="813489"/>
+                </a:cubicBezTo>
+                <a:cubicBezTo>
+                  <a:pt x="464564" y="803476"/>
+                  <a:pt x="349423" y="708360"/>
+                  <a:pt x="374453" y="713367"/>
+                </a:cubicBezTo>
+                <a:cubicBezTo>
+                  <a:pt x="607238" y="750912"/>
+                  <a:pt x="842526" y="735895"/>
+                  <a:pt x="1075312" y="773440"/>
+                </a:cubicBezTo>
+                <a:cubicBezTo>
+                  <a:pt x="1152907" y="785955"/>
+                  <a:pt x="1238011" y="810986"/>
+                  <a:pt x="1275557" y="728385"/>
+                </a:cubicBezTo>
+                <a:cubicBezTo>
+                  <a:pt x="1285569" y="703355"/>
+                  <a:pt x="1278060" y="695846"/>
+                  <a:pt x="1385692" y="725882"/>
+                </a:cubicBezTo>
+                <a:cubicBezTo>
+                  <a:pt x="1425741" y="738397"/>
+                  <a:pt x="1483311" y="750912"/>
+                  <a:pt x="1525863" y="718373"/>
+                </a:cubicBezTo>
+                <a:cubicBezTo>
+                  <a:pt x="1498330" y="678325"/>
+                  <a:pt x="1445765" y="690839"/>
+                  <a:pt x="1408219" y="680828"/>
+                </a:cubicBezTo>
+                <a:cubicBezTo>
+                  <a:pt x="1305594" y="653294"/>
+                  <a:pt x="922624" y="548166"/>
+                  <a:pt x="825005" y="518129"/>
+                </a:cubicBezTo>
+                <a:cubicBezTo>
+                  <a:pt x="619754" y="453051"/>
+                  <a:pt x="492098" y="475578"/>
+                  <a:pt x="286846" y="405492"/>
+                </a:cubicBezTo>
+                <a:cubicBezTo>
+                  <a:pt x="356932" y="407995"/>
+                  <a:pt x="336907" y="380462"/>
+                  <a:pt x="406993" y="380462"/>
+                </a:cubicBezTo>
+                <a:cubicBezTo>
+                  <a:pt x="437030" y="380462"/>
+                  <a:pt x="472073" y="372954"/>
+                  <a:pt x="472073" y="342917"/>
+                </a:cubicBezTo>
+                <a:cubicBezTo>
+                  <a:pt x="472073" y="315384"/>
+                  <a:pt x="104123" y="170207"/>
+                  <a:pt x="156686" y="155188"/>
+                </a:cubicBezTo>
+                <a:cubicBezTo>
+                  <a:pt x="301865" y="115140"/>
+                  <a:pt x="667312" y="227777"/>
+                  <a:pt x="579705" y="175213"/>
+                </a:cubicBezTo>
+                <a:cubicBezTo>
+                  <a:pt x="447042" y="92613"/>
+                  <a:pt x="427018" y="77594"/>
+                  <a:pt x="326895" y="67583"/>
+                </a:cubicBezTo>
+                <a:cubicBezTo>
+                  <a:pt x="296858" y="62576"/>
+                  <a:pt x="244294" y="35043"/>
+                  <a:pt x="181717" y="0"/>
+                </a:cubicBezTo>
+                <a:close/>
+              </a:path>
+            </a:pathLst>
+          </a:custGeom>
+        </p:spPr>
+      </p:pic>
+      <p:sp>
+        <p:nvSpPr>
+          <p:cNvPr id="4" name="Title 1">
+            <a:extLst>
+              <a:ext uri="{FF2B5EF4-FFF2-40B4-BE49-F238E27FC236}">
+                <a16:creationId xmlns:a16="http://schemas.microsoft.com/office/drawing/2014/main" id="{62199C5F-9E50-D7E2-2895-94D07BD2C141}"/>
+              </a:ext>
+            </a:extLst>
+          </p:cNvPr>
+          <p:cNvSpPr txBox="1">
+            <a:spLocks/>
+          </p:cNvSpPr>
+          <p:nvPr/>
+        </p:nvSpPr>
+        <p:spPr>
+          <a:xfrm>
+            <a:off x="1524000" y="4779074"/>
+            <a:ext cx="9144000" cy="1405826"/>
+          </a:xfrm>
+          <a:prstGeom prst="rect">
+            <a:avLst/>
+          </a:prstGeom>
+        </p:spPr>
+        <p:txBody>
+          <a:bodyPr vert="horz" lIns="91440" tIns="45720" rIns="91440" bIns="45720" rtlCol="0" anchor="b">
+            <a:normAutofit/>
+          </a:bodyPr>
+          <a:lstStyle>
+            <a:lvl1pPr algn="l" defTabSz="914400" rtl="0" eaLnBrk="1" latinLnBrk="0" hangingPunct="1">
+              <a:lnSpc>
+                <a:spcPct val="90000"/>
+              </a:lnSpc>
+              <a:spcBef>
+                <a:spcPct val="0"/>
+              </a:spcBef>
+              <a:buNone/>
+              <a:defRPr sz="4400" kern="1200">
+                <a:solidFill>
+                  <a:schemeClr val="tx1"/>
+                </a:solidFill>
+                <a:latin typeface="+mj-lt"/>
+                <a:ea typeface="+mj-ea"/>
+                <a:cs typeface="+mj-cs"/>
+              </a:defRPr>
+            </a:lvl1pPr>
+          </a:lstStyle>
+          <a:p>
+            <a:pPr marL="571500" indent="-571500" algn="ctr">
+              <a:buFont typeface="Arial" panose="020B0604020202020204" pitchFamily="34" charset="0"/>
+              <a:buChar char="•"/>
+            </a:pPr>
+            <a:r>
+              <a:rPr lang="en-US" dirty="0"/>
+              <a:t>Item Response Theory</a:t>
+            </a:r>
+          </a:p>
+          <a:p>
+            <a:pPr marL="571500" indent="-571500" algn="ctr">
+              <a:buFont typeface="Arial" panose="020B0604020202020204" pitchFamily="34" charset="0"/>
+              <a:buChar char="•"/>
+            </a:pPr>
+            <a:r>
+              <a:rPr lang="en-US" dirty="0" err="1"/>
+              <a:t>Generalisability</a:t>
+            </a:r>
+            <a:r>
+              <a:rPr lang="en-US" dirty="0"/>
+              <a:t> Theory</a:t>
+            </a:r>
+          </a:p>
+        </p:txBody>
+      </p:sp>
+    </p:spTree>
+    <p:extLst>
+      <p:ext uri="{BB962C8B-B14F-4D97-AF65-F5344CB8AC3E}">
+        <p14:creationId xmlns:p14="http://schemas.microsoft.com/office/powerpoint/2010/main" val="3970146366"/>
+      </p:ext>
+    </p:extLst>
+  </p:cSld>
+  <p:clrMapOvr>
+    <a:masterClrMapping/>
+  </p:clrMapOvr>
+</p:sld>
+</file>
+
+<file path=ppt/slides/slide12.xml><?xml version="1.0" encoding="utf-8"?>
+<p:sld xmlns:a="http://schemas.openxmlformats.org/drawingml/2006/main" xmlns:r="http://schemas.openxmlformats.org/officeDocument/2006/relationships" xmlns:p="http://schemas.openxmlformats.org/presentationml/2006/main">
+  <p:cSld>
+    <p:bg>
+      <p:bgPr>
+        <a:solidFill>
+          <a:schemeClr val="bg1"/>
+        </a:solidFill>
+        <a:effectLst/>
+      </p:bgPr>
+    </p:bg>
+    <p:spTree>
+      <p:nvGrpSpPr>
+        <p:cNvPr id="1" name=""/>
+        <p:cNvGrpSpPr/>
+        <p:nvPr/>
+      </p:nvGrpSpPr>
+      <p:grpSpPr>
+        <a:xfrm>
+          <a:off x="0" y="0"/>
+          <a:ext cx="0" cy="0"/>
+          <a:chOff x="0" y="0"/>
+          <a:chExt cx="0" cy="0"/>
+        </a:xfrm>
+      </p:grpSpPr>
+      <p:sp useBgFill="1">
+        <p:nvSpPr>
+          <p:cNvPr id="9" name="Rectangle 8">
+            <a:extLst>
+              <a:ext uri="{FF2B5EF4-FFF2-40B4-BE49-F238E27FC236}">
+                <a16:creationId xmlns:a16="http://schemas.microsoft.com/office/drawing/2014/main" id="{8FC9BE17-9A7B-462D-AE50-3D8777387304}"/>
+              </a:ext>
+              <a:ext uri="{C183D7F6-B498-43B3-948B-1728B52AA6E4}">
+                <adec:decorative xmlns:adec="http://schemas.microsoft.com/office/drawing/2017/decorative" val="1"/>
+              </a:ext>
+            </a:extLst>
+          </p:cNvPr>
+          <p:cNvSpPr>
+            <a:spLocks noGrp="1" noRot="1" noChangeAspect="1" noMove="1" noResize="1" noEditPoints="1" noAdjustHandles="1" noChangeArrowheads="1" noChangeShapeType="1" noTextEdit="1"/>
+          </p:cNvSpPr>
+          <p:nvPr>
+            <p:extLst>
+              <p:ext uri="{386F3935-93C4-4BCD-93E2-E3B085C9AB24}">
+                <p16:designElem xmlns:p16="http://schemas.microsoft.com/office/powerpoint/2015/main" val="1"/>
+              </p:ext>
+            </p:extLst>
+          </p:nvPr>
+        </p:nvSpPr>
+        <p:spPr>
+          <a:xfrm>
+            <a:off x="0" y="0"/>
+            <a:ext cx="12192000" cy="6858000"/>
+          </a:xfrm>
+          <a:prstGeom prst="rect">
+            <a:avLst/>
+          </a:prstGeom>
+          <a:ln>
+            <a:noFill/>
+          </a:ln>
+        </p:spPr>
+        <p:style>
+          <a:lnRef idx="2">
+            <a:schemeClr val="accent1">
+              <a:shade val="50000"/>
+            </a:schemeClr>
+          </a:lnRef>
+          <a:fillRef idx="1">
+            <a:schemeClr val="accent1"/>
+          </a:fillRef>
+          <a:effectRef idx="0">
+            <a:schemeClr val="accent1"/>
+          </a:effectRef>
+          <a:fontRef idx="minor">
+            <a:schemeClr val="lt1"/>
+          </a:fontRef>
+        </p:style>
+        <p:txBody>
+          <a:bodyPr rtlCol="0" anchor="ctr"/>
+          <a:lstStyle/>
+          <a:p>
+            <a:pPr algn="ctr"/>
+            <a:endParaRPr lang="en-US"/>
+          </a:p>
+        </p:txBody>
+      </p:sp>
+      <p:pic>
+        <p:nvPicPr>
+          <p:cNvPr id="5" name="Picture 4" descr="A close up view of a puzzle game">
+            <a:extLst>
+              <a:ext uri="{FF2B5EF4-FFF2-40B4-BE49-F238E27FC236}">
+                <a16:creationId xmlns:a16="http://schemas.microsoft.com/office/drawing/2014/main" id="{CA6C843E-943C-C83C-8B75-7F2766C79E3D}"/>
+              </a:ext>
+            </a:extLst>
+          </p:cNvPr>
+          <p:cNvPicPr>
+            <a:picLocks noChangeAspect="1"/>
+          </p:cNvPicPr>
+          <p:nvPr/>
+        </p:nvPicPr>
+        <p:blipFill rotWithShape="1">
+          <a:blip r:embed="rId2"/>
+          <a:srcRect l="6363" r="9264" b="-1"/>
+          <a:stretch/>
+        </p:blipFill>
+        <p:spPr>
+          <a:xfrm>
+            <a:off x="3523488" y="10"/>
+            <a:ext cx="8668512" cy="6857990"/>
+          </a:xfrm>
+          <a:prstGeom prst="rect">
+            <a:avLst/>
+          </a:prstGeom>
+        </p:spPr>
+      </p:pic>
+      <p:sp>
+        <p:nvSpPr>
+          <p:cNvPr id="11" name="Rectangle 10">
+            <a:extLst>
+              <a:ext uri="{FF2B5EF4-FFF2-40B4-BE49-F238E27FC236}">
+                <a16:creationId xmlns:a16="http://schemas.microsoft.com/office/drawing/2014/main" id="{3EBE8569-6AEC-4B8C-8D53-2DE337CDBA65}"/>
+              </a:ext>
+              <a:ext uri="{C183D7F6-B498-43B3-948B-1728B52AA6E4}">
+                <adec:decorative xmlns:adec="http://schemas.microsoft.com/office/drawing/2017/decorative" val="1"/>
+              </a:ext>
+            </a:extLst>
+          </p:cNvPr>
+          <p:cNvSpPr>
+            <a:spLocks noGrp="1" noRot="1" noChangeAspect="1" noMove="1" noResize="1" noEditPoints="1" noAdjustHandles="1" noChangeArrowheads="1" noChangeShapeType="1" noTextEdit="1"/>
+          </p:cNvSpPr>
+          <p:nvPr>
+            <p:extLst>
+              <p:ext uri="{386F3935-93C4-4BCD-93E2-E3B085C9AB24}">
+                <p16:designElem xmlns:p16="http://schemas.microsoft.com/office/powerpoint/2015/main" val="1"/>
+              </p:ext>
+            </p:extLst>
+          </p:nvPr>
+        </p:nvSpPr>
+        <p:spPr>
+          <a:xfrm>
+            <a:off x="2" y="0"/>
+            <a:ext cx="9756601" cy="6858000"/>
+          </a:xfrm>
+          <a:prstGeom prst="rect">
+            <a:avLst/>
+          </a:prstGeom>
+          <a:gradFill>
+            <a:gsLst>
+              <a:gs pos="58000">
+                <a:schemeClr val="bg1"/>
+              </a:gs>
+              <a:gs pos="35000">
+                <a:schemeClr val="bg1">
+                  <a:alpha val="78000"/>
+                </a:schemeClr>
+              </a:gs>
+              <a:gs pos="19000">
+                <a:schemeClr val="bg1">
+                  <a:alpha val="38000"/>
+                </a:schemeClr>
+              </a:gs>
+              <a:gs pos="0">
+                <a:schemeClr val="bg1">
+                  <a:alpha val="0"/>
+                </a:schemeClr>
+              </a:gs>
+              <a:gs pos="100000">
+                <a:schemeClr val="bg1"/>
+              </a:gs>
+            </a:gsLst>
+            <a:lin ang="10800000" scaled="0"/>
+          </a:gradFill>
+          <a:ln>
+            <a:noFill/>
+          </a:ln>
+        </p:spPr>
+        <p:style>
+          <a:lnRef idx="2">
+            <a:schemeClr val="accent1">
+              <a:shade val="50000"/>
+            </a:schemeClr>
+          </a:lnRef>
+          <a:fillRef idx="1">
+            <a:schemeClr val="accent1"/>
+          </a:fillRef>
+          <a:effectRef idx="0">
+            <a:schemeClr val="accent1"/>
+          </a:effectRef>
+          <a:fontRef idx="minor">
+            <a:schemeClr val="lt1"/>
+          </a:fontRef>
+        </p:style>
+        <p:txBody>
+          <a:bodyPr rtlCol="0" anchor="ctr"/>
+          <a:lstStyle/>
+          <a:p>
+            <a:pPr algn="ctr"/>
+            <a:endParaRPr lang="en-US" dirty="0"/>
+          </a:p>
+        </p:txBody>
+      </p:sp>
+      <p:sp>
+        <p:nvSpPr>
+          <p:cNvPr id="2" name="Title 1">
+            <a:extLst>
+              <a:ext uri="{FF2B5EF4-FFF2-40B4-BE49-F238E27FC236}">
+                <a16:creationId xmlns:a16="http://schemas.microsoft.com/office/drawing/2014/main" id="{79FF3004-B832-732A-B47D-1D7550FA6856}"/>
+              </a:ext>
+            </a:extLst>
+          </p:cNvPr>
+          <p:cNvSpPr>
+            <a:spLocks noGrp="1"/>
+          </p:cNvSpPr>
+          <p:nvPr>
+            <p:ph type="title"/>
+          </p:nvPr>
+        </p:nvSpPr>
+        <p:spPr>
+          <a:xfrm>
+            <a:off x="371094" y="1161288"/>
+            <a:ext cx="3438144" cy="1124712"/>
+          </a:xfrm>
+        </p:spPr>
+        <p:txBody>
+          <a:bodyPr anchor="b">
+            <a:normAutofit/>
+          </a:bodyPr>
+          <a:lstStyle/>
+          <a:p>
+            <a:r>
+              <a:rPr lang="en-US" sz="3600" dirty="0"/>
+              <a:t>Re-cap: Standard Scores</a:t>
+            </a:r>
+            <a:endParaRPr lang="en-GB" sz="3600" dirty="0"/>
+          </a:p>
+        </p:txBody>
+      </p:sp>
+      <p:sp>
+        <p:nvSpPr>
+          <p:cNvPr id="13" name="Rectangle 12">
+            <a:extLst>
+              <a:ext uri="{FF2B5EF4-FFF2-40B4-BE49-F238E27FC236}">
+                <a16:creationId xmlns:a16="http://schemas.microsoft.com/office/drawing/2014/main" id="{55D4142C-5077-457F-A6AD-3FECFDB39685}"/>
+              </a:ext>
+              <a:ext uri="{C183D7F6-B498-43B3-948B-1728B52AA6E4}">
+                <adec:decorative xmlns:adec="http://schemas.microsoft.com/office/drawing/2017/decorative" val="1"/>
+              </a:ext>
+            </a:extLst>
+          </p:cNvPr>
+          <p:cNvSpPr>
+            <a:spLocks noGrp="1" noRot="1" noChangeAspect="1" noMove="1" noResize="1" noEditPoints="1" noAdjustHandles="1" noChangeArrowheads="1" noChangeShapeType="1" noTextEdit="1"/>
+          </p:cNvSpPr>
+          <p:nvPr>
+            <p:extLst>
+              <p:ext uri="{386F3935-93C4-4BCD-93E2-E3B085C9AB24}">
+                <p16:designElem xmlns:p16="http://schemas.microsoft.com/office/powerpoint/2015/main" val="1"/>
+              </p:ext>
+            </p:extLst>
+          </p:nvPr>
+        </p:nvSpPr>
+        <p:spPr>
+          <a:xfrm rot="5400000">
+            <a:off x="662559" y="605790"/>
+            <a:ext cx="73152" cy="548640"/>
+          </a:xfrm>
+          <a:prstGeom prst="rect">
+            <a:avLst/>
+          </a:prstGeom>
+          <a:solidFill>
+            <a:schemeClr val="accent2"/>
+          </a:solidFill>
+          <a:ln>
+            <a:noFill/>
+          </a:ln>
+        </p:spPr>
+        <p:style>
+          <a:lnRef idx="2">
+            <a:schemeClr val="accent1">
+              <a:shade val="50000"/>
+            </a:schemeClr>
+          </a:lnRef>
+          <a:fillRef idx="1">
+            <a:schemeClr val="accent1"/>
+          </a:fillRef>
+          <a:effectRef idx="0">
+            <a:schemeClr val="accent1"/>
+          </a:effectRef>
+          <a:fontRef idx="minor">
+            <a:schemeClr val="lt1"/>
+          </a:fontRef>
+        </p:style>
+        <p:txBody>
+          <a:bodyPr rtlCol="0" anchor="ctr"/>
+          <a:lstStyle/>
+          <a:p>
+            <a:pPr algn="ctr"/>
+            <a:endParaRPr lang="en-US">
+              <a:solidFill>
+                <a:prstClr val="white"/>
+              </a:solidFill>
+              <a:latin typeface="Calibri" panose="020F0502020204030204"/>
+            </a:endParaRPr>
+          </a:p>
+        </p:txBody>
+      </p:sp>
+      <p:sp>
+        <p:nvSpPr>
+          <p:cNvPr id="15" name="Rectangle 14">
+            <a:extLst>
+              <a:ext uri="{FF2B5EF4-FFF2-40B4-BE49-F238E27FC236}">
+                <a16:creationId xmlns:a16="http://schemas.microsoft.com/office/drawing/2014/main" id="{7A5F0580-5EE9-419F-96EE-B6529EF6E7D0}"/>
+              </a:ext>
+              <a:ext uri="{C183D7F6-B498-43B3-948B-1728B52AA6E4}">
+                <adec:decorative xmlns:adec="http://schemas.microsoft.com/office/drawing/2017/decorative" val="1"/>
+              </a:ext>
+            </a:extLst>
+          </p:cNvPr>
+          <p:cNvSpPr>
+            <a:spLocks noGrp="1" noRot="1" noChangeAspect="1" noMove="1" noResize="1" noEditPoints="1" noAdjustHandles="1" noChangeArrowheads="1" noChangeShapeType="1" noTextEdit="1"/>
+          </p:cNvSpPr>
+          <p:nvPr>
+            <p:extLst>
+              <p:ext uri="{386F3935-93C4-4BCD-93E2-E3B085C9AB24}">
+                <p16:designElem xmlns:p16="http://schemas.microsoft.com/office/powerpoint/2015/main" val="1"/>
+              </p:ext>
+            </p:extLst>
+          </p:nvPr>
+        </p:nvSpPr>
+        <p:spPr>
+          <a:xfrm>
+            <a:off x="428244" y="2443480"/>
+            <a:ext cx="3300984" cy="9144"/>
+          </a:xfrm>
+          <a:prstGeom prst="rect">
+            <a:avLst/>
+          </a:prstGeom>
+          <a:solidFill>
+            <a:srgbClr val="D5D5D5"/>
+          </a:solidFill>
+          <a:ln w="3175">
+            <a:solidFill>
+              <a:srgbClr val="D5D5D5"/>
+            </a:solidFill>
+          </a:ln>
+          <a:effectLst/>
+        </p:spPr>
+        <p:style>
+          <a:lnRef idx="2">
+            <a:schemeClr val="accent1">
+              <a:shade val="50000"/>
+            </a:schemeClr>
+          </a:lnRef>
+          <a:fillRef idx="1">
+            <a:schemeClr val="accent1"/>
+          </a:fillRef>
+          <a:effectRef idx="0">
+            <a:schemeClr val="accent1"/>
+          </a:effectRef>
+          <a:fontRef idx="minor">
+            <a:schemeClr val="lt1"/>
+          </a:fontRef>
+        </p:style>
+        <p:txBody>
+          <a:bodyPr rtlCol="0" anchor="ctr"/>
+          <a:lstStyle/>
+          <a:p>
+            <a:pPr marL="0" marR="0" lvl="0" indent="0" algn="ctr" defTabSz="914400" rtl="0" eaLnBrk="1" fontAlgn="auto" latinLnBrk="0" hangingPunct="1">
+              <a:lnSpc>
+                <a:spcPct val="100000"/>
+              </a:lnSpc>
+              <a:spcBef>
+                <a:spcPts val="0"/>
+              </a:spcBef>
+              <a:spcAft>
+                <a:spcPts val="0"/>
+              </a:spcAft>
+              <a:buClrTx/>
+              <a:buSzTx/>
+              <a:buFontTx/>
+              <a:buNone/>
+              <a:tabLst/>
+              <a:defRPr/>
+            </a:pPr>
+            <a:endParaRPr kumimoji="0" lang="en-US" sz="1800" b="0" i="0" u="none" strike="noStrike" kern="1200" cap="none" spc="0" normalizeH="0" baseline="0" noProof="0">
+              <a:ln>
+                <a:noFill/>
+              </a:ln>
+              <a:solidFill>
+                <a:prstClr val="white"/>
+              </a:solidFill>
+              <a:effectLst/>
+              <a:uLnTx/>
+              <a:uFillTx/>
+              <a:latin typeface="Calibri" panose="020F0502020204030204"/>
+              <a:ea typeface="+mn-ea"/>
+              <a:cs typeface="+mn-cs"/>
+            </a:endParaRPr>
+          </a:p>
+        </p:txBody>
+      </p:sp>
+      <p:sp>
+        <p:nvSpPr>
+          <p:cNvPr id="3" name="Content Placeholder 2">
+            <a:extLst>
+              <a:ext uri="{FF2B5EF4-FFF2-40B4-BE49-F238E27FC236}">
+                <a16:creationId xmlns:a16="http://schemas.microsoft.com/office/drawing/2014/main" id="{C7CAA97C-BAE6-D692-6703-B96FD665ADB9}"/>
+              </a:ext>
+            </a:extLst>
+          </p:cNvPr>
+          <p:cNvSpPr>
+            <a:spLocks noGrp="1"/>
+          </p:cNvSpPr>
+          <p:nvPr>
+            <p:ph idx="1"/>
+          </p:nvPr>
+        </p:nvSpPr>
+        <p:spPr>
+          <a:xfrm>
+            <a:off x="371094" y="2718054"/>
+            <a:ext cx="5547106" cy="3207258"/>
+          </a:xfrm>
+        </p:spPr>
+        <p:txBody>
+          <a:bodyPr anchor="t">
+            <a:normAutofit/>
+          </a:bodyPr>
+          <a:lstStyle/>
+          <a:p>
+            <a:r>
+              <a:rPr lang="en-US" sz="4000" dirty="0"/>
+              <a:t>A person scores 3 on a neuroticism scale; is this a high or a low score?</a:t>
+            </a:r>
+            <a:endParaRPr lang="en-GB" sz="4000" dirty="0"/>
+          </a:p>
+        </p:txBody>
+      </p:sp>
+    </p:spTree>
+    <p:extLst>
+      <p:ext uri="{BB962C8B-B14F-4D97-AF65-F5344CB8AC3E}">
+        <p14:creationId xmlns:p14="http://schemas.microsoft.com/office/powerpoint/2010/main" val="2556140162"/>
+      </p:ext>
+    </p:extLst>
+  </p:cSld>
+  <p:clrMapOvr>
+    <a:masterClrMapping/>
+  </p:clrMapOvr>
+</p:sld>
+</file>
+
+<file path=ppt/slides/slide13.xml><?xml version="1.0" encoding="utf-8"?>
+<p:sld xmlns:a="http://schemas.openxmlformats.org/drawingml/2006/main" xmlns:r="http://schemas.openxmlformats.org/officeDocument/2006/relationships" xmlns:p="http://schemas.openxmlformats.org/presentationml/2006/main">
+  <p:cSld>
+    <p:bg>
+      <p:bgPr>
+        <a:solidFill>
+          <a:schemeClr val="bg1"/>
+        </a:solidFill>
+        <a:effectLst/>
+      </p:bgPr>
+    </p:bg>
+    <p:spTree>
+      <p:nvGrpSpPr>
+        <p:cNvPr id="1" name=""/>
+        <p:cNvGrpSpPr/>
+        <p:nvPr/>
+      </p:nvGrpSpPr>
+      <p:grpSpPr>
+        <a:xfrm>
+          <a:off x="0" y="0"/>
+          <a:ext cx="0" cy="0"/>
+          <a:chOff x="0" y="0"/>
+          <a:chExt cx="0" cy="0"/>
+        </a:xfrm>
+      </p:grpSpPr>
+      <p:sp useBgFill="1">
+        <p:nvSpPr>
+          <p:cNvPr id="9" name="Rectangle 8">
+            <a:extLst>
+              <a:ext uri="{FF2B5EF4-FFF2-40B4-BE49-F238E27FC236}">
+                <a16:creationId xmlns:a16="http://schemas.microsoft.com/office/drawing/2014/main" id="{8FC9BE17-9A7B-462D-AE50-3D8777387304}"/>
+              </a:ext>
+              <a:ext uri="{C183D7F6-B498-43B3-948B-1728B52AA6E4}">
+                <adec:decorative xmlns:adec="http://schemas.microsoft.com/office/drawing/2017/decorative" val="1"/>
+              </a:ext>
+            </a:extLst>
+          </p:cNvPr>
+          <p:cNvSpPr>
+            <a:spLocks noGrp="1" noRot="1" noChangeAspect="1" noMove="1" noResize="1" noEditPoints="1" noAdjustHandles="1" noChangeArrowheads="1" noChangeShapeType="1" noTextEdit="1"/>
+          </p:cNvSpPr>
+          <p:nvPr>
+            <p:extLst>
+              <p:ext uri="{386F3935-93C4-4BCD-93E2-E3B085C9AB24}">
+                <p16:designElem xmlns:p16="http://schemas.microsoft.com/office/powerpoint/2015/main" val="1"/>
+              </p:ext>
+            </p:extLst>
+          </p:nvPr>
+        </p:nvSpPr>
+        <p:spPr>
+          <a:xfrm>
+            <a:off x="0" y="0"/>
+            <a:ext cx="12192000" cy="6858000"/>
+          </a:xfrm>
+          <a:prstGeom prst="rect">
+            <a:avLst/>
+          </a:prstGeom>
+          <a:ln>
+            <a:noFill/>
+          </a:ln>
+        </p:spPr>
+        <p:style>
+          <a:lnRef idx="2">
+            <a:schemeClr val="accent1">
+              <a:shade val="50000"/>
+            </a:schemeClr>
+          </a:lnRef>
+          <a:fillRef idx="1">
+            <a:schemeClr val="accent1"/>
+          </a:fillRef>
+          <a:effectRef idx="0">
+            <a:schemeClr val="accent1"/>
+          </a:effectRef>
+          <a:fontRef idx="minor">
+            <a:schemeClr val="lt1"/>
+          </a:fontRef>
+        </p:style>
+        <p:txBody>
+          <a:bodyPr rtlCol="0" anchor="ctr"/>
+          <a:lstStyle/>
+          <a:p>
+            <a:pPr algn="ctr"/>
+            <a:endParaRPr lang="en-US"/>
+          </a:p>
+        </p:txBody>
+      </p:sp>
+      <p:pic>
+        <p:nvPicPr>
+          <p:cNvPr id="5" name="Picture 4" descr="A close up view of a puzzle game">
+            <a:extLst>
+              <a:ext uri="{FF2B5EF4-FFF2-40B4-BE49-F238E27FC236}">
+                <a16:creationId xmlns:a16="http://schemas.microsoft.com/office/drawing/2014/main" id="{CA6C843E-943C-C83C-8B75-7F2766C79E3D}"/>
+              </a:ext>
+            </a:extLst>
+          </p:cNvPr>
+          <p:cNvPicPr>
+            <a:picLocks noChangeAspect="1"/>
+          </p:cNvPicPr>
+          <p:nvPr/>
+        </p:nvPicPr>
+        <p:blipFill rotWithShape="1">
+          <a:blip r:embed="rId2"/>
+          <a:srcRect l="6363" r="9264" b="-1"/>
+          <a:stretch/>
+        </p:blipFill>
+        <p:spPr>
+          <a:xfrm>
+            <a:off x="3523488" y="10"/>
+            <a:ext cx="8668512" cy="6857990"/>
+          </a:xfrm>
+          <a:prstGeom prst="rect">
+            <a:avLst/>
+          </a:prstGeom>
+        </p:spPr>
+      </p:pic>
+      <p:sp>
+        <p:nvSpPr>
+          <p:cNvPr id="11" name="Rectangle 10">
+            <a:extLst>
+              <a:ext uri="{FF2B5EF4-FFF2-40B4-BE49-F238E27FC236}">
+                <a16:creationId xmlns:a16="http://schemas.microsoft.com/office/drawing/2014/main" id="{3EBE8569-6AEC-4B8C-8D53-2DE337CDBA65}"/>
+              </a:ext>
+              <a:ext uri="{C183D7F6-B498-43B3-948B-1728B52AA6E4}">
+                <adec:decorative xmlns:adec="http://schemas.microsoft.com/office/drawing/2017/decorative" val="1"/>
+              </a:ext>
+            </a:extLst>
+          </p:cNvPr>
+          <p:cNvSpPr>
+            <a:spLocks noGrp="1" noRot="1" noChangeAspect="1" noMove="1" noResize="1" noEditPoints="1" noAdjustHandles="1" noChangeArrowheads="1" noChangeShapeType="1" noTextEdit="1"/>
+          </p:cNvSpPr>
+          <p:nvPr>
+            <p:extLst>
+              <p:ext uri="{386F3935-93C4-4BCD-93E2-E3B085C9AB24}">
+                <p16:designElem xmlns:p16="http://schemas.microsoft.com/office/powerpoint/2015/main" val="1"/>
+              </p:ext>
+            </p:extLst>
+          </p:nvPr>
+        </p:nvSpPr>
+        <p:spPr>
+          <a:xfrm>
+            <a:off x="2" y="0"/>
+            <a:ext cx="9756601" cy="6858000"/>
+          </a:xfrm>
+          <a:prstGeom prst="rect">
+            <a:avLst/>
+          </a:prstGeom>
+          <a:gradFill>
+            <a:gsLst>
+              <a:gs pos="58000">
+                <a:schemeClr val="bg1"/>
+              </a:gs>
+              <a:gs pos="35000">
+                <a:schemeClr val="bg1">
+                  <a:alpha val="78000"/>
+                </a:schemeClr>
+              </a:gs>
+              <a:gs pos="19000">
+                <a:schemeClr val="bg1">
+                  <a:alpha val="38000"/>
+                </a:schemeClr>
+              </a:gs>
+              <a:gs pos="0">
+                <a:schemeClr val="bg1">
+                  <a:alpha val="0"/>
+                </a:schemeClr>
+              </a:gs>
+              <a:gs pos="100000">
+                <a:schemeClr val="bg1"/>
+              </a:gs>
+            </a:gsLst>
+            <a:lin ang="10800000" scaled="0"/>
+          </a:gradFill>
+          <a:ln>
+            <a:noFill/>
+          </a:ln>
+        </p:spPr>
+        <p:style>
+          <a:lnRef idx="2">
+            <a:schemeClr val="accent1">
+              <a:shade val="50000"/>
+            </a:schemeClr>
+          </a:lnRef>
+          <a:fillRef idx="1">
+            <a:schemeClr val="accent1"/>
+          </a:fillRef>
+          <a:effectRef idx="0">
+            <a:schemeClr val="accent1"/>
+          </a:effectRef>
+          <a:fontRef idx="minor">
+            <a:schemeClr val="lt1"/>
+          </a:fontRef>
+        </p:style>
+        <p:txBody>
+          <a:bodyPr rtlCol="0" anchor="ctr"/>
+          <a:lstStyle/>
+          <a:p>
+            <a:pPr algn="ctr"/>
+            <a:endParaRPr lang="en-US" dirty="0"/>
+          </a:p>
+        </p:txBody>
+      </p:sp>
+      <p:sp>
+        <p:nvSpPr>
+          <p:cNvPr id="2" name="Title 1">
+            <a:extLst>
+              <a:ext uri="{FF2B5EF4-FFF2-40B4-BE49-F238E27FC236}">
+                <a16:creationId xmlns:a16="http://schemas.microsoft.com/office/drawing/2014/main" id="{79FF3004-B832-732A-B47D-1D7550FA6856}"/>
+              </a:ext>
+            </a:extLst>
+          </p:cNvPr>
+          <p:cNvSpPr>
+            <a:spLocks noGrp="1"/>
+          </p:cNvSpPr>
+          <p:nvPr>
+            <p:ph type="title"/>
+          </p:nvPr>
+        </p:nvSpPr>
+        <p:spPr>
+          <a:xfrm>
+            <a:off x="371094" y="1161288"/>
+            <a:ext cx="3438144" cy="1124712"/>
+          </a:xfrm>
+        </p:spPr>
+        <p:txBody>
+          <a:bodyPr anchor="b">
+            <a:normAutofit/>
+          </a:bodyPr>
+          <a:lstStyle/>
+          <a:p>
+            <a:r>
+              <a:rPr lang="en-US" sz="3600" dirty="0"/>
+              <a:t>Re-cap: Standard Scores</a:t>
+            </a:r>
+            <a:endParaRPr lang="en-GB" sz="3600" dirty="0"/>
+          </a:p>
+        </p:txBody>
+      </p:sp>
+      <p:sp>
+        <p:nvSpPr>
+          <p:cNvPr id="13" name="Rectangle 12">
+            <a:extLst>
+              <a:ext uri="{FF2B5EF4-FFF2-40B4-BE49-F238E27FC236}">
+                <a16:creationId xmlns:a16="http://schemas.microsoft.com/office/drawing/2014/main" id="{55D4142C-5077-457F-A6AD-3FECFDB39685}"/>
+              </a:ext>
+              <a:ext uri="{C183D7F6-B498-43B3-948B-1728B52AA6E4}">
+                <adec:decorative xmlns:adec="http://schemas.microsoft.com/office/drawing/2017/decorative" val="1"/>
+              </a:ext>
+            </a:extLst>
+          </p:cNvPr>
+          <p:cNvSpPr>
+            <a:spLocks noGrp="1" noRot="1" noChangeAspect="1" noMove="1" noResize="1" noEditPoints="1" noAdjustHandles="1" noChangeArrowheads="1" noChangeShapeType="1" noTextEdit="1"/>
+          </p:cNvSpPr>
+          <p:nvPr>
+            <p:extLst>
+              <p:ext uri="{386F3935-93C4-4BCD-93E2-E3B085C9AB24}">
+                <p16:designElem xmlns:p16="http://schemas.microsoft.com/office/powerpoint/2015/main" val="1"/>
+              </p:ext>
+            </p:extLst>
+          </p:nvPr>
+        </p:nvSpPr>
+        <p:spPr>
+          <a:xfrm rot="5400000">
+            <a:off x="662559" y="605790"/>
+            <a:ext cx="73152" cy="548640"/>
+          </a:xfrm>
+          <a:prstGeom prst="rect">
+            <a:avLst/>
+          </a:prstGeom>
+          <a:solidFill>
+            <a:schemeClr val="accent2"/>
+          </a:solidFill>
+          <a:ln>
+            <a:noFill/>
+          </a:ln>
+        </p:spPr>
+        <p:style>
+          <a:lnRef idx="2">
+            <a:schemeClr val="accent1">
+              <a:shade val="50000"/>
+            </a:schemeClr>
+          </a:lnRef>
+          <a:fillRef idx="1">
+            <a:schemeClr val="accent1"/>
+          </a:fillRef>
+          <a:effectRef idx="0">
+            <a:schemeClr val="accent1"/>
+          </a:effectRef>
+          <a:fontRef idx="minor">
+            <a:schemeClr val="lt1"/>
+          </a:fontRef>
+        </p:style>
+        <p:txBody>
+          <a:bodyPr rtlCol="0" anchor="ctr"/>
+          <a:lstStyle/>
+          <a:p>
+            <a:pPr algn="ctr"/>
+            <a:endParaRPr lang="en-US">
+              <a:solidFill>
+                <a:prstClr val="white"/>
+              </a:solidFill>
+              <a:latin typeface="Calibri" panose="020F0502020204030204"/>
+            </a:endParaRPr>
+          </a:p>
+        </p:txBody>
+      </p:sp>
+      <p:sp>
+        <p:nvSpPr>
+          <p:cNvPr id="15" name="Rectangle 14">
+            <a:extLst>
+              <a:ext uri="{FF2B5EF4-FFF2-40B4-BE49-F238E27FC236}">
+                <a16:creationId xmlns:a16="http://schemas.microsoft.com/office/drawing/2014/main" id="{7A5F0580-5EE9-419F-96EE-B6529EF6E7D0}"/>
+              </a:ext>
+              <a:ext uri="{C183D7F6-B498-43B3-948B-1728B52AA6E4}">
+                <adec:decorative xmlns:adec="http://schemas.microsoft.com/office/drawing/2017/decorative" val="1"/>
+              </a:ext>
+            </a:extLst>
+          </p:cNvPr>
+          <p:cNvSpPr>
+            <a:spLocks noGrp="1" noRot="1" noChangeAspect="1" noMove="1" noResize="1" noEditPoints="1" noAdjustHandles="1" noChangeArrowheads="1" noChangeShapeType="1" noTextEdit="1"/>
+          </p:cNvSpPr>
+          <p:nvPr>
+            <p:extLst>
+              <p:ext uri="{386F3935-93C4-4BCD-93E2-E3B085C9AB24}">
+                <p16:designElem xmlns:p16="http://schemas.microsoft.com/office/powerpoint/2015/main" val="1"/>
+              </p:ext>
+            </p:extLst>
+          </p:nvPr>
+        </p:nvSpPr>
+        <p:spPr>
+          <a:xfrm>
+            <a:off x="428244" y="2443480"/>
+            <a:ext cx="3300984" cy="9144"/>
+          </a:xfrm>
+          <a:prstGeom prst="rect">
+            <a:avLst/>
+          </a:prstGeom>
+          <a:solidFill>
+            <a:srgbClr val="D5D5D5"/>
+          </a:solidFill>
+          <a:ln w="3175">
+            <a:solidFill>
+              <a:srgbClr val="D5D5D5"/>
+            </a:solidFill>
+          </a:ln>
+          <a:effectLst/>
+        </p:spPr>
+        <p:style>
+          <a:lnRef idx="2">
+            <a:schemeClr val="accent1">
+              <a:shade val="50000"/>
+            </a:schemeClr>
+          </a:lnRef>
+          <a:fillRef idx="1">
+            <a:schemeClr val="accent1"/>
+          </a:fillRef>
+          <a:effectRef idx="0">
+            <a:schemeClr val="accent1"/>
+          </a:effectRef>
+          <a:fontRef idx="minor">
+            <a:schemeClr val="lt1"/>
+          </a:fontRef>
+        </p:style>
+        <p:txBody>
+          <a:bodyPr rtlCol="0" anchor="ctr"/>
+          <a:lstStyle/>
+          <a:p>
+            <a:pPr marL="0" marR="0" lvl="0" indent="0" algn="ctr" defTabSz="914400" rtl="0" eaLnBrk="1" fontAlgn="auto" latinLnBrk="0" hangingPunct="1">
+              <a:lnSpc>
+                <a:spcPct val="100000"/>
+              </a:lnSpc>
+              <a:spcBef>
+                <a:spcPts val="0"/>
+              </a:spcBef>
+              <a:spcAft>
+                <a:spcPts val="0"/>
+              </a:spcAft>
+              <a:buClrTx/>
+              <a:buSzTx/>
+              <a:buFontTx/>
+              <a:buNone/>
+              <a:tabLst/>
+              <a:defRPr/>
+            </a:pPr>
+            <a:endParaRPr kumimoji="0" lang="en-US" sz="1800" b="0" i="0" u="none" strike="noStrike" kern="1200" cap="none" spc="0" normalizeH="0" baseline="0" noProof="0">
+              <a:ln>
+                <a:noFill/>
+              </a:ln>
+              <a:solidFill>
+                <a:prstClr val="white"/>
+              </a:solidFill>
+              <a:effectLst/>
+              <a:uLnTx/>
+              <a:uFillTx/>
+              <a:latin typeface="Calibri" panose="020F0502020204030204"/>
+              <a:ea typeface="+mn-ea"/>
+              <a:cs typeface="+mn-cs"/>
+            </a:endParaRPr>
+          </a:p>
+        </p:txBody>
+      </p:sp>
+      <p:sp>
+        <p:nvSpPr>
+          <p:cNvPr id="3" name="Content Placeholder 2">
+            <a:extLst>
+              <a:ext uri="{FF2B5EF4-FFF2-40B4-BE49-F238E27FC236}">
+                <a16:creationId xmlns:a16="http://schemas.microsoft.com/office/drawing/2014/main" id="{C7CAA97C-BAE6-D692-6703-B96FD665ADB9}"/>
+              </a:ext>
+            </a:extLst>
+          </p:cNvPr>
+          <p:cNvSpPr>
+            <a:spLocks noGrp="1"/>
+          </p:cNvSpPr>
+          <p:nvPr>
+            <p:ph idx="1"/>
+          </p:nvPr>
+        </p:nvSpPr>
+        <p:spPr>
+          <a:xfrm>
+            <a:off x="371094" y="2718054"/>
+            <a:ext cx="5547106" cy="3207258"/>
+          </a:xfrm>
+        </p:spPr>
+        <p:txBody>
+          <a:bodyPr anchor="t">
+            <a:normAutofit/>
+          </a:bodyPr>
+          <a:lstStyle/>
+          <a:p>
+            <a:r>
+              <a:rPr lang="en-US" sz="4000" dirty="0"/>
+              <a:t>A person scores 3 on a neuroticism scale; is this a high or a low score?</a:t>
+            </a:r>
+          </a:p>
+          <a:p>
+            <a:r>
+              <a:rPr lang="en-US" sz="4000" dirty="0"/>
+              <a:t>The mean of the scale is 3.5</a:t>
+            </a:r>
+            <a:endParaRPr lang="en-GB" sz="4000" dirty="0"/>
+          </a:p>
+        </p:txBody>
+      </p:sp>
+      <p:sp>
+        <p:nvSpPr>
+          <p:cNvPr id="4" name="Content Placeholder 2">
+            <a:extLst>
+              <a:ext uri="{FF2B5EF4-FFF2-40B4-BE49-F238E27FC236}">
+                <a16:creationId xmlns:a16="http://schemas.microsoft.com/office/drawing/2014/main" id="{2C0BDF7B-0B59-D3A6-22A0-26F84EE817BB}"/>
+              </a:ext>
+            </a:extLst>
+          </p:cNvPr>
+          <p:cNvSpPr txBox="1">
+            <a:spLocks/>
+          </p:cNvSpPr>
+          <p:nvPr/>
+        </p:nvSpPr>
+        <p:spPr>
+          <a:xfrm>
+            <a:off x="523494" y="6014466"/>
+            <a:ext cx="5547106" cy="716534"/>
+          </a:xfrm>
+          <a:prstGeom prst="rect">
+            <a:avLst/>
+          </a:prstGeom>
+        </p:spPr>
+        <p:txBody>
+          <a:bodyPr vert="horz" lIns="91440" tIns="45720" rIns="91440" bIns="45720" rtlCol="0" anchor="t">
+            <a:normAutofit/>
+          </a:bodyPr>
+          <a:lstStyle>
+            <a:lvl1pPr marL="228600" indent="-228600" algn="l" defTabSz="914400" rtl="0" eaLnBrk="1" latinLnBrk="0" hangingPunct="1">
+              <a:lnSpc>
+                <a:spcPct val="90000"/>
+              </a:lnSpc>
+              <a:spcBef>
+                <a:spcPts val="1000"/>
+              </a:spcBef>
+              <a:buFont typeface="Arial" panose="020B0604020202020204" pitchFamily="34" charset="0"/>
+              <a:buChar char="•"/>
+              <a:defRPr sz="2800" kern="1200">
+                <a:solidFill>
+                  <a:schemeClr val="tx1"/>
+                </a:solidFill>
+                <a:latin typeface="+mn-lt"/>
+                <a:ea typeface="+mn-ea"/>
+                <a:cs typeface="+mn-cs"/>
+              </a:defRPr>
+            </a:lvl1pPr>
+            <a:lvl2pPr marL="685800" indent="-228600" algn="l" defTabSz="914400" rtl="0" eaLnBrk="1" latinLnBrk="0" hangingPunct="1">
+              <a:lnSpc>
+                <a:spcPct val="90000"/>
+              </a:lnSpc>
+              <a:spcBef>
+                <a:spcPts val="500"/>
+              </a:spcBef>
+              <a:buFont typeface="Arial" panose="020B0604020202020204" pitchFamily="34" charset="0"/>
+              <a:buChar char="•"/>
+              <a:defRPr sz="2400" kern="1200">
+                <a:solidFill>
+                  <a:schemeClr val="tx1"/>
+                </a:solidFill>
+                <a:latin typeface="+mn-lt"/>
+                <a:ea typeface="+mn-ea"/>
+                <a:cs typeface="+mn-cs"/>
+              </a:defRPr>
+            </a:lvl2pPr>
+            <a:lvl3pPr marL="1143000" indent="-228600" algn="l" defTabSz="914400" rtl="0" eaLnBrk="1" latinLnBrk="0" hangingPunct="1">
+              <a:lnSpc>
+                <a:spcPct val="90000"/>
+              </a:lnSpc>
+              <a:spcBef>
+                <a:spcPts val="500"/>
+              </a:spcBef>
+              <a:buFont typeface="Arial" panose="020B0604020202020204" pitchFamily="34" charset="0"/>
+              <a:buChar char="•"/>
+              <a:defRPr sz="2000" kern="1200">
+                <a:solidFill>
+                  <a:schemeClr val="tx1"/>
+                </a:solidFill>
+                <a:latin typeface="+mn-lt"/>
+                <a:ea typeface="+mn-ea"/>
+                <a:cs typeface="+mn-cs"/>
+              </a:defRPr>
+            </a:lvl3pPr>
+            <a:lvl4pPr marL="1600200" indent="-228600" algn="l" defTabSz="914400" rtl="0" eaLnBrk="1" latinLnBrk="0" hangingPunct="1">
+              <a:lnSpc>
+                <a:spcPct val="90000"/>
+              </a:lnSpc>
+              <a:spcBef>
+                <a:spcPts val="500"/>
+              </a:spcBef>
+              <a:buFont typeface="Arial" panose="020B0604020202020204" pitchFamily="34" charset="0"/>
+              <a:buChar char="•"/>
+              <a:defRPr sz="1800" kern="1200">
+                <a:solidFill>
+                  <a:schemeClr val="tx1"/>
+                </a:solidFill>
+                <a:latin typeface="+mn-lt"/>
+                <a:ea typeface="+mn-ea"/>
+                <a:cs typeface="+mn-cs"/>
+              </a:defRPr>
+            </a:lvl4pPr>
+            <a:lvl5pPr marL="2057400" indent="-228600" algn="l" defTabSz="914400" rtl="0" eaLnBrk="1" latinLnBrk="0" hangingPunct="1">
+              <a:lnSpc>
+                <a:spcPct val="90000"/>
+              </a:lnSpc>
+              <a:spcBef>
+                <a:spcPts val="500"/>
+              </a:spcBef>
+              <a:buFont typeface="Arial" panose="020B0604020202020204" pitchFamily="34" charset="0"/>
+              <a:buChar char="•"/>
+              <a:defRPr sz="1800" kern="1200">
+                <a:solidFill>
+                  <a:schemeClr val="tx1"/>
+                </a:solidFill>
+                <a:latin typeface="+mn-lt"/>
+                <a:ea typeface="+mn-ea"/>
+                <a:cs typeface="+mn-cs"/>
+              </a:defRPr>
+            </a:lvl5pPr>
+            <a:lvl6pPr marL="2514600" indent="-228600" algn="l" defTabSz="914400" rtl="0" eaLnBrk="1" latinLnBrk="0" hangingPunct="1">
+              <a:lnSpc>
+                <a:spcPct val="90000"/>
+              </a:lnSpc>
+              <a:spcBef>
+                <a:spcPts val="500"/>
+              </a:spcBef>
+              <a:buFont typeface="Arial" panose="020B0604020202020204" pitchFamily="34" charset="0"/>
+              <a:buChar char="•"/>
+              <a:defRPr sz="1800" kern="1200">
+                <a:solidFill>
+                  <a:schemeClr val="tx1"/>
+                </a:solidFill>
+                <a:latin typeface="+mn-lt"/>
+                <a:ea typeface="+mn-ea"/>
+                <a:cs typeface="+mn-cs"/>
+              </a:defRPr>
+            </a:lvl6pPr>
+            <a:lvl7pPr marL="2971800" indent="-228600" algn="l" defTabSz="914400" rtl="0" eaLnBrk="1" latinLnBrk="0" hangingPunct="1">
+              <a:lnSpc>
+                <a:spcPct val="90000"/>
+              </a:lnSpc>
+              <a:spcBef>
+                <a:spcPts val="500"/>
+              </a:spcBef>
+              <a:buFont typeface="Arial" panose="020B0604020202020204" pitchFamily="34" charset="0"/>
+              <a:buChar char="•"/>
+              <a:defRPr sz="1800" kern="1200">
+                <a:solidFill>
+                  <a:schemeClr val="tx1"/>
+                </a:solidFill>
+                <a:latin typeface="+mn-lt"/>
+                <a:ea typeface="+mn-ea"/>
+                <a:cs typeface="+mn-cs"/>
+              </a:defRPr>
+            </a:lvl7pPr>
+            <a:lvl8pPr marL="3429000" indent="-228600" algn="l" defTabSz="914400" rtl="0" eaLnBrk="1" latinLnBrk="0" hangingPunct="1">
+              <a:lnSpc>
+                <a:spcPct val="90000"/>
+              </a:lnSpc>
+              <a:spcBef>
+                <a:spcPts val="500"/>
+              </a:spcBef>
+              <a:buFont typeface="Arial" panose="020B0604020202020204" pitchFamily="34" charset="0"/>
+              <a:buChar char="•"/>
+              <a:defRPr sz="1800" kern="1200">
+                <a:solidFill>
+                  <a:schemeClr val="tx1"/>
+                </a:solidFill>
+                <a:latin typeface="+mn-lt"/>
+                <a:ea typeface="+mn-ea"/>
+                <a:cs typeface="+mn-cs"/>
+              </a:defRPr>
+            </a:lvl8pPr>
+            <a:lvl9pPr marL="3886200" indent="-228600" algn="l" defTabSz="914400" rtl="0" eaLnBrk="1" latinLnBrk="0" hangingPunct="1">
+              <a:lnSpc>
+                <a:spcPct val="90000"/>
+              </a:lnSpc>
+              <a:spcBef>
+                <a:spcPts val="500"/>
+              </a:spcBef>
+              <a:buFont typeface="Arial" panose="020B0604020202020204" pitchFamily="34" charset="0"/>
+              <a:buChar char="•"/>
+              <a:defRPr sz="1800" kern="1200">
+                <a:solidFill>
+                  <a:schemeClr val="tx1"/>
+                </a:solidFill>
+                <a:latin typeface="+mn-lt"/>
+                <a:ea typeface="+mn-ea"/>
+                <a:cs typeface="+mn-cs"/>
+              </a:defRPr>
+            </a:lvl9pPr>
+          </a:lstStyle>
+          <a:p>
+            <a:r>
+              <a:rPr lang="en-US" sz="4000" dirty="0"/>
+              <a:t>LOWER SCORE</a:t>
+            </a:r>
+            <a:endParaRPr lang="en-GB" sz="4000" dirty="0"/>
+          </a:p>
+        </p:txBody>
+      </p:sp>
+    </p:spTree>
+    <p:extLst>
+      <p:ext uri="{BB962C8B-B14F-4D97-AF65-F5344CB8AC3E}">
+        <p14:creationId xmlns:p14="http://schemas.microsoft.com/office/powerpoint/2010/main" val="1852133383"/>
+      </p:ext>
+    </p:extLst>
+  </p:cSld>
+  <p:clrMapOvr>
+    <a:masterClrMapping/>
+  </p:clrMapOvr>
+  <p:timing>
+    <p:tnLst>
+      <p:par>
+        <p:cTn id="1" dur="indefinite" restart="never" nodeType="tmRoot">
+          <p:childTnLst>
+            <p:seq concurrent="1" nextAc="seek">
+              <p:cTn id="2" dur="indefinite" nodeType="mainSeq">
+                <p:childTnLst>
+                  <p:par>
+                    <p:cTn id="3" fill="hold">
+                      <p:stCondLst>
+                        <p:cond delay="indefinite"/>
+                      </p:stCondLst>
+                      <p:childTnLst>
+                        <p:par>
+                          <p:cTn id="4" fill="hold">
+                            <p:stCondLst>
+                              <p:cond delay="0"/>
+                            </p:stCondLst>
+                            <p:childTnLst>
+                              <p:par>
+                                <p:cTn id="5" presetID="10" presetClass="entr" presetSubtype="0" fill="hold" grpId="0" nodeType="clickEffect">
+                                  <p:stCondLst>
+                                    <p:cond delay="0"/>
+                                  </p:stCondLst>
+                                  <p:childTnLst>
+                                    <p:set>
+                                      <p:cBhvr>
+                                        <p:cTn id="6" dur="1" fill="hold">
+                                          <p:stCondLst>
+                                            <p:cond delay="0"/>
+                                          </p:stCondLst>
+                                        </p:cTn>
+                                        <p:tgtEl>
+                                          <p:spTgt spid="4"/>
+                                        </p:tgtEl>
+                                        <p:attrNameLst>
+                                          <p:attrName>style.visibility</p:attrName>
+                                        </p:attrNameLst>
+                                      </p:cBhvr>
+                                      <p:to>
+                                        <p:strVal val="visible"/>
+                                      </p:to>
+                                    </p:set>
+                                    <p:animEffect transition="in" filter="fade">
+                                      <p:cBhvr>
+                                        <p:cTn id="7" dur="500"/>
+                                        <p:tgtEl>
+                                          <p:spTgt spid="4"/>
+                                        </p:tgtEl>
+                                      </p:cBhvr>
+                                    </p:animEffect>
+                                  </p:childTnLst>
+                                </p:cTn>
+                              </p:par>
+                            </p:childTnLst>
+                          </p:cTn>
+                        </p:par>
+                      </p:childTnLst>
+                    </p:cTn>
+                  </p:par>
+                </p:childTnLst>
+              </p:cTn>
+              <p:prevCondLst>
+                <p:cond evt="onPrev" delay="0">
+                  <p:tgtEl>
+                    <p:sldTgt/>
+                  </p:tgtEl>
+                </p:cond>
+              </p:prevCondLst>
+              <p:nextCondLst>
+                <p:cond evt="onNext" delay="0">
+                  <p:tgtEl>
+                    <p:sldTgt/>
+                  </p:tgtEl>
+                </p:cond>
+              </p:nextCondLst>
+            </p:seq>
+          </p:childTnLst>
+        </p:cTn>
+      </p:par>
+    </p:tnLst>
+    <p:bldLst>
+      <p:bldP spid="4" grpId="0"/>
+    </p:bldLst>
+  </p:timing>
+</p:sld>
+</file>
+
+<file path=ppt/slides/slide14.xml><?xml version="1.0" encoding="utf-8"?>
+<p:sld xmlns:a="http://schemas.openxmlformats.org/drawingml/2006/main" xmlns:r="http://schemas.openxmlformats.org/officeDocument/2006/relationships" xmlns:p="http://schemas.openxmlformats.org/presentationml/2006/main">
+  <p:cSld>
+    <p:bg>
+      <p:bgPr>
+        <a:solidFill>
+          <a:schemeClr val="bg1"/>
+        </a:solidFill>
+        <a:effectLst/>
+      </p:bgPr>
+    </p:bg>
+    <p:spTree>
+      <p:nvGrpSpPr>
+        <p:cNvPr id="1" name=""/>
+        <p:cNvGrpSpPr/>
+        <p:nvPr/>
+      </p:nvGrpSpPr>
+      <p:grpSpPr>
+        <a:xfrm>
+          <a:off x="0" y="0"/>
+          <a:ext cx="0" cy="0"/>
+          <a:chOff x="0" y="0"/>
+          <a:chExt cx="0" cy="0"/>
+        </a:xfrm>
+      </p:grpSpPr>
+      <p:sp useBgFill="1">
+        <p:nvSpPr>
+          <p:cNvPr id="9" name="Rectangle 8">
+            <a:extLst>
+              <a:ext uri="{FF2B5EF4-FFF2-40B4-BE49-F238E27FC236}">
+                <a16:creationId xmlns:a16="http://schemas.microsoft.com/office/drawing/2014/main" id="{8FC9BE17-9A7B-462D-AE50-3D8777387304}"/>
+              </a:ext>
+              <a:ext uri="{C183D7F6-B498-43B3-948B-1728B52AA6E4}">
+                <adec:decorative xmlns:adec="http://schemas.microsoft.com/office/drawing/2017/decorative" val="1"/>
+              </a:ext>
+            </a:extLst>
+          </p:cNvPr>
+          <p:cNvSpPr>
+            <a:spLocks noGrp="1" noRot="1" noChangeAspect="1" noMove="1" noResize="1" noEditPoints="1" noAdjustHandles="1" noChangeArrowheads="1" noChangeShapeType="1" noTextEdit="1"/>
+          </p:cNvSpPr>
+          <p:nvPr>
+            <p:extLst>
+              <p:ext uri="{386F3935-93C4-4BCD-93E2-E3B085C9AB24}">
+                <p16:designElem xmlns:p16="http://schemas.microsoft.com/office/powerpoint/2015/main" val="1"/>
+              </p:ext>
+            </p:extLst>
+          </p:nvPr>
+        </p:nvSpPr>
+        <p:spPr>
+          <a:xfrm>
+            <a:off x="0" y="0"/>
+            <a:ext cx="12192000" cy="6858000"/>
+          </a:xfrm>
+          <a:prstGeom prst="rect">
+            <a:avLst/>
+          </a:prstGeom>
+          <a:ln>
+            <a:noFill/>
+          </a:ln>
+        </p:spPr>
+        <p:style>
+          <a:lnRef idx="2">
+            <a:schemeClr val="accent1">
+              <a:shade val="50000"/>
+            </a:schemeClr>
+          </a:lnRef>
+          <a:fillRef idx="1">
+            <a:schemeClr val="accent1"/>
+          </a:fillRef>
+          <a:effectRef idx="0">
+            <a:schemeClr val="accent1"/>
+          </a:effectRef>
+          <a:fontRef idx="minor">
+            <a:schemeClr val="lt1"/>
+          </a:fontRef>
+        </p:style>
+        <p:txBody>
+          <a:bodyPr rtlCol="0" anchor="ctr"/>
+          <a:lstStyle/>
+          <a:p>
+            <a:pPr algn="ctr"/>
+            <a:endParaRPr lang="en-US"/>
+          </a:p>
+        </p:txBody>
+      </p:sp>
+      <p:pic>
+        <p:nvPicPr>
+          <p:cNvPr id="5" name="Picture 4" descr="A close up view of a puzzle game">
+            <a:extLst>
+              <a:ext uri="{FF2B5EF4-FFF2-40B4-BE49-F238E27FC236}">
+                <a16:creationId xmlns:a16="http://schemas.microsoft.com/office/drawing/2014/main" id="{CA6C843E-943C-C83C-8B75-7F2766C79E3D}"/>
+              </a:ext>
+            </a:extLst>
+          </p:cNvPr>
+          <p:cNvPicPr>
+            <a:picLocks noChangeAspect="1"/>
+          </p:cNvPicPr>
+          <p:nvPr/>
+        </p:nvPicPr>
+        <p:blipFill rotWithShape="1">
+          <a:blip r:embed="rId2"/>
+          <a:srcRect l="6363" r="9264" b="-1"/>
+          <a:stretch/>
+        </p:blipFill>
+        <p:spPr>
+          <a:xfrm>
+            <a:off x="3523488" y="10"/>
+            <a:ext cx="8668512" cy="6857990"/>
+          </a:xfrm>
+          <a:prstGeom prst="rect">
+            <a:avLst/>
+          </a:prstGeom>
+        </p:spPr>
+      </p:pic>
+      <p:sp>
+        <p:nvSpPr>
+          <p:cNvPr id="11" name="Rectangle 10">
+            <a:extLst>
+              <a:ext uri="{FF2B5EF4-FFF2-40B4-BE49-F238E27FC236}">
+                <a16:creationId xmlns:a16="http://schemas.microsoft.com/office/drawing/2014/main" id="{3EBE8569-6AEC-4B8C-8D53-2DE337CDBA65}"/>
+              </a:ext>
+              <a:ext uri="{C183D7F6-B498-43B3-948B-1728B52AA6E4}">
+                <adec:decorative xmlns:adec="http://schemas.microsoft.com/office/drawing/2017/decorative" val="1"/>
+              </a:ext>
+            </a:extLst>
+          </p:cNvPr>
+          <p:cNvSpPr>
+            <a:spLocks noGrp="1" noRot="1" noChangeAspect="1" noMove="1" noResize="1" noEditPoints="1" noAdjustHandles="1" noChangeArrowheads="1" noChangeShapeType="1" noTextEdit="1"/>
+          </p:cNvSpPr>
+          <p:nvPr>
+            <p:extLst>
+              <p:ext uri="{386F3935-93C4-4BCD-93E2-E3B085C9AB24}">
+                <p16:designElem xmlns:p16="http://schemas.microsoft.com/office/powerpoint/2015/main" val="1"/>
+              </p:ext>
+            </p:extLst>
+          </p:nvPr>
+        </p:nvSpPr>
+        <p:spPr>
+          <a:xfrm>
+            <a:off x="2" y="0"/>
+            <a:ext cx="9756601" cy="6858000"/>
+          </a:xfrm>
+          <a:prstGeom prst="rect">
+            <a:avLst/>
+          </a:prstGeom>
+          <a:gradFill>
+            <a:gsLst>
+              <a:gs pos="58000">
+                <a:schemeClr val="bg1"/>
+              </a:gs>
+              <a:gs pos="35000">
+                <a:schemeClr val="bg1">
+                  <a:alpha val="78000"/>
+                </a:schemeClr>
+              </a:gs>
+              <a:gs pos="19000">
+                <a:schemeClr val="bg1">
+                  <a:alpha val="38000"/>
+                </a:schemeClr>
+              </a:gs>
+              <a:gs pos="0">
+                <a:schemeClr val="bg1">
+                  <a:alpha val="0"/>
+                </a:schemeClr>
+              </a:gs>
+              <a:gs pos="100000">
+                <a:schemeClr val="bg1"/>
+              </a:gs>
+            </a:gsLst>
+            <a:lin ang="10800000" scaled="0"/>
+          </a:gradFill>
+          <a:ln>
+            <a:noFill/>
+          </a:ln>
+        </p:spPr>
+        <p:style>
+          <a:lnRef idx="2">
+            <a:schemeClr val="accent1">
+              <a:shade val="50000"/>
+            </a:schemeClr>
+          </a:lnRef>
+          <a:fillRef idx="1">
+            <a:schemeClr val="accent1"/>
+          </a:fillRef>
+          <a:effectRef idx="0">
+            <a:schemeClr val="accent1"/>
+          </a:effectRef>
+          <a:fontRef idx="minor">
+            <a:schemeClr val="lt1"/>
+          </a:fontRef>
+        </p:style>
+        <p:txBody>
+          <a:bodyPr rtlCol="0" anchor="ctr"/>
+          <a:lstStyle/>
+          <a:p>
+            <a:pPr algn="ctr"/>
+            <a:endParaRPr lang="en-US" dirty="0"/>
+          </a:p>
+        </p:txBody>
+      </p:sp>
+      <p:sp>
+        <p:nvSpPr>
+          <p:cNvPr id="2" name="Title 1">
+            <a:extLst>
+              <a:ext uri="{FF2B5EF4-FFF2-40B4-BE49-F238E27FC236}">
+                <a16:creationId xmlns:a16="http://schemas.microsoft.com/office/drawing/2014/main" id="{79FF3004-B832-732A-B47D-1D7550FA6856}"/>
+              </a:ext>
+            </a:extLst>
+          </p:cNvPr>
+          <p:cNvSpPr>
+            <a:spLocks noGrp="1"/>
+          </p:cNvSpPr>
+          <p:nvPr>
+            <p:ph type="title"/>
+          </p:nvPr>
+        </p:nvSpPr>
+        <p:spPr>
+          <a:xfrm>
+            <a:off x="371094" y="1161288"/>
+            <a:ext cx="3438144" cy="1124712"/>
+          </a:xfrm>
+        </p:spPr>
+        <p:txBody>
+          <a:bodyPr anchor="b">
+            <a:normAutofit/>
+          </a:bodyPr>
+          <a:lstStyle/>
+          <a:p>
+            <a:r>
+              <a:rPr lang="en-US" sz="3600" dirty="0"/>
+              <a:t>Re-cap: Standard Scores</a:t>
+            </a:r>
+            <a:endParaRPr lang="en-GB" sz="3600" dirty="0"/>
+          </a:p>
+        </p:txBody>
+      </p:sp>
+      <p:sp>
+        <p:nvSpPr>
+          <p:cNvPr id="13" name="Rectangle 12">
+            <a:extLst>
+              <a:ext uri="{FF2B5EF4-FFF2-40B4-BE49-F238E27FC236}">
+                <a16:creationId xmlns:a16="http://schemas.microsoft.com/office/drawing/2014/main" id="{55D4142C-5077-457F-A6AD-3FECFDB39685}"/>
+              </a:ext>
+              <a:ext uri="{C183D7F6-B498-43B3-948B-1728B52AA6E4}">
+                <adec:decorative xmlns:adec="http://schemas.microsoft.com/office/drawing/2017/decorative" val="1"/>
+              </a:ext>
+            </a:extLst>
+          </p:cNvPr>
+          <p:cNvSpPr>
+            <a:spLocks noGrp="1" noRot="1" noChangeAspect="1" noMove="1" noResize="1" noEditPoints="1" noAdjustHandles="1" noChangeArrowheads="1" noChangeShapeType="1" noTextEdit="1"/>
+          </p:cNvSpPr>
+          <p:nvPr>
+            <p:extLst>
+              <p:ext uri="{386F3935-93C4-4BCD-93E2-E3B085C9AB24}">
+                <p16:designElem xmlns:p16="http://schemas.microsoft.com/office/powerpoint/2015/main" val="1"/>
+              </p:ext>
+            </p:extLst>
+          </p:nvPr>
+        </p:nvSpPr>
+        <p:spPr>
+          <a:xfrm rot="5400000">
+            <a:off x="662559" y="605790"/>
+            <a:ext cx="73152" cy="548640"/>
+          </a:xfrm>
+          <a:prstGeom prst="rect">
+            <a:avLst/>
+          </a:prstGeom>
+          <a:solidFill>
+            <a:schemeClr val="accent2"/>
+          </a:solidFill>
+          <a:ln>
+            <a:noFill/>
+          </a:ln>
+        </p:spPr>
+        <p:style>
+          <a:lnRef idx="2">
+            <a:schemeClr val="accent1">
+              <a:shade val="50000"/>
+            </a:schemeClr>
+          </a:lnRef>
+          <a:fillRef idx="1">
+            <a:schemeClr val="accent1"/>
+          </a:fillRef>
+          <a:effectRef idx="0">
+            <a:schemeClr val="accent1"/>
+          </a:effectRef>
+          <a:fontRef idx="minor">
+            <a:schemeClr val="lt1"/>
+          </a:fontRef>
+        </p:style>
+        <p:txBody>
+          <a:bodyPr rtlCol="0" anchor="ctr"/>
+          <a:lstStyle/>
+          <a:p>
+            <a:pPr algn="ctr"/>
+            <a:endParaRPr lang="en-US">
+              <a:solidFill>
+                <a:prstClr val="white"/>
+              </a:solidFill>
+              <a:latin typeface="Calibri" panose="020F0502020204030204"/>
+            </a:endParaRPr>
+          </a:p>
+        </p:txBody>
+      </p:sp>
+      <p:sp>
+        <p:nvSpPr>
+          <p:cNvPr id="15" name="Rectangle 14">
+            <a:extLst>
+              <a:ext uri="{FF2B5EF4-FFF2-40B4-BE49-F238E27FC236}">
+                <a16:creationId xmlns:a16="http://schemas.microsoft.com/office/drawing/2014/main" id="{7A5F0580-5EE9-419F-96EE-B6529EF6E7D0}"/>
+              </a:ext>
+              <a:ext uri="{C183D7F6-B498-43B3-948B-1728B52AA6E4}">
+                <adec:decorative xmlns:adec="http://schemas.microsoft.com/office/drawing/2017/decorative" val="1"/>
+              </a:ext>
+            </a:extLst>
+          </p:cNvPr>
+          <p:cNvSpPr>
+            <a:spLocks noGrp="1" noRot="1" noChangeAspect="1" noMove="1" noResize="1" noEditPoints="1" noAdjustHandles="1" noChangeArrowheads="1" noChangeShapeType="1" noTextEdit="1"/>
+          </p:cNvSpPr>
+          <p:nvPr>
+            <p:extLst>
+              <p:ext uri="{386F3935-93C4-4BCD-93E2-E3B085C9AB24}">
+                <p16:designElem xmlns:p16="http://schemas.microsoft.com/office/powerpoint/2015/main" val="1"/>
+              </p:ext>
+            </p:extLst>
+          </p:nvPr>
+        </p:nvSpPr>
+        <p:spPr>
+          <a:xfrm>
+            <a:off x="428244" y="2443480"/>
+            <a:ext cx="3300984" cy="9144"/>
+          </a:xfrm>
+          <a:prstGeom prst="rect">
+            <a:avLst/>
+          </a:prstGeom>
+          <a:solidFill>
+            <a:srgbClr val="D5D5D5"/>
+          </a:solidFill>
+          <a:ln w="3175">
+            <a:solidFill>
+              <a:srgbClr val="D5D5D5"/>
+            </a:solidFill>
+          </a:ln>
+          <a:effectLst/>
+        </p:spPr>
+        <p:style>
+          <a:lnRef idx="2">
+            <a:schemeClr val="accent1">
+              <a:shade val="50000"/>
+            </a:schemeClr>
+          </a:lnRef>
+          <a:fillRef idx="1">
+            <a:schemeClr val="accent1"/>
+          </a:fillRef>
+          <a:effectRef idx="0">
+            <a:schemeClr val="accent1"/>
+          </a:effectRef>
+          <a:fontRef idx="minor">
+            <a:schemeClr val="lt1"/>
+          </a:fontRef>
+        </p:style>
+        <p:txBody>
+          <a:bodyPr rtlCol="0" anchor="ctr"/>
+          <a:lstStyle/>
+          <a:p>
+            <a:pPr marL="0" marR="0" lvl="0" indent="0" algn="ctr" defTabSz="914400" rtl="0" eaLnBrk="1" fontAlgn="auto" latinLnBrk="0" hangingPunct="1">
+              <a:lnSpc>
+                <a:spcPct val="100000"/>
+              </a:lnSpc>
+              <a:spcBef>
+                <a:spcPts val="0"/>
+              </a:spcBef>
+              <a:spcAft>
+                <a:spcPts val="0"/>
+              </a:spcAft>
+              <a:buClrTx/>
+              <a:buSzTx/>
+              <a:buFontTx/>
+              <a:buNone/>
+              <a:tabLst/>
+              <a:defRPr/>
+            </a:pPr>
+            <a:endParaRPr kumimoji="0" lang="en-US" sz="1800" b="0" i="0" u="none" strike="noStrike" kern="1200" cap="none" spc="0" normalizeH="0" baseline="0" noProof="0">
+              <a:ln>
+                <a:noFill/>
+              </a:ln>
+              <a:solidFill>
+                <a:prstClr val="white"/>
+              </a:solidFill>
+              <a:effectLst/>
+              <a:uLnTx/>
+              <a:uFillTx/>
+              <a:latin typeface="Calibri" panose="020F0502020204030204"/>
+              <a:ea typeface="+mn-ea"/>
+              <a:cs typeface="+mn-cs"/>
+            </a:endParaRPr>
+          </a:p>
+        </p:txBody>
+      </p:sp>
+      <p:sp>
+        <p:nvSpPr>
+          <p:cNvPr id="3" name="Content Placeholder 2">
+            <a:extLst>
+              <a:ext uri="{FF2B5EF4-FFF2-40B4-BE49-F238E27FC236}">
+                <a16:creationId xmlns:a16="http://schemas.microsoft.com/office/drawing/2014/main" id="{C7CAA97C-BAE6-D692-6703-B96FD665ADB9}"/>
+              </a:ext>
+            </a:extLst>
+          </p:cNvPr>
+          <p:cNvSpPr>
+            <a:spLocks noGrp="1"/>
+          </p:cNvSpPr>
+          <p:nvPr>
+            <p:ph idx="1"/>
+          </p:nvPr>
+        </p:nvSpPr>
+        <p:spPr>
+          <a:xfrm>
+            <a:off x="371094" y="2718054"/>
+            <a:ext cx="5547106" cy="3207258"/>
+          </a:xfrm>
+        </p:spPr>
+        <p:txBody>
+          <a:bodyPr anchor="t">
+            <a:normAutofit/>
+          </a:bodyPr>
+          <a:lstStyle/>
+          <a:p>
+            <a:r>
+              <a:rPr lang="en-US" sz="4000" dirty="0"/>
+              <a:t>How much Lower though?</a:t>
+            </a:r>
+          </a:p>
+          <a:p>
+            <a:r>
+              <a:rPr lang="en-US" sz="4000" dirty="0"/>
+              <a:t>It depends on the standard deviation</a:t>
+            </a:r>
+            <a:endParaRPr lang="en-GB" sz="4000" dirty="0"/>
+          </a:p>
+        </p:txBody>
+      </p:sp>
+    </p:spTree>
+    <p:extLst>
+      <p:ext uri="{BB962C8B-B14F-4D97-AF65-F5344CB8AC3E}">
+        <p14:creationId xmlns:p14="http://schemas.microsoft.com/office/powerpoint/2010/main" val="1277185567"/>
+      </p:ext>
+    </p:extLst>
+  </p:cSld>
+  <p:clrMapOvr>
+    <a:masterClrMapping/>
+  </p:clrMapOvr>
+  <p:timing>
+    <p:tnLst>
+      <p:par>
+        <p:cTn id="1" dur="indefinite" restart="never" nodeType="tmRoot">
+          <p:childTnLst>
+            <p:seq concurrent="1" nextAc="seek">
+              <p:cTn id="2" dur="indefinite" nodeType="mainSeq">
+                <p:childTnLst>
+                  <p:par>
+                    <p:cTn id="3" fill="hold">
+                      <p:stCondLst>
+                        <p:cond delay="indefinite"/>
+                        <p:cond evt="onBegin" delay="0">
+                          <p:tn val="2"/>
+                        </p:cond>
+                      </p:stCondLst>
+                      <p:childTnLst>
+                        <p:par>
+                          <p:cTn id="4" fill="hold">
+                            <p:stCondLst>
+                              <p:cond delay="0"/>
+                            </p:stCondLst>
+                            <p:childTnLst>
+                              <p:par>
+                                <p:cTn id="5" presetID="10" presetClass="entr" presetSubtype="0" fill="hold" nodeType="withEffect">
+                                  <p:stCondLst>
+                                    <p:cond delay="0"/>
+                                  </p:stCondLst>
+                                  <p:childTnLst>
+                                    <p:set>
+                                      <p:cBhvr>
+                                        <p:cTn id="6" dur="1" fill="hold">
+                                          <p:stCondLst>
+                                            <p:cond delay="0"/>
+                                          </p:stCondLst>
+                                        </p:cTn>
+                                        <p:tgtEl>
+                                          <p:spTgt spid="3">
+                                            <p:txEl>
+                                              <p:pRg st="0" end="0"/>
+                                            </p:txEl>
+                                          </p:spTgt>
+                                        </p:tgtEl>
+                                        <p:attrNameLst>
+                                          <p:attrName>style.visibility</p:attrName>
+                                        </p:attrNameLst>
+                                      </p:cBhvr>
+                                      <p:to>
+                                        <p:strVal val="visible"/>
+                                      </p:to>
+                                    </p:set>
+                                    <p:animEffect transition="in" filter="fade">
+                                      <p:cBhvr>
+                                        <p:cTn id="7" dur="500"/>
+                                        <p:tgtEl>
+                                          <p:spTgt spid="3">
+                                            <p:txEl>
+                                              <p:pRg st="0" end="0"/>
+                                            </p:txEl>
+                                          </p:spTgt>
+                                        </p:tgtEl>
+                                      </p:cBhvr>
+                                    </p:animEffect>
+                                  </p:childTnLst>
+                                </p:cTn>
+                              </p:par>
+                            </p:childTnLst>
+                          </p:cTn>
+                        </p:par>
+                      </p:childTnLst>
+                    </p:cTn>
+                  </p:par>
+                  <p:par>
+                    <p:cTn id="8" fill="hold">
+                      <p:stCondLst>
+                        <p:cond delay="indefinite"/>
+                      </p:stCondLst>
+                      <p:childTnLst>
+                        <p:par>
+                          <p:cTn id="9" fill="hold">
+                            <p:stCondLst>
+                              <p:cond delay="0"/>
+                            </p:stCondLst>
+                            <p:childTnLst>
+                              <p:par>
+                                <p:cTn id="10" presetID="10" presetClass="entr" presetSubtype="0" fill="hold" nodeType="clickEffect">
+                                  <p:stCondLst>
+                                    <p:cond delay="0"/>
+                                  </p:stCondLst>
+                                  <p:childTnLst>
+                                    <p:set>
+                                      <p:cBhvr>
+                                        <p:cTn id="11" dur="1" fill="hold">
+                                          <p:stCondLst>
+                                            <p:cond delay="0"/>
+                                          </p:stCondLst>
+                                        </p:cTn>
+                                        <p:tgtEl>
+                                          <p:spTgt spid="3">
+                                            <p:txEl>
+                                              <p:pRg st="1" end="1"/>
+                                            </p:txEl>
+                                          </p:spTgt>
+                                        </p:tgtEl>
+                                        <p:attrNameLst>
+                                          <p:attrName>style.visibility</p:attrName>
+                                        </p:attrNameLst>
+                                      </p:cBhvr>
+                                      <p:to>
+                                        <p:strVal val="visible"/>
+                                      </p:to>
+                                    </p:set>
+                                    <p:animEffect transition="in" filter="fade">
+                                      <p:cBhvr>
+                                        <p:cTn id="12" dur="500"/>
+                                        <p:tgtEl>
+                                          <p:spTgt spid="3">
+                                            <p:txEl>
+                                              <p:pRg st="1" end="1"/>
+                                            </p:txEl>
+                                          </p:spTgt>
+                                        </p:tgtEl>
+                                      </p:cBhvr>
+                                    </p:animEffect>
+                                  </p:childTnLst>
+                                </p:cTn>
+                              </p:par>
+                            </p:childTnLst>
+                          </p:cTn>
+                        </p:par>
+                      </p:childTnLst>
+                    </p:cTn>
+                  </p:par>
+                </p:childTnLst>
+              </p:cTn>
+              <p:prevCondLst>
+                <p:cond evt="onPrev" delay="0">
+                  <p:tgtEl>
+                    <p:sldTgt/>
+                  </p:tgtEl>
+                </p:cond>
+              </p:prevCondLst>
+              <p:nextCondLst>
+                <p:cond evt="onNext" delay="0">
+                  <p:tgtEl>
+                    <p:sldTgt/>
+                  </p:tgtEl>
+                </p:cond>
+              </p:nextCondLst>
+            </p:seq>
+          </p:childTnLst>
+        </p:cTn>
+      </p:par>
+    </p:tnLst>
+  </p:timing>
+</p:sld>
+</file>
+
+<file path=ppt/slides/slide15.xml><?xml version="1.0" encoding="utf-8"?>
+<p:sld xmlns:a="http://schemas.openxmlformats.org/drawingml/2006/main" xmlns:r="http://schemas.openxmlformats.org/officeDocument/2006/relationships" xmlns:p="http://schemas.openxmlformats.org/presentationml/2006/main">
+  <p:cSld>
+    <p:bg>
+      <p:bgPr>
+        <a:solidFill>
+          <a:schemeClr val="bg1"/>
+        </a:solidFill>
+        <a:effectLst/>
+      </p:bgPr>
+    </p:bg>
+    <p:spTree>
+      <p:nvGrpSpPr>
+        <p:cNvPr id="1" name=""/>
+        <p:cNvGrpSpPr/>
+        <p:nvPr/>
+      </p:nvGrpSpPr>
+      <p:grpSpPr>
+        <a:xfrm>
+          <a:off x="0" y="0"/>
+          <a:ext cx="0" cy="0"/>
+          <a:chOff x="0" y="0"/>
+          <a:chExt cx="0" cy="0"/>
+        </a:xfrm>
+      </p:grpSpPr>
+      <p:sp useBgFill="1">
+        <p:nvSpPr>
+          <p:cNvPr id="9" name="Rectangle 8">
+            <a:extLst>
+              <a:ext uri="{FF2B5EF4-FFF2-40B4-BE49-F238E27FC236}">
+                <a16:creationId xmlns:a16="http://schemas.microsoft.com/office/drawing/2014/main" id="{8FC9BE17-9A7B-462D-AE50-3D8777387304}"/>
+              </a:ext>
+              <a:ext uri="{C183D7F6-B498-43B3-948B-1728B52AA6E4}">
+                <adec:decorative xmlns:adec="http://schemas.microsoft.com/office/drawing/2017/decorative" val="1"/>
+              </a:ext>
+            </a:extLst>
+          </p:cNvPr>
+          <p:cNvSpPr>
+            <a:spLocks noGrp="1" noRot="1" noChangeAspect="1" noMove="1" noResize="1" noEditPoints="1" noAdjustHandles="1" noChangeArrowheads="1" noChangeShapeType="1" noTextEdit="1"/>
+          </p:cNvSpPr>
+          <p:nvPr>
+            <p:extLst>
+              <p:ext uri="{386F3935-93C4-4BCD-93E2-E3B085C9AB24}">
+                <p16:designElem xmlns:p16="http://schemas.microsoft.com/office/powerpoint/2015/main" val="1"/>
+              </p:ext>
+            </p:extLst>
+          </p:nvPr>
+        </p:nvSpPr>
+        <p:spPr>
+          <a:xfrm>
+            <a:off x="0" y="0"/>
+            <a:ext cx="12192000" cy="6858000"/>
+          </a:xfrm>
+          <a:prstGeom prst="rect">
+            <a:avLst/>
+          </a:prstGeom>
+          <a:ln>
+            <a:noFill/>
+          </a:ln>
+        </p:spPr>
+        <p:style>
+          <a:lnRef idx="2">
+            <a:schemeClr val="accent1">
+              <a:shade val="50000"/>
+            </a:schemeClr>
+          </a:lnRef>
+          <a:fillRef idx="1">
+            <a:schemeClr val="accent1"/>
+          </a:fillRef>
+          <a:effectRef idx="0">
+            <a:schemeClr val="accent1"/>
+          </a:effectRef>
+          <a:fontRef idx="minor">
+            <a:schemeClr val="lt1"/>
+          </a:fontRef>
+        </p:style>
+        <p:txBody>
+          <a:bodyPr rtlCol="0" anchor="ctr"/>
+          <a:lstStyle/>
+          <a:p>
+            <a:pPr algn="ctr"/>
+            <a:endParaRPr lang="en-US"/>
+          </a:p>
+        </p:txBody>
+      </p:sp>
+      <p:pic>
+        <p:nvPicPr>
+          <p:cNvPr id="5" name="Picture 4" descr="A close up view of a puzzle game">
+            <a:extLst>
+              <a:ext uri="{FF2B5EF4-FFF2-40B4-BE49-F238E27FC236}">
+                <a16:creationId xmlns:a16="http://schemas.microsoft.com/office/drawing/2014/main" id="{CA6C843E-943C-C83C-8B75-7F2766C79E3D}"/>
+              </a:ext>
+            </a:extLst>
+          </p:cNvPr>
+          <p:cNvPicPr>
+            <a:picLocks noChangeAspect="1"/>
+          </p:cNvPicPr>
+          <p:nvPr/>
+        </p:nvPicPr>
+        <p:blipFill rotWithShape="1">
+          <a:blip r:embed="rId2"/>
+          <a:srcRect l="6363" r="9264" b="-1"/>
+          <a:stretch/>
+        </p:blipFill>
+        <p:spPr>
+          <a:xfrm>
+            <a:off x="3523488" y="10"/>
+            <a:ext cx="8668512" cy="6857990"/>
+          </a:xfrm>
+          <a:prstGeom prst="rect">
+            <a:avLst/>
+          </a:prstGeom>
+        </p:spPr>
+      </p:pic>
+      <p:sp>
+        <p:nvSpPr>
+          <p:cNvPr id="11" name="Rectangle 10">
+            <a:extLst>
+              <a:ext uri="{FF2B5EF4-FFF2-40B4-BE49-F238E27FC236}">
+                <a16:creationId xmlns:a16="http://schemas.microsoft.com/office/drawing/2014/main" id="{3EBE8569-6AEC-4B8C-8D53-2DE337CDBA65}"/>
+              </a:ext>
+              <a:ext uri="{C183D7F6-B498-43B3-948B-1728B52AA6E4}">
+                <adec:decorative xmlns:adec="http://schemas.microsoft.com/office/drawing/2017/decorative" val="1"/>
+              </a:ext>
+            </a:extLst>
+          </p:cNvPr>
+          <p:cNvSpPr>
+            <a:spLocks noGrp="1" noRot="1" noChangeAspect="1" noMove="1" noResize="1" noEditPoints="1" noAdjustHandles="1" noChangeArrowheads="1" noChangeShapeType="1" noTextEdit="1"/>
+          </p:cNvSpPr>
+          <p:nvPr>
+            <p:extLst>
+              <p:ext uri="{386F3935-93C4-4BCD-93E2-E3B085C9AB24}">
+                <p16:designElem xmlns:p16="http://schemas.microsoft.com/office/powerpoint/2015/main" val="1"/>
+              </p:ext>
+            </p:extLst>
+          </p:nvPr>
+        </p:nvSpPr>
+        <p:spPr>
+          <a:xfrm>
+            <a:off x="2" y="0"/>
+            <a:ext cx="9756601" cy="6858000"/>
+          </a:xfrm>
+          <a:prstGeom prst="rect">
+            <a:avLst/>
+          </a:prstGeom>
+          <a:gradFill>
+            <a:gsLst>
+              <a:gs pos="58000">
+                <a:schemeClr val="bg1"/>
+              </a:gs>
+              <a:gs pos="35000">
+                <a:schemeClr val="bg1">
+                  <a:alpha val="78000"/>
+                </a:schemeClr>
+              </a:gs>
+              <a:gs pos="19000">
+                <a:schemeClr val="bg1">
+                  <a:alpha val="38000"/>
+                </a:schemeClr>
+              </a:gs>
+              <a:gs pos="0">
+                <a:schemeClr val="bg1">
+                  <a:alpha val="0"/>
+                </a:schemeClr>
+              </a:gs>
+              <a:gs pos="100000">
+                <a:schemeClr val="bg1"/>
+              </a:gs>
+            </a:gsLst>
+            <a:lin ang="10800000" scaled="0"/>
+          </a:gradFill>
+          <a:ln>
+            <a:noFill/>
+          </a:ln>
+        </p:spPr>
+        <p:style>
+          <a:lnRef idx="2">
+            <a:schemeClr val="accent1">
+              <a:shade val="50000"/>
+            </a:schemeClr>
+          </a:lnRef>
+          <a:fillRef idx="1">
+            <a:schemeClr val="accent1"/>
+          </a:fillRef>
+          <a:effectRef idx="0">
+            <a:schemeClr val="accent1"/>
+          </a:effectRef>
+          <a:fontRef idx="minor">
+            <a:schemeClr val="lt1"/>
+          </a:fontRef>
+        </p:style>
+        <p:txBody>
+          <a:bodyPr rtlCol="0" anchor="ctr"/>
+          <a:lstStyle/>
+          <a:p>
+            <a:pPr algn="ctr"/>
+            <a:endParaRPr lang="en-US" dirty="0"/>
+          </a:p>
+        </p:txBody>
+      </p:sp>
+      <p:sp>
+        <p:nvSpPr>
+          <p:cNvPr id="2" name="Title 1">
+            <a:extLst>
+              <a:ext uri="{FF2B5EF4-FFF2-40B4-BE49-F238E27FC236}">
+                <a16:creationId xmlns:a16="http://schemas.microsoft.com/office/drawing/2014/main" id="{79FF3004-B832-732A-B47D-1D7550FA6856}"/>
+              </a:ext>
+            </a:extLst>
+          </p:cNvPr>
+          <p:cNvSpPr>
+            <a:spLocks noGrp="1"/>
+          </p:cNvSpPr>
+          <p:nvPr>
+            <p:ph type="title"/>
+          </p:nvPr>
+        </p:nvSpPr>
+        <p:spPr>
+          <a:xfrm>
+            <a:off x="371094" y="1161288"/>
+            <a:ext cx="3438144" cy="1124712"/>
+          </a:xfrm>
+        </p:spPr>
+        <p:txBody>
+          <a:bodyPr anchor="b">
+            <a:normAutofit/>
+          </a:bodyPr>
+          <a:lstStyle/>
+          <a:p>
+            <a:r>
+              <a:rPr lang="en-US" sz="3600" dirty="0"/>
+              <a:t>Re-cap: Standard Scores</a:t>
+            </a:r>
+            <a:endParaRPr lang="en-GB" sz="3600" dirty="0"/>
+          </a:p>
+        </p:txBody>
+      </p:sp>
+      <p:sp>
+        <p:nvSpPr>
+          <p:cNvPr id="13" name="Rectangle 12">
+            <a:extLst>
+              <a:ext uri="{FF2B5EF4-FFF2-40B4-BE49-F238E27FC236}">
+                <a16:creationId xmlns:a16="http://schemas.microsoft.com/office/drawing/2014/main" id="{55D4142C-5077-457F-A6AD-3FECFDB39685}"/>
+              </a:ext>
+              <a:ext uri="{C183D7F6-B498-43B3-948B-1728B52AA6E4}">
+                <adec:decorative xmlns:adec="http://schemas.microsoft.com/office/drawing/2017/decorative" val="1"/>
+              </a:ext>
+            </a:extLst>
+          </p:cNvPr>
+          <p:cNvSpPr>
+            <a:spLocks noGrp="1" noRot="1" noChangeAspect="1" noMove="1" noResize="1" noEditPoints="1" noAdjustHandles="1" noChangeArrowheads="1" noChangeShapeType="1" noTextEdit="1"/>
+          </p:cNvSpPr>
+          <p:nvPr>
+            <p:extLst>
+              <p:ext uri="{386F3935-93C4-4BCD-93E2-E3B085C9AB24}">
+                <p16:designElem xmlns:p16="http://schemas.microsoft.com/office/powerpoint/2015/main" val="1"/>
+              </p:ext>
+            </p:extLst>
+          </p:nvPr>
+        </p:nvSpPr>
+        <p:spPr>
+          <a:xfrm rot="5400000">
+            <a:off x="662559" y="605790"/>
+            <a:ext cx="73152" cy="548640"/>
+          </a:xfrm>
+          <a:prstGeom prst="rect">
+            <a:avLst/>
+          </a:prstGeom>
+          <a:solidFill>
+            <a:schemeClr val="accent2"/>
+          </a:solidFill>
+          <a:ln>
+            <a:noFill/>
+          </a:ln>
+        </p:spPr>
+        <p:style>
+          <a:lnRef idx="2">
+            <a:schemeClr val="accent1">
+              <a:shade val="50000"/>
+            </a:schemeClr>
+          </a:lnRef>
+          <a:fillRef idx="1">
+            <a:schemeClr val="accent1"/>
+          </a:fillRef>
+          <a:effectRef idx="0">
+            <a:schemeClr val="accent1"/>
+          </a:effectRef>
+          <a:fontRef idx="minor">
+            <a:schemeClr val="lt1"/>
+          </a:fontRef>
+        </p:style>
+        <p:txBody>
+          <a:bodyPr rtlCol="0" anchor="ctr"/>
+          <a:lstStyle/>
+          <a:p>
+            <a:pPr algn="ctr"/>
+            <a:endParaRPr lang="en-US">
+              <a:solidFill>
+                <a:prstClr val="white"/>
+              </a:solidFill>
+              <a:latin typeface="Calibri" panose="020F0502020204030204"/>
+            </a:endParaRPr>
+          </a:p>
+        </p:txBody>
+      </p:sp>
+      <p:sp>
+        <p:nvSpPr>
+          <p:cNvPr id="15" name="Rectangle 14">
+            <a:extLst>
+              <a:ext uri="{FF2B5EF4-FFF2-40B4-BE49-F238E27FC236}">
+                <a16:creationId xmlns:a16="http://schemas.microsoft.com/office/drawing/2014/main" id="{7A5F0580-5EE9-419F-96EE-B6529EF6E7D0}"/>
+              </a:ext>
+              <a:ext uri="{C183D7F6-B498-43B3-948B-1728B52AA6E4}">
+                <adec:decorative xmlns:adec="http://schemas.microsoft.com/office/drawing/2017/decorative" val="1"/>
+              </a:ext>
+            </a:extLst>
+          </p:cNvPr>
+          <p:cNvSpPr>
+            <a:spLocks noGrp="1" noRot="1" noChangeAspect="1" noMove="1" noResize="1" noEditPoints="1" noAdjustHandles="1" noChangeArrowheads="1" noChangeShapeType="1" noTextEdit="1"/>
+          </p:cNvSpPr>
+          <p:nvPr>
+            <p:extLst>
+              <p:ext uri="{386F3935-93C4-4BCD-93E2-E3B085C9AB24}">
+                <p16:designElem xmlns:p16="http://schemas.microsoft.com/office/powerpoint/2015/main" val="1"/>
+              </p:ext>
+            </p:extLst>
+          </p:nvPr>
+        </p:nvSpPr>
+        <p:spPr>
+          <a:xfrm>
+            <a:off x="428244" y="2443480"/>
+            <a:ext cx="3300984" cy="9144"/>
+          </a:xfrm>
+          <a:prstGeom prst="rect">
+            <a:avLst/>
+          </a:prstGeom>
+          <a:solidFill>
+            <a:srgbClr val="D5D5D5"/>
+          </a:solidFill>
+          <a:ln w="3175">
+            <a:solidFill>
+              <a:srgbClr val="D5D5D5"/>
+            </a:solidFill>
+          </a:ln>
+          <a:effectLst/>
+        </p:spPr>
+        <p:style>
+          <a:lnRef idx="2">
+            <a:schemeClr val="accent1">
+              <a:shade val="50000"/>
+            </a:schemeClr>
+          </a:lnRef>
+          <a:fillRef idx="1">
+            <a:schemeClr val="accent1"/>
+          </a:fillRef>
+          <a:effectRef idx="0">
+            <a:schemeClr val="accent1"/>
+          </a:effectRef>
+          <a:fontRef idx="minor">
+            <a:schemeClr val="lt1"/>
+          </a:fontRef>
+        </p:style>
+        <p:txBody>
+          <a:bodyPr rtlCol="0" anchor="ctr"/>
+          <a:lstStyle/>
+          <a:p>
+            <a:pPr marL="0" marR="0" lvl="0" indent="0" algn="ctr" defTabSz="914400" rtl="0" eaLnBrk="1" fontAlgn="auto" latinLnBrk="0" hangingPunct="1">
+              <a:lnSpc>
+                <a:spcPct val="100000"/>
+              </a:lnSpc>
+              <a:spcBef>
+                <a:spcPts val="0"/>
+              </a:spcBef>
+              <a:spcAft>
+                <a:spcPts val="0"/>
+              </a:spcAft>
+              <a:buClrTx/>
+              <a:buSzTx/>
+              <a:buFontTx/>
+              <a:buNone/>
+              <a:tabLst/>
+              <a:defRPr/>
+            </a:pPr>
+            <a:endParaRPr kumimoji="0" lang="en-US" sz="1800" b="0" i="0" u="none" strike="noStrike" kern="1200" cap="none" spc="0" normalizeH="0" baseline="0" noProof="0">
+              <a:ln>
+                <a:noFill/>
+              </a:ln>
+              <a:solidFill>
+                <a:prstClr val="white"/>
+              </a:solidFill>
+              <a:effectLst/>
+              <a:uLnTx/>
+              <a:uFillTx/>
+              <a:latin typeface="Calibri" panose="020F0502020204030204"/>
+              <a:ea typeface="+mn-ea"/>
+              <a:cs typeface="+mn-cs"/>
+            </a:endParaRPr>
+          </a:p>
+        </p:txBody>
+      </p:sp>
+      <p:sp>
+        <p:nvSpPr>
+          <p:cNvPr id="3" name="Content Placeholder 2">
+            <a:extLst>
+              <a:ext uri="{FF2B5EF4-FFF2-40B4-BE49-F238E27FC236}">
+                <a16:creationId xmlns:a16="http://schemas.microsoft.com/office/drawing/2014/main" id="{C7CAA97C-BAE6-D692-6703-B96FD665ADB9}"/>
+              </a:ext>
+            </a:extLst>
+          </p:cNvPr>
+          <p:cNvSpPr>
+            <a:spLocks noGrp="1"/>
+          </p:cNvSpPr>
+          <p:nvPr>
+            <p:ph idx="1"/>
+          </p:nvPr>
+        </p:nvSpPr>
+        <p:spPr>
+          <a:xfrm>
+            <a:off x="371094" y="2718054"/>
+            <a:ext cx="5547106" cy="3207258"/>
+          </a:xfrm>
+        </p:spPr>
+        <p:txBody>
+          <a:bodyPr anchor="t">
+            <a:normAutofit/>
+          </a:bodyPr>
+          <a:lstStyle/>
+          <a:p>
+            <a:r>
+              <a:rPr lang="en-US" sz="4000" dirty="0"/>
+              <a:t>If the standard deviation is large</a:t>
+            </a:r>
+            <a:endParaRPr lang="en-GB" sz="4000" dirty="0"/>
+          </a:p>
+          <a:p>
+            <a:r>
+              <a:rPr lang="en-GB" sz="4000" dirty="0"/>
+              <a:t>Scores away from the mean are quite common</a:t>
+            </a:r>
+          </a:p>
+          <a:p>
+            <a:r>
+              <a:rPr lang="en-GB" sz="4000" dirty="0"/>
+              <a:t>Probably not very low</a:t>
+            </a:r>
+            <a:endParaRPr lang="en-US" sz="4000" dirty="0"/>
+          </a:p>
+        </p:txBody>
+      </p:sp>
+    </p:spTree>
+    <p:extLst>
+      <p:ext uri="{BB962C8B-B14F-4D97-AF65-F5344CB8AC3E}">
+        <p14:creationId xmlns:p14="http://schemas.microsoft.com/office/powerpoint/2010/main" val="2992016573"/>
+      </p:ext>
+    </p:extLst>
+  </p:cSld>
+  <p:clrMapOvr>
+    <a:masterClrMapping/>
+  </p:clrMapOvr>
+  <p:timing>
+    <p:tnLst>
+      <p:par>
+        <p:cTn id="1" dur="indefinite" restart="never" nodeType="tmRoot">
+          <p:childTnLst>
+            <p:seq concurrent="1" nextAc="seek">
+              <p:cTn id="2" dur="indefinite" nodeType="mainSeq">
+                <p:childTnLst>
+                  <p:par>
+                    <p:cTn id="3" fill="hold">
+                      <p:stCondLst>
+                        <p:cond delay="indefinite"/>
+                        <p:cond evt="onBegin" delay="0">
+                          <p:tn val="2"/>
+                        </p:cond>
+                      </p:stCondLst>
+                      <p:childTnLst>
+                        <p:par>
+                          <p:cTn id="4" fill="hold">
+                            <p:stCondLst>
+                              <p:cond delay="0"/>
+                            </p:stCondLst>
+                            <p:childTnLst>
+                              <p:par>
+                                <p:cTn id="5" presetID="10" presetClass="entr" presetSubtype="0" fill="hold" nodeType="withEffect">
+                                  <p:stCondLst>
+                                    <p:cond delay="0"/>
+                                  </p:stCondLst>
+                                  <p:childTnLst>
+                                    <p:set>
+                                      <p:cBhvr>
+                                        <p:cTn id="6" dur="1" fill="hold">
+                                          <p:stCondLst>
+                                            <p:cond delay="0"/>
+                                          </p:stCondLst>
+                                        </p:cTn>
+                                        <p:tgtEl>
+                                          <p:spTgt spid="3">
+                                            <p:txEl>
+                                              <p:pRg st="0" end="0"/>
+                                            </p:txEl>
+                                          </p:spTgt>
+                                        </p:tgtEl>
+                                        <p:attrNameLst>
+                                          <p:attrName>style.visibility</p:attrName>
+                                        </p:attrNameLst>
+                                      </p:cBhvr>
+                                      <p:to>
+                                        <p:strVal val="visible"/>
+                                      </p:to>
+                                    </p:set>
+                                    <p:animEffect transition="in" filter="fade">
+                                      <p:cBhvr>
+                                        <p:cTn id="7" dur="500"/>
+                                        <p:tgtEl>
+                                          <p:spTgt spid="3">
+                                            <p:txEl>
+                                              <p:pRg st="0" end="0"/>
+                                            </p:txEl>
+                                          </p:spTgt>
+                                        </p:tgtEl>
+                                      </p:cBhvr>
+                                    </p:animEffect>
+                                  </p:childTnLst>
+                                </p:cTn>
+                              </p:par>
+                              <p:par>
+                                <p:cTn id="8" presetID="10" presetClass="entr" presetSubtype="0" fill="hold" nodeType="withEffect">
+                                  <p:stCondLst>
+                                    <p:cond delay="0"/>
+                                  </p:stCondLst>
+                                  <p:childTnLst>
+                                    <p:set>
+                                      <p:cBhvr>
+                                        <p:cTn id="9" dur="1" fill="hold">
+                                          <p:stCondLst>
+                                            <p:cond delay="0"/>
+                                          </p:stCondLst>
+                                        </p:cTn>
+                                        <p:tgtEl>
+                                          <p:spTgt spid="3">
+                                            <p:txEl>
+                                              <p:pRg st="1" end="1"/>
+                                            </p:txEl>
+                                          </p:spTgt>
+                                        </p:tgtEl>
+                                        <p:attrNameLst>
+                                          <p:attrName>style.visibility</p:attrName>
+                                        </p:attrNameLst>
+                                      </p:cBhvr>
+                                      <p:to>
+                                        <p:strVal val="visible"/>
+                                      </p:to>
+                                    </p:set>
+                                    <p:animEffect transition="in" filter="fade">
+                                      <p:cBhvr>
+                                        <p:cTn id="10" dur="500"/>
+                                        <p:tgtEl>
+                                          <p:spTgt spid="3">
+                                            <p:txEl>
+                                              <p:pRg st="1" end="1"/>
+                                            </p:txEl>
+                                          </p:spTgt>
+                                        </p:tgtEl>
+                                      </p:cBhvr>
+                                    </p:animEffect>
+                                  </p:childTnLst>
+                                </p:cTn>
+                              </p:par>
+                              <p:par>
+                                <p:cTn id="11" presetID="10" presetClass="entr" presetSubtype="0" fill="hold" nodeType="withEffect">
+                                  <p:stCondLst>
+                                    <p:cond delay="0"/>
+                                  </p:stCondLst>
+                                  <p:childTnLst>
+                                    <p:set>
+                                      <p:cBhvr>
+                                        <p:cTn id="12" dur="1" fill="hold">
+                                          <p:stCondLst>
+                                            <p:cond delay="0"/>
+                                          </p:stCondLst>
+                                        </p:cTn>
+                                        <p:tgtEl>
+                                          <p:spTgt spid="3">
+                                            <p:txEl>
+                                              <p:pRg st="2" end="2"/>
+                                            </p:txEl>
+                                          </p:spTgt>
+                                        </p:tgtEl>
+                                        <p:attrNameLst>
+                                          <p:attrName>style.visibility</p:attrName>
+                                        </p:attrNameLst>
+                                      </p:cBhvr>
+                                      <p:to>
+                                        <p:strVal val="visible"/>
+                                      </p:to>
+                                    </p:set>
+                                    <p:animEffect transition="in" filter="fade">
+                                      <p:cBhvr>
+                                        <p:cTn id="13" dur="500"/>
+                                        <p:tgtEl>
+                                          <p:spTgt spid="3">
+                                            <p:txEl>
+                                              <p:pRg st="2" end="2"/>
+                                            </p:txEl>
+                                          </p:spTgt>
+                                        </p:tgtEl>
+                                      </p:cBhvr>
+                                    </p:animEffect>
+                                  </p:childTnLst>
+                                </p:cTn>
+                              </p:par>
+                            </p:childTnLst>
+                          </p:cTn>
+                        </p:par>
+                      </p:childTnLst>
+                    </p:cTn>
+                  </p:par>
+                </p:childTnLst>
+              </p:cTn>
+              <p:prevCondLst>
+                <p:cond evt="onPrev" delay="0">
+                  <p:tgtEl>
+                    <p:sldTgt/>
+                  </p:tgtEl>
+                </p:cond>
+              </p:prevCondLst>
+              <p:nextCondLst>
+                <p:cond evt="onNext" delay="0">
+                  <p:tgtEl>
+                    <p:sldTgt/>
+                  </p:tgtEl>
+                </p:cond>
+              </p:nextCondLst>
+            </p:seq>
+          </p:childTnLst>
+        </p:cTn>
+      </p:par>
+    </p:tnLst>
+  </p:timing>
+</p:sld>
+</file>
+
+<file path=ppt/slides/slide16.xml><?xml version="1.0" encoding="utf-8"?>
+<p:sld xmlns:a="http://schemas.openxmlformats.org/drawingml/2006/main" xmlns:r="http://schemas.openxmlformats.org/officeDocument/2006/relationships" xmlns:p="http://schemas.openxmlformats.org/presentationml/2006/main">
+  <p:cSld>
+    <p:bg>
+      <p:bgPr>
+        <a:solidFill>
+          <a:schemeClr val="bg1"/>
+        </a:solidFill>
+        <a:effectLst/>
+      </p:bgPr>
+    </p:bg>
+    <p:spTree>
+      <p:nvGrpSpPr>
+        <p:cNvPr id="1" name=""/>
+        <p:cNvGrpSpPr/>
+        <p:nvPr/>
+      </p:nvGrpSpPr>
+      <p:grpSpPr>
+        <a:xfrm>
+          <a:off x="0" y="0"/>
+          <a:ext cx="0" cy="0"/>
+          <a:chOff x="0" y="0"/>
+          <a:chExt cx="0" cy="0"/>
+        </a:xfrm>
+      </p:grpSpPr>
+      <p:sp useBgFill="1">
+        <p:nvSpPr>
+          <p:cNvPr id="9" name="Rectangle 8">
+            <a:extLst>
+              <a:ext uri="{FF2B5EF4-FFF2-40B4-BE49-F238E27FC236}">
+                <a16:creationId xmlns:a16="http://schemas.microsoft.com/office/drawing/2014/main" id="{8FC9BE17-9A7B-462D-AE50-3D8777387304}"/>
+              </a:ext>
+              <a:ext uri="{C183D7F6-B498-43B3-948B-1728B52AA6E4}">
+                <adec:decorative xmlns:adec="http://schemas.microsoft.com/office/drawing/2017/decorative" val="1"/>
+              </a:ext>
+            </a:extLst>
+          </p:cNvPr>
+          <p:cNvSpPr>
+            <a:spLocks noGrp="1" noRot="1" noChangeAspect="1" noMove="1" noResize="1" noEditPoints="1" noAdjustHandles="1" noChangeArrowheads="1" noChangeShapeType="1" noTextEdit="1"/>
+          </p:cNvSpPr>
+          <p:nvPr>
+            <p:extLst>
+              <p:ext uri="{386F3935-93C4-4BCD-93E2-E3B085C9AB24}">
+                <p16:designElem xmlns:p16="http://schemas.microsoft.com/office/powerpoint/2015/main" val="1"/>
+              </p:ext>
+            </p:extLst>
+          </p:nvPr>
+        </p:nvSpPr>
+        <p:spPr>
+          <a:xfrm>
+            <a:off x="0" y="0"/>
+            <a:ext cx="12192000" cy="6858000"/>
+          </a:xfrm>
+          <a:prstGeom prst="rect">
+            <a:avLst/>
+          </a:prstGeom>
+          <a:ln>
+            <a:noFill/>
+          </a:ln>
+        </p:spPr>
+        <p:style>
+          <a:lnRef idx="2">
+            <a:schemeClr val="accent1">
+              <a:shade val="50000"/>
+            </a:schemeClr>
+          </a:lnRef>
+          <a:fillRef idx="1">
+            <a:schemeClr val="accent1"/>
+          </a:fillRef>
+          <a:effectRef idx="0">
+            <a:schemeClr val="accent1"/>
+          </a:effectRef>
+          <a:fontRef idx="minor">
+            <a:schemeClr val="lt1"/>
+          </a:fontRef>
+        </p:style>
+        <p:txBody>
+          <a:bodyPr rtlCol="0" anchor="ctr"/>
+          <a:lstStyle/>
+          <a:p>
+            <a:pPr algn="ctr"/>
+            <a:endParaRPr lang="en-US"/>
+          </a:p>
+        </p:txBody>
+      </p:sp>
+      <p:pic>
+        <p:nvPicPr>
+          <p:cNvPr id="5" name="Picture 4" descr="A close up view of a puzzle game">
+            <a:extLst>
+              <a:ext uri="{FF2B5EF4-FFF2-40B4-BE49-F238E27FC236}">
+                <a16:creationId xmlns:a16="http://schemas.microsoft.com/office/drawing/2014/main" id="{CA6C843E-943C-C83C-8B75-7F2766C79E3D}"/>
+              </a:ext>
+            </a:extLst>
+          </p:cNvPr>
+          <p:cNvPicPr>
+            <a:picLocks noChangeAspect="1"/>
+          </p:cNvPicPr>
+          <p:nvPr/>
+        </p:nvPicPr>
+        <p:blipFill rotWithShape="1">
+          <a:blip r:embed="rId2"/>
+          <a:srcRect l="6363" r="9264" b="-1"/>
+          <a:stretch/>
+        </p:blipFill>
+        <p:spPr>
+          <a:xfrm>
+            <a:off x="3523488" y="10"/>
+            <a:ext cx="8668512" cy="6857990"/>
+          </a:xfrm>
+          <a:prstGeom prst="rect">
+            <a:avLst/>
+          </a:prstGeom>
+        </p:spPr>
+      </p:pic>
+      <p:sp>
+        <p:nvSpPr>
+          <p:cNvPr id="11" name="Rectangle 10">
+            <a:extLst>
+              <a:ext uri="{FF2B5EF4-FFF2-40B4-BE49-F238E27FC236}">
+                <a16:creationId xmlns:a16="http://schemas.microsoft.com/office/drawing/2014/main" id="{3EBE8569-6AEC-4B8C-8D53-2DE337CDBA65}"/>
+              </a:ext>
+              <a:ext uri="{C183D7F6-B498-43B3-948B-1728B52AA6E4}">
+                <adec:decorative xmlns:adec="http://schemas.microsoft.com/office/drawing/2017/decorative" val="1"/>
+              </a:ext>
+            </a:extLst>
+          </p:cNvPr>
+          <p:cNvSpPr>
+            <a:spLocks noGrp="1" noRot="1" noChangeAspect="1" noMove="1" noResize="1" noEditPoints="1" noAdjustHandles="1" noChangeArrowheads="1" noChangeShapeType="1" noTextEdit="1"/>
+          </p:cNvSpPr>
+          <p:nvPr>
+            <p:extLst>
+              <p:ext uri="{386F3935-93C4-4BCD-93E2-E3B085C9AB24}">
+                <p16:designElem xmlns:p16="http://schemas.microsoft.com/office/powerpoint/2015/main" val="1"/>
+              </p:ext>
+            </p:extLst>
+          </p:nvPr>
+        </p:nvSpPr>
+        <p:spPr>
+          <a:xfrm>
+            <a:off x="2" y="0"/>
+            <a:ext cx="9756601" cy="6858000"/>
+          </a:xfrm>
+          <a:prstGeom prst="rect">
+            <a:avLst/>
+          </a:prstGeom>
+          <a:gradFill>
+            <a:gsLst>
+              <a:gs pos="58000">
+                <a:schemeClr val="bg1"/>
+              </a:gs>
+              <a:gs pos="35000">
+                <a:schemeClr val="bg1">
+                  <a:alpha val="78000"/>
+                </a:schemeClr>
+              </a:gs>
+              <a:gs pos="19000">
+                <a:schemeClr val="bg1">
+                  <a:alpha val="38000"/>
+                </a:schemeClr>
+              </a:gs>
+              <a:gs pos="0">
+                <a:schemeClr val="bg1">
+                  <a:alpha val="0"/>
+                </a:schemeClr>
+              </a:gs>
+              <a:gs pos="100000">
+                <a:schemeClr val="bg1"/>
+              </a:gs>
+            </a:gsLst>
+            <a:lin ang="10800000" scaled="0"/>
+          </a:gradFill>
+          <a:ln>
+            <a:noFill/>
+          </a:ln>
+        </p:spPr>
+        <p:style>
+          <a:lnRef idx="2">
+            <a:schemeClr val="accent1">
+              <a:shade val="50000"/>
+            </a:schemeClr>
+          </a:lnRef>
+          <a:fillRef idx="1">
+            <a:schemeClr val="accent1"/>
+          </a:fillRef>
+          <a:effectRef idx="0">
+            <a:schemeClr val="accent1"/>
+          </a:effectRef>
+          <a:fontRef idx="minor">
+            <a:schemeClr val="lt1"/>
+          </a:fontRef>
+        </p:style>
+        <p:txBody>
+          <a:bodyPr rtlCol="0" anchor="ctr"/>
+          <a:lstStyle/>
+          <a:p>
+            <a:pPr algn="ctr"/>
+            <a:endParaRPr lang="en-US" dirty="0"/>
+          </a:p>
+        </p:txBody>
+      </p:sp>
+      <p:sp>
+        <p:nvSpPr>
+          <p:cNvPr id="2" name="Title 1">
+            <a:extLst>
+              <a:ext uri="{FF2B5EF4-FFF2-40B4-BE49-F238E27FC236}">
+                <a16:creationId xmlns:a16="http://schemas.microsoft.com/office/drawing/2014/main" id="{79FF3004-B832-732A-B47D-1D7550FA6856}"/>
+              </a:ext>
+            </a:extLst>
+          </p:cNvPr>
+          <p:cNvSpPr>
+            <a:spLocks noGrp="1"/>
+          </p:cNvSpPr>
+          <p:nvPr>
+            <p:ph type="title"/>
+          </p:nvPr>
+        </p:nvSpPr>
+        <p:spPr>
+          <a:xfrm>
+            <a:off x="371094" y="1224788"/>
+            <a:ext cx="3438144" cy="1124712"/>
+          </a:xfrm>
+        </p:spPr>
+        <p:txBody>
+          <a:bodyPr anchor="b">
+            <a:normAutofit/>
+          </a:bodyPr>
+          <a:lstStyle/>
+          <a:p>
+            <a:r>
+              <a:rPr lang="en-US" sz="3600" dirty="0"/>
+              <a:t>Re-cap: Standard Scores</a:t>
+            </a:r>
+            <a:endParaRPr lang="en-GB" sz="3600" dirty="0"/>
+          </a:p>
+        </p:txBody>
+      </p:sp>
+      <p:sp>
+        <p:nvSpPr>
+          <p:cNvPr id="13" name="Rectangle 12">
+            <a:extLst>
+              <a:ext uri="{FF2B5EF4-FFF2-40B4-BE49-F238E27FC236}">
+                <a16:creationId xmlns:a16="http://schemas.microsoft.com/office/drawing/2014/main" id="{55D4142C-5077-457F-A6AD-3FECFDB39685}"/>
+              </a:ext>
+              <a:ext uri="{C183D7F6-B498-43B3-948B-1728B52AA6E4}">
+                <adec:decorative xmlns:adec="http://schemas.microsoft.com/office/drawing/2017/decorative" val="1"/>
+              </a:ext>
+            </a:extLst>
+          </p:cNvPr>
+          <p:cNvSpPr>
+            <a:spLocks noGrp="1" noRot="1" noChangeAspect="1" noMove="1" noResize="1" noEditPoints="1" noAdjustHandles="1" noChangeArrowheads="1" noChangeShapeType="1" noTextEdit="1"/>
+          </p:cNvSpPr>
+          <p:nvPr>
+            <p:extLst>
+              <p:ext uri="{386F3935-93C4-4BCD-93E2-E3B085C9AB24}">
+                <p16:designElem xmlns:p16="http://schemas.microsoft.com/office/powerpoint/2015/main" val="1"/>
+              </p:ext>
+            </p:extLst>
+          </p:nvPr>
+        </p:nvSpPr>
+        <p:spPr>
+          <a:xfrm rot="5400000">
+            <a:off x="662559" y="605790"/>
+            <a:ext cx="73152" cy="548640"/>
+          </a:xfrm>
+          <a:prstGeom prst="rect">
+            <a:avLst/>
+          </a:prstGeom>
+          <a:solidFill>
+            <a:schemeClr val="accent2"/>
+          </a:solidFill>
+          <a:ln>
+            <a:noFill/>
+          </a:ln>
+        </p:spPr>
+        <p:style>
+          <a:lnRef idx="2">
+            <a:schemeClr val="accent1">
+              <a:shade val="50000"/>
+            </a:schemeClr>
+          </a:lnRef>
+          <a:fillRef idx="1">
+            <a:schemeClr val="accent1"/>
+          </a:fillRef>
+          <a:effectRef idx="0">
+            <a:schemeClr val="accent1"/>
+          </a:effectRef>
+          <a:fontRef idx="minor">
+            <a:schemeClr val="lt1"/>
+          </a:fontRef>
+        </p:style>
+        <p:txBody>
+          <a:bodyPr rtlCol="0" anchor="ctr"/>
+          <a:lstStyle/>
+          <a:p>
+            <a:pPr algn="ctr"/>
+            <a:endParaRPr lang="en-US">
+              <a:solidFill>
+                <a:prstClr val="white"/>
+              </a:solidFill>
+              <a:latin typeface="Calibri" panose="020F0502020204030204"/>
+            </a:endParaRPr>
+          </a:p>
+        </p:txBody>
+      </p:sp>
+      <p:sp>
+        <p:nvSpPr>
+          <p:cNvPr id="15" name="Rectangle 14">
+            <a:extLst>
+              <a:ext uri="{FF2B5EF4-FFF2-40B4-BE49-F238E27FC236}">
+                <a16:creationId xmlns:a16="http://schemas.microsoft.com/office/drawing/2014/main" id="{7A5F0580-5EE9-419F-96EE-B6529EF6E7D0}"/>
+              </a:ext>
+              <a:ext uri="{C183D7F6-B498-43B3-948B-1728B52AA6E4}">
+                <adec:decorative xmlns:adec="http://schemas.microsoft.com/office/drawing/2017/decorative" val="1"/>
+              </a:ext>
+            </a:extLst>
+          </p:cNvPr>
+          <p:cNvSpPr>
+            <a:spLocks noGrp="1" noRot="1" noChangeAspect="1" noMove="1" noResize="1" noEditPoints="1" noAdjustHandles="1" noChangeArrowheads="1" noChangeShapeType="1" noTextEdit="1"/>
+          </p:cNvSpPr>
+          <p:nvPr>
+            <p:extLst>
+              <p:ext uri="{386F3935-93C4-4BCD-93E2-E3B085C9AB24}">
+                <p16:designElem xmlns:p16="http://schemas.microsoft.com/office/powerpoint/2015/main" val="1"/>
+              </p:ext>
+            </p:extLst>
+          </p:nvPr>
+        </p:nvSpPr>
+        <p:spPr>
+          <a:xfrm>
+            <a:off x="428244" y="2443480"/>
+            <a:ext cx="3300984" cy="9144"/>
+          </a:xfrm>
+          <a:prstGeom prst="rect">
+            <a:avLst/>
+          </a:prstGeom>
+          <a:solidFill>
+            <a:srgbClr val="D5D5D5"/>
+          </a:solidFill>
+          <a:ln w="3175">
+            <a:solidFill>
+              <a:srgbClr val="D5D5D5"/>
+            </a:solidFill>
+          </a:ln>
+          <a:effectLst/>
+        </p:spPr>
+        <p:style>
+          <a:lnRef idx="2">
+            <a:schemeClr val="accent1">
+              <a:shade val="50000"/>
+            </a:schemeClr>
+          </a:lnRef>
+          <a:fillRef idx="1">
+            <a:schemeClr val="accent1"/>
+          </a:fillRef>
+          <a:effectRef idx="0">
+            <a:schemeClr val="accent1"/>
+          </a:effectRef>
+          <a:fontRef idx="minor">
+            <a:schemeClr val="lt1"/>
+          </a:fontRef>
+        </p:style>
+        <p:txBody>
+          <a:bodyPr rtlCol="0" anchor="ctr"/>
+          <a:lstStyle/>
+          <a:p>
+            <a:pPr marL="0" marR="0" lvl="0" indent="0" algn="ctr" defTabSz="914400" rtl="0" eaLnBrk="1" fontAlgn="auto" latinLnBrk="0" hangingPunct="1">
+              <a:lnSpc>
+                <a:spcPct val="100000"/>
+              </a:lnSpc>
+              <a:spcBef>
+                <a:spcPts val="0"/>
+              </a:spcBef>
+              <a:spcAft>
+                <a:spcPts val="0"/>
+              </a:spcAft>
+              <a:buClrTx/>
+              <a:buSzTx/>
+              <a:buFontTx/>
+              <a:buNone/>
+              <a:tabLst/>
+              <a:defRPr/>
+            </a:pPr>
+            <a:endParaRPr kumimoji="0" lang="en-US" sz="1800" b="0" i="0" u="none" strike="noStrike" kern="1200" cap="none" spc="0" normalizeH="0" baseline="0" noProof="0">
+              <a:ln>
+                <a:noFill/>
+              </a:ln>
+              <a:solidFill>
+                <a:prstClr val="white"/>
+              </a:solidFill>
+              <a:effectLst/>
+              <a:uLnTx/>
+              <a:uFillTx/>
+              <a:latin typeface="Calibri" panose="020F0502020204030204"/>
+              <a:ea typeface="+mn-ea"/>
+              <a:cs typeface="+mn-cs"/>
+            </a:endParaRPr>
+          </a:p>
+        </p:txBody>
+      </p:sp>
+      <p:sp>
+        <p:nvSpPr>
+          <p:cNvPr id="3" name="Content Placeholder 2">
+            <a:extLst>
+              <a:ext uri="{FF2B5EF4-FFF2-40B4-BE49-F238E27FC236}">
+                <a16:creationId xmlns:a16="http://schemas.microsoft.com/office/drawing/2014/main" id="{C7CAA97C-BAE6-D692-6703-B96FD665ADB9}"/>
+              </a:ext>
+            </a:extLst>
+          </p:cNvPr>
+          <p:cNvSpPr>
+            <a:spLocks noGrp="1"/>
+          </p:cNvSpPr>
+          <p:nvPr>
+            <p:ph idx="1"/>
+          </p:nvPr>
+        </p:nvSpPr>
+        <p:spPr>
+          <a:xfrm>
+            <a:off x="371094" y="2718054"/>
+            <a:ext cx="5547106" cy="3207258"/>
+          </a:xfrm>
+        </p:spPr>
+        <p:txBody>
+          <a:bodyPr anchor="t">
+            <a:normAutofit/>
+          </a:bodyPr>
+          <a:lstStyle/>
+          <a:p>
+            <a:r>
+              <a:rPr lang="en-US" sz="4000" dirty="0"/>
+              <a:t>If the standard deviation is small</a:t>
+            </a:r>
+            <a:endParaRPr lang="en-GB" sz="4000" dirty="0"/>
+          </a:p>
+          <a:p>
+            <a:r>
+              <a:rPr lang="en-GB" sz="4000" dirty="0"/>
+              <a:t>Scores away from the mean are NOT common</a:t>
+            </a:r>
+          </a:p>
+          <a:p>
+            <a:r>
+              <a:rPr lang="en-GB" sz="4000" dirty="0"/>
+              <a:t>Probably low</a:t>
+            </a:r>
+            <a:endParaRPr lang="en-US" sz="4000" dirty="0"/>
+          </a:p>
+        </p:txBody>
+      </p:sp>
+    </p:spTree>
+    <p:extLst>
+      <p:ext uri="{BB962C8B-B14F-4D97-AF65-F5344CB8AC3E}">
+        <p14:creationId xmlns:p14="http://schemas.microsoft.com/office/powerpoint/2010/main" val="3651562107"/>
+      </p:ext>
+    </p:extLst>
+  </p:cSld>
+  <p:clrMapOvr>
+    <a:masterClrMapping/>
+  </p:clrMapOvr>
+  <p:timing>
+    <p:tnLst>
+      <p:par>
+        <p:cTn id="1" dur="indefinite" restart="never" nodeType="tmRoot">
+          <p:childTnLst>
+            <p:seq concurrent="1" nextAc="seek">
+              <p:cTn id="2" dur="indefinite" nodeType="mainSeq">
+                <p:childTnLst>
+                  <p:par>
+                    <p:cTn id="3" fill="hold">
+                      <p:stCondLst>
+                        <p:cond delay="indefinite"/>
+                        <p:cond evt="onBegin" delay="0">
+                          <p:tn val="2"/>
+                        </p:cond>
+                      </p:stCondLst>
+                      <p:childTnLst>
+                        <p:par>
+                          <p:cTn id="4" fill="hold">
+                            <p:stCondLst>
+                              <p:cond delay="0"/>
+                            </p:stCondLst>
+                            <p:childTnLst>
+                              <p:par>
+                                <p:cTn id="5" presetID="10" presetClass="entr" presetSubtype="0" fill="hold" nodeType="withEffect">
+                                  <p:stCondLst>
+                                    <p:cond delay="0"/>
+                                  </p:stCondLst>
+                                  <p:childTnLst>
+                                    <p:set>
+                                      <p:cBhvr>
+                                        <p:cTn id="6" dur="1" fill="hold">
+                                          <p:stCondLst>
+                                            <p:cond delay="0"/>
+                                          </p:stCondLst>
+                                        </p:cTn>
+                                        <p:tgtEl>
+                                          <p:spTgt spid="3">
+                                            <p:txEl>
+                                              <p:pRg st="0" end="0"/>
+                                            </p:txEl>
+                                          </p:spTgt>
+                                        </p:tgtEl>
+                                        <p:attrNameLst>
+                                          <p:attrName>style.visibility</p:attrName>
+                                        </p:attrNameLst>
+                                      </p:cBhvr>
+                                      <p:to>
+                                        <p:strVal val="visible"/>
+                                      </p:to>
+                                    </p:set>
+                                    <p:animEffect transition="in" filter="fade">
+                                      <p:cBhvr>
+                                        <p:cTn id="7" dur="500"/>
+                                        <p:tgtEl>
+                                          <p:spTgt spid="3">
+                                            <p:txEl>
+                                              <p:pRg st="0" end="0"/>
+                                            </p:txEl>
+                                          </p:spTgt>
+                                        </p:tgtEl>
+                                      </p:cBhvr>
+                                    </p:animEffect>
+                                  </p:childTnLst>
+                                </p:cTn>
+                              </p:par>
+                              <p:par>
+                                <p:cTn id="8" presetID="10" presetClass="entr" presetSubtype="0" fill="hold" nodeType="withEffect">
+                                  <p:stCondLst>
+                                    <p:cond delay="0"/>
+                                  </p:stCondLst>
+                                  <p:childTnLst>
+                                    <p:set>
+                                      <p:cBhvr>
+                                        <p:cTn id="9" dur="1" fill="hold">
+                                          <p:stCondLst>
+                                            <p:cond delay="0"/>
+                                          </p:stCondLst>
+                                        </p:cTn>
+                                        <p:tgtEl>
+                                          <p:spTgt spid="3">
+                                            <p:txEl>
+                                              <p:pRg st="1" end="1"/>
+                                            </p:txEl>
+                                          </p:spTgt>
+                                        </p:tgtEl>
+                                        <p:attrNameLst>
+                                          <p:attrName>style.visibility</p:attrName>
+                                        </p:attrNameLst>
+                                      </p:cBhvr>
+                                      <p:to>
+                                        <p:strVal val="visible"/>
+                                      </p:to>
+                                    </p:set>
+                                    <p:animEffect transition="in" filter="fade">
+                                      <p:cBhvr>
+                                        <p:cTn id="10" dur="500"/>
+                                        <p:tgtEl>
+                                          <p:spTgt spid="3">
+                                            <p:txEl>
+                                              <p:pRg st="1" end="1"/>
+                                            </p:txEl>
+                                          </p:spTgt>
+                                        </p:tgtEl>
+                                      </p:cBhvr>
+                                    </p:animEffect>
+                                  </p:childTnLst>
+                                </p:cTn>
+                              </p:par>
+                              <p:par>
+                                <p:cTn id="11" presetID="10" presetClass="entr" presetSubtype="0" fill="hold" nodeType="withEffect">
+                                  <p:stCondLst>
+                                    <p:cond delay="0"/>
+                                  </p:stCondLst>
+                                  <p:childTnLst>
+                                    <p:set>
+                                      <p:cBhvr>
+                                        <p:cTn id="12" dur="1" fill="hold">
+                                          <p:stCondLst>
+                                            <p:cond delay="0"/>
+                                          </p:stCondLst>
+                                        </p:cTn>
+                                        <p:tgtEl>
+                                          <p:spTgt spid="3">
+                                            <p:txEl>
+                                              <p:pRg st="2" end="2"/>
+                                            </p:txEl>
+                                          </p:spTgt>
+                                        </p:tgtEl>
+                                        <p:attrNameLst>
+                                          <p:attrName>style.visibility</p:attrName>
+                                        </p:attrNameLst>
+                                      </p:cBhvr>
+                                      <p:to>
+                                        <p:strVal val="visible"/>
+                                      </p:to>
+                                    </p:set>
+                                    <p:animEffect transition="in" filter="fade">
+                                      <p:cBhvr>
+                                        <p:cTn id="13" dur="500"/>
+                                        <p:tgtEl>
+                                          <p:spTgt spid="3">
+                                            <p:txEl>
+                                              <p:pRg st="2" end="2"/>
+                                            </p:txEl>
+                                          </p:spTgt>
+                                        </p:tgtEl>
+                                      </p:cBhvr>
+                                    </p:animEffect>
+                                  </p:childTnLst>
+                                </p:cTn>
+                              </p:par>
+                            </p:childTnLst>
+                          </p:cTn>
+                        </p:par>
+                      </p:childTnLst>
+                    </p:cTn>
+                  </p:par>
+                </p:childTnLst>
+              </p:cTn>
+              <p:prevCondLst>
+                <p:cond evt="onPrev" delay="0">
+                  <p:tgtEl>
+                    <p:sldTgt/>
+                  </p:tgtEl>
+                </p:cond>
+              </p:prevCondLst>
+              <p:nextCondLst>
+                <p:cond evt="onNext" delay="0">
+                  <p:tgtEl>
+                    <p:sldTgt/>
+                  </p:tgtEl>
+                </p:cond>
+              </p:nextCondLst>
+            </p:seq>
+          </p:childTnLst>
+        </p:cTn>
+      </p:par>
+    </p:tnLst>
+  </p:timing>
+</p:sld>
+</file>
+
+<file path=ppt/slides/slide17.xml><?xml version="1.0" encoding="utf-8"?>
+<p:sld xmlns:a="http://schemas.openxmlformats.org/drawingml/2006/main" xmlns:r="http://schemas.openxmlformats.org/officeDocument/2006/relationships" xmlns:p="http://schemas.openxmlformats.org/presentationml/2006/main">
+  <p:cSld>
+    <p:spTree>
+      <p:nvGrpSpPr>
+        <p:cNvPr id="1" name=""/>
+        <p:cNvGrpSpPr/>
+        <p:nvPr/>
+      </p:nvGrpSpPr>
+      <p:grpSpPr>
+        <a:xfrm>
+          <a:off x="0" y="0"/>
+          <a:ext cx="0" cy="0"/>
+          <a:chOff x="0" y="0"/>
+          <a:chExt cx="0" cy="0"/>
+        </a:xfrm>
+      </p:grpSpPr>
+      <p:sp>
+        <p:nvSpPr>
+          <p:cNvPr id="2" name="Title 1">
+            <a:extLst>
+              <a:ext uri="{FF2B5EF4-FFF2-40B4-BE49-F238E27FC236}">
+                <a16:creationId xmlns:a16="http://schemas.microsoft.com/office/drawing/2014/main" id="{4DAE772A-ED8C-4BE6-3FDF-F930B60730CE}"/>
+              </a:ext>
+            </a:extLst>
+          </p:cNvPr>
+          <p:cNvSpPr>
+            <a:spLocks noGrp="1"/>
+          </p:cNvSpPr>
+          <p:nvPr>
+            <p:ph type="title"/>
+          </p:nvPr>
+        </p:nvSpPr>
+        <p:spPr/>
+        <p:txBody>
+          <a:bodyPr/>
+          <a:lstStyle/>
+          <a:p>
+            <a:r>
+              <a:rPr lang="en-US" sz="4400" dirty="0"/>
+              <a:t>Re-cap: Standard Scores</a:t>
+            </a:r>
+            <a:endParaRPr lang="en-GB" dirty="0"/>
+          </a:p>
+        </p:txBody>
+      </p:sp>
+      <p:sp>
+        <p:nvSpPr>
+          <p:cNvPr id="3" name="Text Placeholder 2">
+            <a:extLst>
+              <a:ext uri="{FF2B5EF4-FFF2-40B4-BE49-F238E27FC236}">
+                <a16:creationId xmlns:a16="http://schemas.microsoft.com/office/drawing/2014/main" id="{7F531A73-07B7-7C05-E407-86B51341C095}"/>
+              </a:ext>
+            </a:extLst>
+          </p:cNvPr>
+          <p:cNvSpPr>
+            <a:spLocks noGrp="1"/>
+          </p:cNvSpPr>
+          <p:nvPr>
+            <p:ph type="body" idx="1"/>
+          </p:nvPr>
+        </p:nvSpPr>
+        <p:spPr/>
+        <p:txBody>
+          <a:bodyPr/>
+          <a:lstStyle/>
+          <a:p>
+            <a:r>
+              <a:rPr lang="en-US" dirty="0"/>
+              <a:t>Lower SD</a:t>
+            </a:r>
+            <a:endParaRPr lang="en-GB" dirty="0"/>
+          </a:p>
+        </p:txBody>
+      </p:sp>
+      <p:sp>
+        <p:nvSpPr>
+          <p:cNvPr id="4" name="Content Placeholder 3">
+            <a:extLst>
+              <a:ext uri="{FF2B5EF4-FFF2-40B4-BE49-F238E27FC236}">
+                <a16:creationId xmlns:a16="http://schemas.microsoft.com/office/drawing/2014/main" id="{3D952B44-C427-364B-6F92-CD0E8F65520E}"/>
+              </a:ext>
+            </a:extLst>
+          </p:cNvPr>
+          <p:cNvSpPr>
+            <a:spLocks noGrp="1"/>
+          </p:cNvSpPr>
+          <p:nvPr>
+            <p:ph sz="half" idx="2"/>
+          </p:nvPr>
+        </p:nvSpPr>
+        <p:spPr/>
+        <p:txBody>
+          <a:bodyPr/>
+          <a:lstStyle/>
+          <a:p>
+            <a:r>
+              <a:rPr lang="en-US" dirty="0"/>
+              <a:t>Raw Score = 3</a:t>
+            </a:r>
+          </a:p>
+          <a:p>
+            <a:r>
+              <a:rPr lang="en-US" dirty="0"/>
+              <a:t>Norm Group = 3.5</a:t>
+            </a:r>
+          </a:p>
+          <a:p>
+            <a:r>
+              <a:rPr lang="en-US" dirty="0"/>
+              <a:t>Norm SD = 0.2</a:t>
+            </a:r>
+          </a:p>
+          <a:p>
+            <a:endParaRPr lang="en-US" dirty="0"/>
+          </a:p>
+          <a:p>
+            <a:r>
+              <a:rPr lang="en-US" dirty="0"/>
+              <a:t>Most people score between 3.3 and 3.7 so this score is quite rare</a:t>
+            </a:r>
+            <a:endParaRPr lang="en-GB" dirty="0"/>
+          </a:p>
+        </p:txBody>
+      </p:sp>
+      <p:sp>
+        <p:nvSpPr>
+          <p:cNvPr id="5" name="Text Placeholder 4">
+            <a:extLst>
+              <a:ext uri="{FF2B5EF4-FFF2-40B4-BE49-F238E27FC236}">
+                <a16:creationId xmlns:a16="http://schemas.microsoft.com/office/drawing/2014/main" id="{850619A5-BDF5-00B2-5EB9-5E4010588C96}"/>
+              </a:ext>
+            </a:extLst>
+          </p:cNvPr>
+          <p:cNvSpPr>
+            <a:spLocks noGrp="1"/>
+          </p:cNvSpPr>
+          <p:nvPr>
+            <p:ph type="body" sz="quarter" idx="3"/>
+          </p:nvPr>
+        </p:nvSpPr>
+        <p:spPr/>
+        <p:txBody>
+          <a:bodyPr/>
+          <a:lstStyle/>
+          <a:p>
+            <a:r>
+              <a:rPr lang="en-US" dirty="0"/>
+              <a:t>Higher SD</a:t>
+            </a:r>
+            <a:endParaRPr lang="en-GB" dirty="0"/>
+          </a:p>
+        </p:txBody>
+      </p:sp>
+      <p:sp>
+        <p:nvSpPr>
+          <p:cNvPr id="6" name="Content Placeholder 5">
+            <a:extLst>
+              <a:ext uri="{FF2B5EF4-FFF2-40B4-BE49-F238E27FC236}">
+                <a16:creationId xmlns:a16="http://schemas.microsoft.com/office/drawing/2014/main" id="{11773CA0-85C0-151E-5FD4-4B53615E6526}"/>
+              </a:ext>
+            </a:extLst>
+          </p:cNvPr>
+          <p:cNvSpPr>
+            <a:spLocks noGrp="1"/>
+          </p:cNvSpPr>
+          <p:nvPr>
+            <p:ph sz="quarter" idx="4"/>
+          </p:nvPr>
+        </p:nvSpPr>
+        <p:spPr/>
+        <p:txBody>
+          <a:bodyPr/>
+          <a:lstStyle/>
+          <a:p>
+            <a:r>
+              <a:rPr lang="en-US" dirty="0"/>
+              <a:t>Raw Score = 3</a:t>
+            </a:r>
+          </a:p>
+          <a:p>
+            <a:r>
+              <a:rPr lang="en-US" dirty="0"/>
+              <a:t>Norm Group = 3.5</a:t>
+            </a:r>
+          </a:p>
+          <a:p>
+            <a:r>
+              <a:rPr lang="en-US" dirty="0"/>
+              <a:t>Norm SD = 1.0</a:t>
+            </a:r>
+          </a:p>
+          <a:p>
+            <a:endParaRPr lang="en-US" dirty="0"/>
+          </a:p>
+          <a:p>
+            <a:r>
+              <a:rPr lang="en-US" dirty="0"/>
+              <a:t>Most people Score between 2.5-4.5 so 3 isn’t that rare a score</a:t>
+            </a:r>
+            <a:endParaRPr lang="en-GB" dirty="0"/>
+          </a:p>
+        </p:txBody>
+      </p:sp>
+    </p:spTree>
+    <p:extLst>
+      <p:ext uri="{BB962C8B-B14F-4D97-AF65-F5344CB8AC3E}">
+        <p14:creationId xmlns:p14="http://schemas.microsoft.com/office/powerpoint/2010/main" val="3558408313"/>
+      </p:ext>
+    </p:extLst>
+  </p:cSld>
+  <p:clrMapOvr>
+    <a:masterClrMapping/>
+  </p:clrMapOvr>
+</p:sld>
+</file>
+
+<file path=ppt/slides/slide18.xml><?xml version="1.0" encoding="utf-8"?>
+<p:sld xmlns:a="http://schemas.openxmlformats.org/drawingml/2006/main" xmlns:r="http://schemas.openxmlformats.org/officeDocument/2006/relationships" xmlns:p="http://schemas.openxmlformats.org/presentationml/2006/main">
+  <p:cSld>
+    <p:spTree>
+      <p:nvGrpSpPr>
+        <p:cNvPr id="1" name=""/>
+        <p:cNvGrpSpPr/>
+        <p:nvPr/>
+      </p:nvGrpSpPr>
+      <p:grpSpPr>
+        <a:xfrm>
+          <a:off x="0" y="0"/>
+          <a:ext cx="0" cy="0"/>
+          <a:chOff x="0" y="0"/>
+          <a:chExt cx="0" cy="0"/>
+        </a:xfrm>
+      </p:grpSpPr>
+      <p:sp>
+        <p:nvSpPr>
+          <p:cNvPr id="2" name="Title 1">
+            <a:extLst>
+              <a:ext uri="{FF2B5EF4-FFF2-40B4-BE49-F238E27FC236}">
+                <a16:creationId xmlns:a16="http://schemas.microsoft.com/office/drawing/2014/main" id="{1916AB35-3586-2590-911F-99E1C766CA3B}"/>
+              </a:ext>
+            </a:extLst>
+          </p:cNvPr>
+          <p:cNvSpPr>
+            <a:spLocks noGrp="1"/>
+          </p:cNvSpPr>
+          <p:nvPr>
+            <p:ph type="title"/>
+          </p:nvPr>
+        </p:nvSpPr>
+        <p:spPr/>
+        <p:txBody>
+          <a:bodyPr/>
+          <a:lstStyle/>
+          <a:p>
+            <a:r>
+              <a:rPr lang="en-US" dirty="0"/>
+              <a:t>Z Scores</a:t>
+            </a:r>
+            <a:endParaRPr lang="en-GB" dirty="0"/>
+          </a:p>
+        </p:txBody>
+      </p:sp>
+      <mc:AlternateContent xmlns:mc="http://schemas.openxmlformats.org/markup-compatibility/2006">
+        <mc:Choice xmlns:a14="http://schemas.microsoft.com/office/drawing/2010/main" Requires="a14">
+          <p:sp>
+            <p:nvSpPr>
+              <p:cNvPr id="3" name="Content Placeholder 2">
+                <a:extLst>
+                  <a:ext uri="{FF2B5EF4-FFF2-40B4-BE49-F238E27FC236}">
+                    <a16:creationId xmlns:a16="http://schemas.microsoft.com/office/drawing/2014/main" id="{39D99B5C-FADF-15FF-F171-E917B562A123}"/>
+                  </a:ext>
+                </a:extLst>
+              </p:cNvPr>
+              <p:cNvSpPr>
+                <a:spLocks noGrp="1"/>
+              </p:cNvSpPr>
+              <p:nvPr>
+                <p:ph idx="1"/>
+              </p:nvPr>
+            </p:nvSpPr>
+            <p:spPr/>
+            <p:txBody>
+              <a:bodyPr/>
+              <a:lstStyle/>
+              <a:p>
+                <a:r>
+                  <a:rPr lang="en-US" dirty="0"/>
+                  <a:t>Tell us how far away from the mean a score is</a:t>
+                </a:r>
+              </a:p>
+              <a:p>
+                <a:r>
+                  <a:rPr lang="en-GB" dirty="0"/>
+                  <a:t>Centred at 0</a:t>
+                </a:r>
+              </a:p>
+              <a:p>
+                <a:r>
+                  <a:rPr lang="en-GB" dirty="0"/>
+                  <a:t>Each whole number represents a standard deviation</a:t>
+                </a:r>
+              </a:p>
+              <a:p>
+                <a:r>
+                  <a:rPr lang="en-GB" dirty="0"/>
+                  <a:t>Negative scores below the mean</a:t>
+                </a:r>
+              </a:p>
+              <a:p>
+                <a:r>
+                  <a:rPr lang="en-GB" dirty="0"/>
+                  <a:t>Positive scores above the mean</a:t>
+                </a:r>
+              </a:p>
+              <a:p>
+                <a:endParaRPr lang="en-GB" dirty="0"/>
+              </a:p>
+              <a:p>
+                <a14:m>
+                  <m:oMath xmlns:m="http://schemas.openxmlformats.org/officeDocument/2006/math">
+                    <m:r>
+                      <a:rPr lang="en-US" b="0" i="1" smtClean="0">
+                        <a:latin typeface="Cambria Math" panose="02040503050406030204" pitchFamily="18" charset="0"/>
+                      </a:rPr>
+                      <m:t>𝑍</m:t>
+                    </m:r>
+                    <m:r>
+                      <a:rPr lang="en-US" b="0" i="1" smtClean="0">
+                        <a:latin typeface="Cambria Math" panose="02040503050406030204" pitchFamily="18" charset="0"/>
+                      </a:rPr>
+                      <m:t>=</m:t>
+                    </m:r>
+                    <m:f>
+                      <m:fPr>
+                        <m:ctrlPr>
+                          <a:rPr lang="en-GB" i="1" smtClean="0">
+                            <a:latin typeface="Cambria Math" panose="02040503050406030204" pitchFamily="18" charset="0"/>
+                          </a:rPr>
+                        </m:ctrlPr>
+                      </m:fPr>
+                      <m:num>
+                        <m:r>
+                          <a:rPr lang="en-US" b="0" i="1" smtClean="0">
+                            <a:latin typeface="Cambria Math" panose="02040503050406030204" pitchFamily="18" charset="0"/>
+                          </a:rPr>
+                          <m:t>𝑆𝑐𝑜𝑟𝑒</m:t>
+                        </m:r>
+                        <m:r>
+                          <a:rPr lang="en-US" b="0" i="1" smtClean="0">
+                            <a:latin typeface="Cambria Math" panose="02040503050406030204" pitchFamily="18" charset="0"/>
+                          </a:rPr>
+                          <m:t>=</m:t>
+                        </m:r>
+                        <m:r>
+                          <a:rPr lang="en-US" b="0" i="1" smtClean="0">
+                            <a:latin typeface="Cambria Math" panose="02040503050406030204" pitchFamily="18" charset="0"/>
+                          </a:rPr>
+                          <m:t>𝑀𝑒𝑎𝑛</m:t>
+                        </m:r>
+                      </m:num>
+                      <m:den>
+                        <m:r>
+                          <a:rPr lang="en-US" b="0" i="1" smtClean="0">
+                            <a:latin typeface="Cambria Math" panose="02040503050406030204" pitchFamily="18" charset="0"/>
+                          </a:rPr>
+                          <m:t>𝑆𝐷</m:t>
+                        </m:r>
+                      </m:den>
+                    </m:f>
+                  </m:oMath>
+                </a14:m>
+                <a:endParaRPr lang="en-GB" dirty="0"/>
+              </a:p>
+            </p:txBody>
+          </p:sp>
+        </mc:Choice>
+        <mc:Fallback>
+          <p:sp>
+            <p:nvSpPr>
+              <p:cNvPr id="3" name="Content Placeholder 2">
+                <a:extLst>
+                  <a:ext uri="{FF2B5EF4-FFF2-40B4-BE49-F238E27FC236}">
+                    <a16:creationId xmlns:a16="http://schemas.microsoft.com/office/drawing/2014/main" id="{39D99B5C-FADF-15FF-F171-E917B562A123}"/>
+                  </a:ext>
+                </a:extLst>
+              </p:cNvPr>
+              <p:cNvSpPr>
+                <a:spLocks noGrp="1" noRot="1" noChangeAspect="1" noMove="1" noResize="1" noEditPoints="1" noAdjustHandles="1" noChangeArrowheads="1" noChangeShapeType="1" noTextEdit="1"/>
+              </p:cNvSpPr>
+              <p:nvPr>
+                <p:ph idx="1"/>
+              </p:nvPr>
+            </p:nvSpPr>
+            <p:spPr>
+              <a:blipFill>
+                <a:blip r:embed="rId2"/>
+                <a:stretch>
+                  <a:fillRect l="-1043" t="-2241"/>
+                </a:stretch>
+              </a:blipFill>
+            </p:spPr>
+            <p:txBody>
+              <a:bodyPr/>
+              <a:lstStyle/>
+              <a:p>
+                <a:r>
+                  <a:rPr lang="en-GB">
+                    <a:noFill/>
+                  </a:rPr>
+                  <a:t> </a:t>
+                </a:r>
+              </a:p>
+            </p:txBody>
+          </p:sp>
+        </mc:Fallback>
+      </mc:AlternateContent>
+    </p:spTree>
+    <p:extLst>
+      <p:ext uri="{BB962C8B-B14F-4D97-AF65-F5344CB8AC3E}">
+        <p14:creationId xmlns:p14="http://schemas.microsoft.com/office/powerpoint/2010/main" val="3396777818"/>
+      </p:ext>
+    </p:extLst>
+  </p:cSld>
+  <p:clrMapOvr>
+    <a:masterClrMapping/>
+  </p:clrMapOvr>
+</p:sld>
+</file>
+
+<file path=ppt/slides/slide19.xml><?xml version="1.0" encoding="utf-8"?>
+<p:sld xmlns:a="http://schemas.openxmlformats.org/drawingml/2006/main" xmlns:r="http://schemas.openxmlformats.org/officeDocument/2006/relationships" xmlns:p="http://schemas.openxmlformats.org/presentationml/2006/main">
+  <p:cSld>
+    <p:spTree>
+      <p:nvGrpSpPr>
+        <p:cNvPr id="1" name=""/>
+        <p:cNvGrpSpPr/>
+        <p:nvPr/>
+      </p:nvGrpSpPr>
+      <p:grpSpPr>
+        <a:xfrm>
+          <a:off x="0" y="0"/>
+          <a:ext cx="0" cy="0"/>
+          <a:chOff x="0" y="0"/>
+          <a:chExt cx="0" cy="0"/>
+        </a:xfrm>
+      </p:grpSpPr>
+      <p:sp>
+        <p:nvSpPr>
+          <p:cNvPr id="2" name="Title 1">
+            <a:extLst>
+              <a:ext uri="{FF2B5EF4-FFF2-40B4-BE49-F238E27FC236}">
+                <a16:creationId xmlns:a16="http://schemas.microsoft.com/office/drawing/2014/main" id="{4DAE772A-ED8C-4BE6-3FDF-F930B60730CE}"/>
+              </a:ext>
+            </a:extLst>
+          </p:cNvPr>
+          <p:cNvSpPr>
+            <a:spLocks noGrp="1"/>
+          </p:cNvSpPr>
+          <p:nvPr>
+            <p:ph type="title"/>
+          </p:nvPr>
+        </p:nvSpPr>
+        <p:spPr/>
+        <p:txBody>
+          <a:bodyPr/>
+          <a:lstStyle/>
+          <a:p>
+            <a:r>
+              <a:rPr lang="en-US" sz="4400" dirty="0"/>
+              <a:t>Re-cap: Standard Scores</a:t>
+            </a:r>
+            <a:endParaRPr lang="en-GB" dirty="0"/>
+          </a:p>
+        </p:txBody>
+      </p:sp>
+      <p:sp>
+        <p:nvSpPr>
+          <p:cNvPr id="3" name="Text Placeholder 2">
+            <a:extLst>
+              <a:ext uri="{FF2B5EF4-FFF2-40B4-BE49-F238E27FC236}">
+                <a16:creationId xmlns:a16="http://schemas.microsoft.com/office/drawing/2014/main" id="{7F531A73-07B7-7C05-E407-86B51341C095}"/>
+              </a:ext>
+            </a:extLst>
+          </p:cNvPr>
+          <p:cNvSpPr>
+            <a:spLocks noGrp="1"/>
+          </p:cNvSpPr>
+          <p:nvPr>
+            <p:ph type="body" idx="1"/>
+          </p:nvPr>
+        </p:nvSpPr>
+        <p:spPr/>
+        <p:txBody>
+          <a:bodyPr/>
+          <a:lstStyle/>
+          <a:p>
+            <a:r>
+              <a:rPr lang="en-US" dirty="0"/>
+              <a:t>Lower SD</a:t>
+            </a:r>
+            <a:endParaRPr lang="en-GB" dirty="0"/>
+          </a:p>
+        </p:txBody>
+      </p:sp>
+      <mc:AlternateContent xmlns:mc="http://schemas.openxmlformats.org/markup-compatibility/2006">
+        <mc:Choice xmlns:a14="http://schemas.microsoft.com/office/drawing/2010/main" Requires="a14">
+          <p:sp>
+            <p:nvSpPr>
+              <p:cNvPr id="4" name="Content Placeholder 3">
+                <a:extLst>
+                  <a:ext uri="{FF2B5EF4-FFF2-40B4-BE49-F238E27FC236}">
+                    <a16:creationId xmlns:a16="http://schemas.microsoft.com/office/drawing/2014/main" id="{3D952B44-C427-364B-6F92-CD0E8F65520E}"/>
+                  </a:ext>
+                </a:extLst>
+              </p:cNvPr>
+              <p:cNvSpPr>
+                <a:spLocks noGrp="1"/>
+              </p:cNvSpPr>
+              <p:nvPr>
+                <p:ph sz="half" idx="2"/>
+              </p:nvPr>
+            </p:nvSpPr>
+            <p:spPr>
+              <a:xfrm>
+                <a:off x="839788" y="2505075"/>
+                <a:ext cx="5157787" cy="3987800"/>
+              </a:xfrm>
+            </p:spPr>
+            <p:txBody>
+              <a:bodyPr>
+                <a:normAutofit/>
+              </a:bodyPr>
+              <a:lstStyle/>
+              <a:p>
+                <a:r>
+                  <a:rPr lang="en-US" dirty="0"/>
+                  <a:t>Raw Score = 3</a:t>
+                </a:r>
+              </a:p>
+              <a:p>
+                <a:r>
+                  <a:rPr lang="en-US" dirty="0"/>
+                  <a:t>Norm Group = 3.5</a:t>
+                </a:r>
+              </a:p>
+              <a:p>
+                <a:r>
+                  <a:rPr lang="en-US" dirty="0"/>
+                  <a:t>Norm SD = 0.2</a:t>
+                </a:r>
+              </a:p>
+              <a:p>
+                <a:endParaRPr lang="en-US" dirty="0"/>
+              </a:p>
+              <a:p>
+                <a:r>
+                  <a:rPr lang="en-US" dirty="0"/>
+                  <a:t>Most people score between 3.3 and 3.7 so this score is quite rare</a:t>
+                </a:r>
+              </a:p>
+              <a:p>
+                <a14:m>
+                  <m:oMath xmlns:m="http://schemas.openxmlformats.org/officeDocument/2006/math">
+                    <m:f>
+                      <m:fPr>
+                        <m:ctrlPr>
+                          <a:rPr lang="en-US" i="1" smtClean="0">
+                            <a:latin typeface="Cambria Math" panose="02040503050406030204" pitchFamily="18" charset="0"/>
+                          </a:rPr>
+                        </m:ctrlPr>
+                      </m:fPr>
+                      <m:num>
+                        <m:r>
+                          <a:rPr lang="en-US" b="0" i="1" smtClean="0">
+                            <a:latin typeface="Cambria Math" panose="02040503050406030204" pitchFamily="18" charset="0"/>
+                          </a:rPr>
+                          <m:t>3−3.5</m:t>
+                        </m:r>
+                      </m:num>
+                      <m:den>
+                        <m:r>
+                          <a:rPr lang="en-US" b="0" i="1" smtClean="0">
+                            <a:latin typeface="Cambria Math" panose="02040503050406030204" pitchFamily="18" charset="0"/>
+                          </a:rPr>
+                          <m:t>0.2</m:t>
+                        </m:r>
+                      </m:den>
+                    </m:f>
+                    <m:r>
+                      <a:rPr lang="en-US" b="0" i="1" smtClean="0">
+                        <a:latin typeface="Cambria Math" panose="02040503050406030204" pitchFamily="18" charset="0"/>
+                      </a:rPr>
+                      <m:t>=−2.5</m:t>
+                    </m:r>
+                  </m:oMath>
+                </a14:m>
+                <a:endParaRPr lang="en-US" dirty="0"/>
+              </a:p>
+              <a:p>
+                <a:endParaRPr lang="en-US" dirty="0"/>
+              </a:p>
+              <a:p>
+                <a:pPr marL="0" indent="0">
+                  <a:buNone/>
+                </a:pPr>
+                <a:endParaRPr lang="en-GB" dirty="0"/>
+              </a:p>
+            </p:txBody>
+          </p:sp>
+        </mc:Choice>
+        <mc:Fallback>
+          <p:sp>
+            <p:nvSpPr>
+              <p:cNvPr id="4" name="Content Placeholder 3">
+                <a:extLst>
+                  <a:ext uri="{FF2B5EF4-FFF2-40B4-BE49-F238E27FC236}">
+                    <a16:creationId xmlns:a16="http://schemas.microsoft.com/office/drawing/2014/main" id="{3D952B44-C427-364B-6F92-CD0E8F65520E}"/>
+                  </a:ext>
+                </a:extLst>
+              </p:cNvPr>
+              <p:cNvSpPr>
+                <a:spLocks noGrp="1" noRot="1" noChangeAspect="1" noMove="1" noResize="1" noEditPoints="1" noAdjustHandles="1" noChangeArrowheads="1" noChangeShapeType="1" noTextEdit="1"/>
+              </p:cNvSpPr>
+              <p:nvPr>
+                <p:ph sz="half" idx="2"/>
+              </p:nvPr>
+            </p:nvSpPr>
+            <p:spPr>
+              <a:xfrm>
+                <a:off x="839788" y="2505075"/>
+                <a:ext cx="5157787" cy="3987800"/>
+              </a:xfrm>
+              <a:blipFill>
+                <a:blip r:embed="rId2"/>
+                <a:stretch>
+                  <a:fillRect l="-2128" t="-2599" r="-2246"/>
+                </a:stretch>
+              </a:blipFill>
+            </p:spPr>
+            <p:txBody>
+              <a:bodyPr/>
+              <a:lstStyle/>
+              <a:p>
+                <a:r>
+                  <a:rPr lang="en-GB">
+                    <a:noFill/>
+                  </a:rPr>
+                  <a:t> </a:t>
+                </a:r>
+              </a:p>
+            </p:txBody>
+          </p:sp>
+        </mc:Fallback>
+      </mc:AlternateContent>
+      <p:sp>
+        <p:nvSpPr>
+          <p:cNvPr id="5" name="Text Placeholder 4">
+            <a:extLst>
+              <a:ext uri="{FF2B5EF4-FFF2-40B4-BE49-F238E27FC236}">
+                <a16:creationId xmlns:a16="http://schemas.microsoft.com/office/drawing/2014/main" id="{850619A5-BDF5-00B2-5EB9-5E4010588C96}"/>
+              </a:ext>
+            </a:extLst>
+          </p:cNvPr>
+          <p:cNvSpPr>
+            <a:spLocks noGrp="1"/>
+          </p:cNvSpPr>
+          <p:nvPr>
+            <p:ph type="body" sz="quarter" idx="3"/>
+          </p:nvPr>
+        </p:nvSpPr>
+        <p:spPr/>
+        <p:txBody>
+          <a:bodyPr/>
+          <a:lstStyle/>
+          <a:p>
+            <a:r>
+              <a:rPr lang="en-US" dirty="0"/>
+              <a:t>Higher SD</a:t>
+            </a:r>
+            <a:endParaRPr lang="en-GB" dirty="0"/>
+          </a:p>
+        </p:txBody>
+      </p:sp>
+      <mc:AlternateContent xmlns:mc="http://schemas.openxmlformats.org/markup-compatibility/2006">
+        <mc:Choice xmlns:a14="http://schemas.microsoft.com/office/drawing/2010/main" Requires="a14">
+          <p:sp>
+            <p:nvSpPr>
+              <p:cNvPr id="6" name="Content Placeholder 5">
+                <a:extLst>
+                  <a:ext uri="{FF2B5EF4-FFF2-40B4-BE49-F238E27FC236}">
+                    <a16:creationId xmlns:a16="http://schemas.microsoft.com/office/drawing/2014/main" id="{11773CA0-85C0-151E-5FD4-4B53615E6526}"/>
+                  </a:ext>
+                </a:extLst>
+              </p:cNvPr>
+              <p:cNvSpPr>
+                <a:spLocks noGrp="1"/>
+              </p:cNvSpPr>
+              <p:nvPr>
+                <p:ph sz="quarter" idx="4"/>
+              </p:nvPr>
+            </p:nvSpPr>
+            <p:spPr/>
+            <p:txBody>
+              <a:bodyPr>
+                <a:normAutofit/>
+              </a:bodyPr>
+              <a:lstStyle/>
+              <a:p>
+                <a:r>
+                  <a:rPr lang="en-US" dirty="0"/>
+                  <a:t>Raw Score = 3</a:t>
+                </a:r>
+              </a:p>
+              <a:p>
+                <a:r>
+                  <a:rPr lang="en-US" dirty="0"/>
+                  <a:t>Norm Group = 3.5</a:t>
+                </a:r>
+              </a:p>
+              <a:p>
+                <a:r>
+                  <a:rPr lang="en-US" dirty="0"/>
+                  <a:t>Norm SD = 1.0</a:t>
+                </a:r>
+              </a:p>
+              <a:p>
+                <a:endParaRPr lang="en-US" dirty="0"/>
+              </a:p>
+              <a:p>
+                <a:r>
+                  <a:rPr lang="en-US" dirty="0"/>
+                  <a:t>Most people Score between 2.5-4.5 so 3 isn’t that rare a score</a:t>
+                </a:r>
+              </a:p>
+              <a:p>
+                <a14:m>
+                  <m:oMath xmlns:m="http://schemas.openxmlformats.org/officeDocument/2006/math">
+                    <m:f>
+                      <m:fPr>
+                        <m:ctrlPr>
+                          <a:rPr lang="en-US" i="1" smtClean="0">
+                            <a:latin typeface="Cambria Math" panose="02040503050406030204" pitchFamily="18" charset="0"/>
+                          </a:rPr>
+                        </m:ctrlPr>
+                      </m:fPr>
+                      <m:num>
+                        <m:r>
+                          <a:rPr lang="en-US" b="0" i="1" smtClean="0">
+                            <a:latin typeface="Cambria Math" panose="02040503050406030204" pitchFamily="18" charset="0"/>
+                          </a:rPr>
+                          <m:t>3−3.5</m:t>
+                        </m:r>
+                      </m:num>
+                      <m:den>
+                        <m:r>
+                          <a:rPr lang="en-US" b="0" i="1" smtClean="0">
+                            <a:latin typeface="Cambria Math" panose="02040503050406030204" pitchFamily="18" charset="0"/>
+                          </a:rPr>
+                          <m:t>1.0</m:t>
+                        </m:r>
+                      </m:den>
+                    </m:f>
+                    <m:r>
+                      <a:rPr lang="en-US" b="0" i="1" smtClean="0">
+                        <a:latin typeface="Cambria Math" panose="02040503050406030204" pitchFamily="18" charset="0"/>
+                      </a:rPr>
+                      <m:t>=−</m:t>
+                    </m:r>
+                    <m:r>
+                      <a:rPr lang="en-US" b="0" i="1" smtClean="0">
+                        <a:latin typeface="Cambria Math" panose="02040503050406030204" pitchFamily="18" charset="0"/>
+                      </a:rPr>
+                      <m:t>0</m:t>
+                    </m:r>
+                    <m:r>
+                      <a:rPr lang="en-US" b="0" i="1" smtClean="0">
+                        <a:latin typeface="Cambria Math" panose="02040503050406030204" pitchFamily="18" charset="0"/>
+                      </a:rPr>
+                      <m:t>.5</m:t>
+                    </m:r>
+                  </m:oMath>
+                </a14:m>
+                <a:endParaRPr lang="en-US" dirty="0"/>
+              </a:p>
+              <a:p>
+                <a:endParaRPr lang="en-GB" dirty="0"/>
+              </a:p>
+            </p:txBody>
+          </p:sp>
+        </mc:Choice>
+        <mc:Fallback>
+          <p:sp>
+            <p:nvSpPr>
+              <p:cNvPr id="6" name="Content Placeholder 5">
+                <a:extLst>
+                  <a:ext uri="{FF2B5EF4-FFF2-40B4-BE49-F238E27FC236}">
+                    <a16:creationId xmlns:a16="http://schemas.microsoft.com/office/drawing/2014/main" id="{11773CA0-85C0-151E-5FD4-4B53615E6526}"/>
+                  </a:ext>
+                </a:extLst>
+              </p:cNvPr>
+              <p:cNvSpPr>
+                <a:spLocks noGrp="1" noRot="1" noChangeAspect="1" noMove="1" noResize="1" noEditPoints="1" noAdjustHandles="1" noChangeArrowheads="1" noChangeShapeType="1" noTextEdit="1"/>
+              </p:cNvSpPr>
+              <p:nvPr>
+                <p:ph sz="quarter" idx="4"/>
+              </p:nvPr>
+            </p:nvSpPr>
+            <p:spPr>
+              <a:blipFill>
+                <a:blip r:embed="rId3"/>
+                <a:stretch>
+                  <a:fillRect l="-2118" t="-2815" r="-824"/>
+                </a:stretch>
+              </a:blipFill>
+            </p:spPr>
+            <p:txBody>
+              <a:bodyPr/>
+              <a:lstStyle/>
+              <a:p>
+                <a:r>
+                  <a:rPr lang="en-GB">
+                    <a:noFill/>
+                  </a:rPr>
+                  <a:t> </a:t>
+                </a:r>
+              </a:p>
+            </p:txBody>
+          </p:sp>
+        </mc:Fallback>
+      </mc:AlternateContent>
+    </p:spTree>
+    <p:extLst>
+      <p:ext uri="{BB962C8B-B14F-4D97-AF65-F5344CB8AC3E}">
+        <p14:creationId xmlns:p14="http://schemas.microsoft.com/office/powerpoint/2010/main" val="2879681350"/>
+      </p:ext>
+    </p:extLst>
+  </p:cSld>
+  <p:clrMapOvr>
+    <a:masterClrMapping/>
+  </p:clrMapOvr>
+</p:sld>
+</file>
+
 <file path=ppt/slides/slide2.xml><?xml version="1.0" encoding="utf-8"?>
 <p:sld xmlns:a="http://schemas.openxmlformats.org/drawingml/2006/main" xmlns:r="http://schemas.openxmlformats.org/officeDocument/2006/relationships" xmlns:p="http://schemas.openxmlformats.org/presentationml/2006/main">
   <p:cSld>
@@ -7566,7 +12476,526 @@
 </p:sld>
 </file>
 
-<file path=ppt/slides/slide3.xml><?xml version="1.0" encoding="utf-8"?>
+<file path=ppt/slides/slide20.xml><?xml version="1.0" encoding="utf-8"?>
+<p:sld xmlns:a="http://schemas.openxmlformats.org/drawingml/2006/main" xmlns:r="http://schemas.openxmlformats.org/officeDocument/2006/relationships" xmlns:p="http://schemas.openxmlformats.org/presentationml/2006/main">
+  <p:cSld>
+    <p:spTree>
+      <p:nvGrpSpPr>
+        <p:cNvPr id="1" name=""/>
+        <p:cNvGrpSpPr/>
+        <p:nvPr/>
+      </p:nvGrpSpPr>
+      <p:grpSpPr>
+        <a:xfrm>
+          <a:off x="0" y="0"/>
+          <a:ext cx="0" cy="0"/>
+          <a:chOff x="0" y="0"/>
+          <a:chExt cx="0" cy="0"/>
+        </a:xfrm>
+      </p:grpSpPr>
+      <p:sp>
+        <p:nvSpPr>
+          <p:cNvPr id="2" name="Title 1">
+            <a:extLst>
+              <a:ext uri="{FF2B5EF4-FFF2-40B4-BE49-F238E27FC236}">
+                <a16:creationId xmlns:a16="http://schemas.microsoft.com/office/drawing/2014/main" id="{1916AB35-3586-2590-911F-99E1C766CA3B}"/>
+              </a:ext>
+            </a:extLst>
+          </p:cNvPr>
+          <p:cNvSpPr>
+            <a:spLocks noGrp="1"/>
+          </p:cNvSpPr>
+          <p:nvPr>
+            <p:ph type="title"/>
+          </p:nvPr>
+        </p:nvSpPr>
+        <p:spPr/>
+        <p:txBody>
+          <a:bodyPr/>
+          <a:lstStyle/>
+          <a:p>
+            <a:r>
+              <a:rPr lang="en-US" dirty="0"/>
+              <a:t>T Scores</a:t>
+            </a:r>
+            <a:endParaRPr lang="en-GB" dirty="0"/>
+          </a:p>
+        </p:txBody>
+      </p:sp>
+      <p:sp>
+        <p:nvSpPr>
+          <p:cNvPr id="3" name="Content Placeholder 2">
+            <a:extLst>
+              <a:ext uri="{FF2B5EF4-FFF2-40B4-BE49-F238E27FC236}">
+                <a16:creationId xmlns:a16="http://schemas.microsoft.com/office/drawing/2014/main" id="{39D99B5C-FADF-15FF-F171-E917B562A123}"/>
+              </a:ext>
+            </a:extLst>
+          </p:cNvPr>
+          <p:cNvSpPr>
+            <a:spLocks noGrp="1"/>
+          </p:cNvSpPr>
+          <p:nvPr>
+            <p:ph idx="1"/>
+          </p:nvPr>
+        </p:nvSpPr>
+        <p:spPr/>
+        <p:txBody>
+          <a:bodyPr/>
+          <a:lstStyle/>
+          <a:p>
+            <a:r>
+              <a:rPr lang="en-US" dirty="0"/>
+              <a:t>Tell us how far away from the mean a score is</a:t>
+            </a:r>
+          </a:p>
+          <a:p>
+            <a:r>
+              <a:rPr lang="en-GB" dirty="0"/>
+              <a:t>Centred at 50</a:t>
+            </a:r>
+          </a:p>
+          <a:p>
+            <a:r>
+              <a:rPr lang="en-GB" dirty="0"/>
+              <a:t>Standard Deviation of 10</a:t>
+            </a:r>
+          </a:p>
+          <a:p>
+            <a:r>
+              <a:rPr lang="en-GB" dirty="0"/>
+              <a:t>Scores below 50 below the mean</a:t>
+            </a:r>
+          </a:p>
+          <a:p>
+            <a:r>
+              <a:rPr lang="en-GB" dirty="0"/>
+              <a:t>Scores above 50 above the mean</a:t>
+            </a:r>
+          </a:p>
+          <a:p>
+            <a:r>
+              <a:rPr lang="en-GB" dirty="0"/>
+              <a:t>No negative scores so easier to communicate</a:t>
+            </a:r>
+          </a:p>
+          <a:p>
+            <a:r>
+              <a:rPr lang="en-GB" dirty="0"/>
+              <a:t>T = (Z * 10) + 50</a:t>
+            </a:r>
+          </a:p>
+        </p:txBody>
+      </p:sp>
+    </p:spTree>
+    <p:extLst>
+      <p:ext uri="{BB962C8B-B14F-4D97-AF65-F5344CB8AC3E}">
+        <p14:creationId xmlns:p14="http://schemas.microsoft.com/office/powerpoint/2010/main" val="2698668289"/>
+      </p:ext>
+    </p:extLst>
+  </p:cSld>
+  <p:clrMapOvr>
+    <a:masterClrMapping/>
+  </p:clrMapOvr>
+</p:sld>
+</file>
+
+<file path=ppt/slides/slide21.xml><?xml version="1.0" encoding="utf-8"?>
+<p:sld xmlns:a="http://schemas.openxmlformats.org/drawingml/2006/main" xmlns:r="http://schemas.openxmlformats.org/officeDocument/2006/relationships" xmlns:p="http://schemas.openxmlformats.org/presentationml/2006/main">
+  <p:cSld>
+    <p:spTree>
+      <p:nvGrpSpPr>
+        <p:cNvPr id="1" name=""/>
+        <p:cNvGrpSpPr/>
+        <p:nvPr/>
+      </p:nvGrpSpPr>
+      <p:grpSpPr>
+        <a:xfrm>
+          <a:off x="0" y="0"/>
+          <a:ext cx="0" cy="0"/>
+          <a:chOff x="0" y="0"/>
+          <a:chExt cx="0" cy="0"/>
+        </a:xfrm>
+      </p:grpSpPr>
+      <p:sp>
+        <p:nvSpPr>
+          <p:cNvPr id="2" name="Title 1">
+            <a:extLst>
+              <a:ext uri="{FF2B5EF4-FFF2-40B4-BE49-F238E27FC236}">
+                <a16:creationId xmlns:a16="http://schemas.microsoft.com/office/drawing/2014/main" id="{4DAE772A-ED8C-4BE6-3FDF-F930B60730CE}"/>
+              </a:ext>
+            </a:extLst>
+          </p:cNvPr>
+          <p:cNvSpPr>
+            <a:spLocks noGrp="1"/>
+          </p:cNvSpPr>
+          <p:nvPr>
+            <p:ph type="title"/>
+          </p:nvPr>
+        </p:nvSpPr>
+        <p:spPr/>
+        <p:txBody>
+          <a:bodyPr/>
+          <a:lstStyle/>
+          <a:p>
+            <a:r>
+              <a:rPr lang="en-US" sz="4400" dirty="0"/>
+              <a:t>Re-cap: Standard Scores</a:t>
+            </a:r>
+            <a:endParaRPr lang="en-GB" dirty="0"/>
+          </a:p>
+        </p:txBody>
+      </p:sp>
+      <p:sp>
+        <p:nvSpPr>
+          <p:cNvPr id="3" name="Text Placeholder 2">
+            <a:extLst>
+              <a:ext uri="{FF2B5EF4-FFF2-40B4-BE49-F238E27FC236}">
+                <a16:creationId xmlns:a16="http://schemas.microsoft.com/office/drawing/2014/main" id="{7F531A73-07B7-7C05-E407-86B51341C095}"/>
+              </a:ext>
+            </a:extLst>
+          </p:cNvPr>
+          <p:cNvSpPr>
+            <a:spLocks noGrp="1"/>
+          </p:cNvSpPr>
+          <p:nvPr>
+            <p:ph type="body" idx="1"/>
+          </p:nvPr>
+        </p:nvSpPr>
+        <p:spPr/>
+        <p:txBody>
+          <a:bodyPr/>
+          <a:lstStyle/>
+          <a:p>
+            <a:r>
+              <a:rPr lang="en-US" dirty="0"/>
+              <a:t>Lower SD</a:t>
+            </a:r>
+            <a:endParaRPr lang="en-GB" dirty="0"/>
+          </a:p>
+        </p:txBody>
+      </p:sp>
+      <mc:AlternateContent xmlns:mc="http://schemas.openxmlformats.org/markup-compatibility/2006">
+        <mc:Choice xmlns:a14="http://schemas.microsoft.com/office/drawing/2010/main" Requires="a14">
+          <p:sp>
+            <p:nvSpPr>
+              <p:cNvPr id="4" name="Content Placeholder 3">
+                <a:extLst>
+                  <a:ext uri="{FF2B5EF4-FFF2-40B4-BE49-F238E27FC236}">
+                    <a16:creationId xmlns:a16="http://schemas.microsoft.com/office/drawing/2014/main" id="{3D952B44-C427-364B-6F92-CD0E8F65520E}"/>
+                  </a:ext>
+                </a:extLst>
+              </p:cNvPr>
+              <p:cNvSpPr>
+                <a:spLocks noGrp="1"/>
+              </p:cNvSpPr>
+              <p:nvPr>
+                <p:ph sz="half" idx="2"/>
+              </p:nvPr>
+            </p:nvSpPr>
+            <p:spPr>
+              <a:xfrm>
+                <a:off x="839788" y="2505075"/>
+                <a:ext cx="5157787" cy="3987800"/>
+              </a:xfrm>
+            </p:spPr>
+            <p:txBody>
+              <a:bodyPr>
+                <a:normAutofit/>
+              </a:bodyPr>
+              <a:lstStyle/>
+              <a:p>
+                <a:r>
+                  <a:rPr lang="en-US" dirty="0"/>
+                  <a:t>Raw Score = 3</a:t>
+                </a:r>
+              </a:p>
+              <a:p>
+                <a:r>
+                  <a:rPr lang="en-US" dirty="0"/>
+                  <a:t>Norm Group = 3.5</a:t>
+                </a:r>
+              </a:p>
+              <a:p>
+                <a:r>
+                  <a:rPr lang="en-US" dirty="0"/>
+                  <a:t>Norm SD = 0.2</a:t>
+                </a:r>
+              </a:p>
+              <a:p>
+                <a14:m>
+                  <m:oMath xmlns:m="http://schemas.openxmlformats.org/officeDocument/2006/math">
+                    <m:f>
+                      <m:fPr>
+                        <m:ctrlPr>
+                          <a:rPr lang="en-US" i="1" smtClean="0">
+                            <a:latin typeface="Cambria Math" panose="02040503050406030204" pitchFamily="18" charset="0"/>
+                          </a:rPr>
+                        </m:ctrlPr>
+                      </m:fPr>
+                      <m:num>
+                        <m:r>
+                          <a:rPr lang="en-US" b="0" i="1" smtClean="0">
+                            <a:latin typeface="Cambria Math" panose="02040503050406030204" pitchFamily="18" charset="0"/>
+                          </a:rPr>
+                          <m:t>3−3.5</m:t>
+                        </m:r>
+                      </m:num>
+                      <m:den>
+                        <m:r>
+                          <a:rPr lang="en-US" b="0" i="1" smtClean="0">
+                            <a:latin typeface="Cambria Math" panose="02040503050406030204" pitchFamily="18" charset="0"/>
+                          </a:rPr>
+                          <m:t>0.2</m:t>
+                        </m:r>
+                      </m:den>
+                    </m:f>
+                    <m:r>
+                      <a:rPr lang="en-US" b="0" i="1" smtClean="0">
+                        <a:latin typeface="Cambria Math" panose="02040503050406030204" pitchFamily="18" charset="0"/>
+                      </a:rPr>
+                      <m:t>=−2.5</m:t>
+                    </m:r>
+                  </m:oMath>
+                </a14:m>
+                <a:endParaRPr lang="en-US" dirty="0"/>
+              </a:p>
+              <a:p>
+                <a:r>
+                  <a:rPr lang="en-US" dirty="0"/>
+                  <a:t>T = (-2.5*10) + 50 = 25</a:t>
+                </a:r>
+              </a:p>
+              <a:p>
+                <a:endParaRPr lang="en-US" dirty="0"/>
+              </a:p>
+              <a:p>
+                <a:pPr marL="0" indent="0">
+                  <a:buNone/>
+                </a:pPr>
+                <a:endParaRPr lang="en-GB" dirty="0"/>
+              </a:p>
+            </p:txBody>
+          </p:sp>
+        </mc:Choice>
+        <mc:Fallback>
+          <p:sp>
+            <p:nvSpPr>
+              <p:cNvPr id="4" name="Content Placeholder 3">
+                <a:extLst>
+                  <a:ext uri="{FF2B5EF4-FFF2-40B4-BE49-F238E27FC236}">
+                    <a16:creationId xmlns:a16="http://schemas.microsoft.com/office/drawing/2014/main" id="{3D952B44-C427-364B-6F92-CD0E8F65520E}"/>
+                  </a:ext>
+                </a:extLst>
+              </p:cNvPr>
+              <p:cNvSpPr>
+                <a:spLocks noGrp="1" noRot="1" noChangeAspect="1" noMove="1" noResize="1" noEditPoints="1" noAdjustHandles="1" noChangeArrowheads="1" noChangeShapeType="1" noTextEdit="1"/>
+              </p:cNvSpPr>
+              <p:nvPr>
+                <p:ph sz="half" idx="2"/>
+              </p:nvPr>
+            </p:nvSpPr>
+            <p:spPr>
+              <a:xfrm>
+                <a:off x="839788" y="2505075"/>
+                <a:ext cx="5157787" cy="3987800"/>
+              </a:xfrm>
+              <a:blipFill>
+                <a:blip r:embed="rId2"/>
+                <a:stretch>
+                  <a:fillRect l="-2128" t="-2599"/>
+                </a:stretch>
+              </a:blipFill>
+            </p:spPr>
+            <p:txBody>
+              <a:bodyPr/>
+              <a:lstStyle/>
+              <a:p>
+                <a:r>
+                  <a:rPr lang="en-GB">
+                    <a:noFill/>
+                  </a:rPr>
+                  <a:t> </a:t>
+                </a:r>
+              </a:p>
+            </p:txBody>
+          </p:sp>
+        </mc:Fallback>
+      </mc:AlternateContent>
+      <p:sp>
+        <p:nvSpPr>
+          <p:cNvPr id="5" name="Text Placeholder 4">
+            <a:extLst>
+              <a:ext uri="{FF2B5EF4-FFF2-40B4-BE49-F238E27FC236}">
+                <a16:creationId xmlns:a16="http://schemas.microsoft.com/office/drawing/2014/main" id="{850619A5-BDF5-00B2-5EB9-5E4010588C96}"/>
+              </a:ext>
+            </a:extLst>
+          </p:cNvPr>
+          <p:cNvSpPr>
+            <a:spLocks noGrp="1"/>
+          </p:cNvSpPr>
+          <p:nvPr>
+            <p:ph type="body" sz="quarter" idx="3"/>
+          </p:nvPr>
+        </p:nvSpPr>
+        <p:spPr/>
+        <p:txBody>
+          <a:bodyPr/>
+          <a:lstStyle/>
+          <a:p>
+            <a:r>
+              <a:rPr lang="en-US" dirty="0"/>
+              <a:t>Higher SD</a:t>
+            </a:r>
+            <a:endParaRPr lang="en-GB" dirty="0"/>
+          </a:p>
+        </p:txBody>
+      </p:sp>
+      <mc:AlternateContent xmlns:mc="http://schemas.openxmlformats.org/markup-compatibility/2006">
+        <mc:Choice xmlns:a14="http://schemas.microsoft.com/office/drawing/2010/main" Requires="a14">
+          <p:sp>
+            <p:nvSpPr>
+              <p:cNvPr id="6" name="Content Placeholder 5">
+                <a:extLst>
+                  <a:ext uri="{FF2B5EF4-FFF2-40B4-BE49-F238E27FC236}">
+                    <a16:creationId xmlns:a16="http://schemas.microsoft.com/office/drawing/2014/main" id="{11773CA0-85C0-151E-5FD4-4B53615E6526}"/>
+                  </a:ext>
+                </a:extLst>
+              </p:cNvPr>
+              <p:cNvSpPr>
+                <a:spLocks noGrp="1"/>
+              </p:cNvSpPr>
+              <p:nvPr>
+                <p:ph sz="quarter" idx="4"/>
+              </p:nvPr>
+            </p:nvSpPr>
+            <p:spPr/>
+            <p:txBody>
+              <a:bodyPr>
+                <a:normAutofit/>
+              </a:bodyPr>
+              <a:lstStyle/>
+              <a:p>
+                <a:r>
+                  <a:rPr lang="en-US" dirty="0"/>
+                  <a:t>Raw Score = 3</a:t>
+                </a:r>
+              </a:p>
+              <a:p>
+                <a:r>
+                  <a:rPr lang="en-US" dirty="0"/>
+                  <a:t>Norm Group = 3.5</a:t>
+                </a:r>
+              </a:p>
+              <a:p>
+                <a:r>
+                  <a:rPr lang="en-US" dirty="0"/>
+                  <a:t>Norm SD = 1.0</a:t>
+                </a:r>
+              </a:p>
+              <a:p>
+                <a14:m>
+                  <m:oMath xmlns:m="http://schemas.openxmlformats.org/officeDocument/2006/math">
+                    <m:f>
+                      <m:fPr>
+                        <m:ctrlPr>
+                          <a:rPr lang="en-US" i="1" smtClean="0">
+                            <a:latin typeface="Cambria Math" panose="02040503050406030204" pitchFamily="18" charset="0"/>
+                          </a:rPr>
+                        </m:ctrlPr>
+                      </m:fPr>
+                      <m:num>
+                        <m:r>
+                          <a:rPr lang="en-US" b="0" i="1" smtClean="0">
+                            <a:latin typeface="Cambria Math" panose="02040503050406030204" pitchFamily="18" charset="0"/>
+                          </a:rPr>
+                          <m:t>3−3.5</m:t>
+                        </m:r>
+                      </m:num>
+                      <m:den>
+                        <m:r>
+                          <a:rPr lang="en-US" b="0" i="1" smtClean="0">
+                            <a:latin typeface="Cambria Math" panose="02040503050406030204" pitchFamily="18" charset="0"/>
+                          </a:rPr>
+                          <m:t>1.0</m:t>
+                        </m:r>
+                      </m:den>
+                    </m:f>
+                    <m:r>
+                      <a:rPr lang="en-US" b="0" i="1" smtClean="0">
+                        <a:latin typeface="Cambria Math" panose="02040503050406030204" pitchFamily="18" charset="0"/>
+                      </a:rPr>
+                      <m:t>=−0.5</m:t>
+                    </m:r>
+                  </m:oMath>
+                </a14:m>
+                <a:endParaRPr lang="en-US" dirty="0"/>
+              </a:p>
+              <a:p>
+                <a:r>
+                  <a:rPr lang="en-US" dirty="0"/>
+                  <a:t>T = (-0.5*10)+50 = 45</a:t>
+                </a:r>
+              </a:p>
+              <a:p>
+                <a:endParaRPr lang="en-GB" dirty="0"/>
+              </a:p>
+            </p:txBody>
+          </p:sp>
+        </mc:Choice>
+        <mc:Fallback>
+          <p:sp>
+            <p:nvSpPr>
+              <p:cNvPr id="6" name="Content Placeholder 5">
+                <a:extLst>
+                  <a:ext uri="{FF2B5EF4-FFF2-40B4-BE49-F238E27FC236}">
+                    <a16:creationId xmlns:a16="http://schemas.microsoft.com/office/drawing/2014/main" id="{11773CA0-85C0-151E-5FD4-4B53615E6526}"/>
+                  </a:ext>
+                </a:extLst>
+              </p:cNvPr>
+              <p:cNvSpPr>
+                <a:spLocks noGrp="1" noRot="1" noChangeAspect="1" noMove="1" noResize="1" noEditPoints="1" noAdjustHandles="1" noChangeArrowheads="1" noChangeShapeType="1" noTextEdit="1"/>
+              </p:cNvSpPr>
+              <p:nvPr>
+                <p:ph sz="quarter" idx="4"/>
+              </p:nvPr>
+            </p:nvSpPr>
+            <p:spPr>
+              <a:blipFill>
+                <a:blip r:embed="rId3"/>
+                <a:stretch>
+                  <a:fillRect l="-2118" t="-2815"/>
+                </a:stretch>
+              </a:blipFill>
+            </p:spPr>
+            <p:txBody>
+              <a:bodyPr/>
+              <a:lstStyle/>
+              <a:p>
+                <a:r>
+                  <a:rPr lang="en-GB">
+                    <a:noFill/>
+                  </a:rPr>
+                  <a:t> </a:t>
+                </a:r>
+              </a:p>
+            </p:txBody>
+          </p:sp>
+        </mc:Fallback>
+      </mc:AlternateContent>
+    </p:spTree>
+    <p:extLst>
+      <p:ext uri="{BB962C8B-B14F-4D97-AF65-F5344CB8AC3E}">
+        <p14:creationId xmlns:p14="http://schemas.microsoft.com/office/powerpoint/2010/main" val="770416145"/>
+      </p:ext>
+    </p:extLst>
+  </p:cSld>
+  <p:clrMapOvr>
+    <a:masterClrMapping/>
+  </p:clrMapOvr>
+</p:sld>
+</file>
+
+<file path=ppt/slides/slide22.xml><?xml version="1.0" encoding="utf-8"?>
 <p:sld xmlns:a="http://schemas.openxmlformats.org/drawingml/2006/main" xmlns:r="http://schemas.openxmlformats.org/officeDocument/2006/relationships" xmlns:p="http://schemas.openxmlformats.org/presentationml/2006/main">
   <p:cSld>
     <p:bg>
@@ -7745,7 +13174,283 @@
 </p:sld>
 </file>
 
-<file path=ppt/slides/slide4.xml><?xml version="1.0" encoding="utf-8"?>
+<file path=ppt/slides/slide23.xml><?xml version="1.0" encoding="utf-8"?>
+<p:sld xmlns:a="http://schemas.openxmlformats.org/drawingml/2006/main" xmlns:r="http://schemas.openxmlformats.org/officeDocument/2006/relationships" xmlns:p="http://schemas.openxmlformats.org/presentationml/2006/main">
+  <p:cSld>
+    <p:spTree>
+      <p:nvGrpSpPr>
+        <p:cNvPr id="1" name=""/>
+        <p:cNvGrpSpPr/>
+        <p:nvPr/>
+      </p:nvGrpSpPr>
+      <p:grpSpPr>
+        <a:xfrm>
+          <a:off x="0" y="0"/>
+          <a:ext cx="0" cy="0"/>
+          <a:chOff x="0" y="0"/>
+          <a:chExt cx="0" cy="0"/>
+        </a:xfrm>
+      </p:grpSpPr>
+      <p:sp>
+        <p:nvSpPr>
+          <p:cNvPr id="2" name="Title 1">
+            <a:extLst>
+              <a:ext uri="{FF2B5EF4-FFF2-40B4-BE49-F238E27FC236}">
+                <a16:creationId xmlns:a16="http://schemas.microsoft.com/office/drawing/2014/main" id="{F232DF81-DB07-A000-047C-6E9278B7666D}"/>
+              </a:ext>
+            </a:extLst>
+          </p:cNvPr>
+          <p:cNvSpPr>
+            <a:spLocks noGrp="1"/>
+          </p:cNvSpPr>
+          <p:nvPr>
+            <p:ph type="title"/>
+          </p:nvPr>
+        </p:nvSpPr>
+        <p:spPr/>
+        <p:txBody>
+          <a:bodyPr/>
+          <a:lstStyle/>
+          <a:p>
+            <a:r>
+              <a:rPr lang="en-US" dirty="0"/>
+              <a:t>Hour 2</a:t>
+            </a:r>
+            <a:endParaRPr lang="en-GB" dirty="0"/>
+          </a:p>
+        </p:txBody>
+      </p:sp>
+      <p:sp>
+        <p:nvSpPr>
+          <p:cNvPr id="3" name="Text Placeholder 2">
+            <a:extLst>
+              <a:ext uri="{FF2B5EF4-FFF2-40B4-BE49-F238E27FC236}">
+                <a16:creationId xmlns:a16="http://schemas.microsoft.com/office/drawing/2014/main" id="{5E0E6D49-8CBC-DD2F-07A2-85276AA6F2A6}"/>
+              </a:ext>
+            </a:extLst>
+          </p:cNvPr>
+          <p:cNvSpPr>
+            <a:spLocks noGrp="1"/>
+          </p:cNvSpPr>
+          <p:nvPr>
+            <p:ph type="body" idx="1"/>
+          </p:nvPr>
+        </p:nvSpPr>
+        <p:spPr/>
+        <p:txBody>
+          <a:bodyPr/>
+          <a:lstStyle/>
+          <a:p>
+            <a:endParaRPr lang="en-GB"/>
+          </a:p>
+        </p:txBody>
+      </p:sp>
+    </p:spTree>
+    <p:extLst>
+      <p:ext uri="{BB962C8B-B14F-4D97-AF65-F5344CB8AC3E}">
+        <p14:creationId xmlns:p14="http://schemas.microsoft.com/office/powerpoint/2010/main" val="2188389658"/>
+      </p:ext>
+    </p:extLst>
+  </p:cSld>
+  <p:clrMapOvr>
+    <a:masterClrMapping/>
+  </p:clrMapOvr>
+</p:sld>
+</file>
+
+<file path=ppt/slides/slide24.xml><?xml version="1.0" encoding="utf-8"?>
+<p:sld xmlns:a="http://schemas.openxmlformats.org/drawingml/2006/main" xmlns:r="http://schemas.openxmlformats.org/officeDocument/2006/relationships" xmlns:p="http://schemas.openxmlformats.org/presentationml/2006/main">
+  <p:cSld>
+    <p:spTree>
+      <p:nvGrpSpPr>
+        <p:cNvPr id="1" name=""/>
+        <p:cNvGrpSpPr/>
+        <p:nvPr/>
+      </p:nvGrpSpPr>
+      <p:grpSpPr>
+        <a:xfrm>
+          <a:off x="0" y="0"/>
+          <a:ext cx="0" cy="0"/>
+          <a:chOff x="0" y="0"/>
+          <a:chExt cx="0" cy="0"/>
+        </a:xfrm>
+      </p:grpSpPr>
+      <p:sp>
+        <p:nvSpPr>
+          <p:cNvPr id="2" name="Title 1">
+            <a:extLst>
+              <a:ext uri="{FF2B5EF4-FFF2-40B4-BE49-F238E27FC236}">
+                <a16:creationId xmlns:a16="http://schemas.microsoft.com/office/drawing/2014/main" id="{204A1D50-6FB1-B63C-9DE8-31A2B55CC0CA}"/>
+              </a:ext>
+            </a:extLst>
+          </p:cNvPr>
+          <p:cNvSpPr>
+            <a:spLocks noGrp="1"/>
+          </p:cNvSpPr>
+          <p:nvPr>
+            <p:ph type="title"/>
+          </p:nvPr>
+        </p:nvSpPr>
+        <p:spPr/>
+        <p:txBody>
+          <a:bodyPr/>
+          <a:lstStyle/>
+          <a:p>
+            <a:r>
+              <a:rPr lang="en-US" dirty="0"/>
+              <a:t>Standard Error of Measurement</a:t>
+            </a:r>
+            <a:endParaRPr lang="en-GB" dirty="0"/>
+          </a:p>
+        </p:txBody>
+      </p:sp>
+      <mc:AlternateContent xmlns:mc="http://schemas.openxmlformats.org/markup-compatibility/2006">
+        <mc:Choice xmlns:a14="http://schemas.microsoft.com/office/drawing/2010/main" Requires="a14">
+          <p:sp>
+            <p:nvSpPr>
+              <p:cNvPr id="3" name="Content Placeholder 2">
+                <a:extLst>
+                  <a:ext uri="{FF2B5EF4-FFF2-40B4-BE49-F238E27FC236}">
+                    <a16:creationId xmlns:a16="http://schemas.microsoft.com/office/drawing/2014/main" id="{0EA5D69E-3905-BC3E-0286-98F47DDD913D}"/>
+                  </a:ext>
+                </a:extLst>
+              </p:cNvPr>
+              <p:cNvSpPr>
+                <a:spLocks noGrp="1"/>
+              </p:cNvSpPr>
+              <p:nvPr>
+                <p:ph idx="1"/>
+              </p:nvPr>
+            </p:nvSpPr>
+            <p:spPr/>
+            <p:txBody>
+              <a:bodyPr/>
+              <a:lstStyle/>
+              <a:p>
+                <a:r>
+                  <a:rPr lang="en-US" dirty="0"/>
+                  <a:t>Provides an estimate of how far a score is likely to deviate from the test takers ‘True’ score</a:t>
+                </a:r>
+              </a:p>
+              <a:p>
+                <a:r>
+                  <a:rPr lang="en-US" dirty="0"/>
+                  <a:t>Calculated from the norm group standard deviation and reliability</a:t>
+                </a:r>
+              </a:p>
+              <a:p>
+                <a14:m>
+                  <m:oMath xmlns:m="http://schemas.openxmlformats.org/officeDocument/2006/math">
+                    <m:r>
+                      <a:rPr lang="en-US" b="0" i="1" smtClean="0">
+                        <a:latin typeface="Cambria Math" panose="02040503050406030204" pitchFamily="18" charset="0"/>
+                      </a:rPr>
+                      <m:t>𝑆𝐸𝑀</m:t>
+                    </m:r>
+                    <m:r>
+                      <a:rPr lang="en-US" b="0" i="1" smtClean="0">
+                        <a:latin typeface="Cambria Math" panose="02040503050406030204" pitchFamily="18" charset="0"/>
+                      </a:rPr>
+                      <m:t>= </m:t>
+                    </m:r>
+                    <m:r>
+                      <a:rPr lang="en-US" b="0" i="1" smtClean="0">
+                        <a:latin typeface="Cambria Math" panose="02040503050406030204" pitchFamily="18" charset="0"/>
+                      </a:rPr>
+                      <m:t>𝑆𝐷</m:t>
+                    </m:r>
+                    <m:rad>
+                      <m:radPr>
+                        <m:degHide m:val="on"/>
+                        <m:ctrlPr>
+                          <a:rPr lang="en-GB" i="1" smtClean="0">
+                            <a:latin typeface="Cambria Math" panose="02040503050406030204" pitchFamily="18" charset="0"/>
+                          </a:rPr>
+                        </m:ctrlPr>
+                      </m:radPr>
+                      <m:deg/>
+                      <m:e>
+                        <m:r>
+                          <a:rPr lang="en-US" b="0" i="1" smtClean="0">
+                            <a:latin typeface="Cambria Math" panose="02040503050406030204" pitchFamily="18" charset="0"/>
+                          </a:rPr>
+                          <m:t>1−</m:t>
+                        </m:r>
+                        <m:r>
+                          <a:rPr lang="en-US" b="0" i="1" smtClean="0">
+                            <a:latin typeface="Cambria Math" panose="02040503050406030204" pitchFamily="18" charset="0"/>
+                          </a:rPr>
+                          <m:t>𝑟𝑥𝑥</m:t>
+                        </m:r>
+                      </m:e>
+                    </m:rad>
+                  </m:oMath>
+                </a14:m>
+                <a:endParaRPr lang="en-GB" dirty="0"/>
+              </a:p>
+              <a:p>
+                <a:r>
+                  <a:rPr lang="en-GB" dirty="0"/>
+                  <a:t>Can provide a range of likely scores that would occur upon repeated testing</a:t>
+                </a:r>
+              </a:p>
+            </p:txBody>
+          </p:sp>
+        </mc:Choice>
+        <mc:Fallback>
+          <p:sp>
+            <p:nvSpPr>
+              <p:cNvPr id="3" name="Content Placeholder 2">
+                <a:extLst>
+                  <a:ext uri="{FF2B5EF4-FFF2-40B4-BE49-F238E27FC236}">
+                    <a16:creationId xmlns:a16="http://schemas.microsoft.com/office/drawing/2014/main" id="{0EA5D69E-3905-BC3E-0286-98F47DDD913D}"/>
+                  </a:ext>
+                </a:extLst>
+              </p:cNvPr>
+              <p:cNvSpPr>
+                <a:spLocks noGrp="1" noRot="1" noChangeAspect="1" noMove="1" noResize="1" noEditPoints="1" noAdjustHandles="1" noChangeArrowheads="1" noChangeShapeType="1" noTextEdit="1"/>
+              </p:cNvSpPr>
+              <p:nvPr>
+                <p:ph idx="1"/>
+              </p:nvPr>
+            </p:nvSpPr>
+            <p:spPr>
+              <a:blipFill>
+                <a:blip r:embed="rId2"/>
+                <a:stretch>
+                  <a:fillRect l="-1043" t="-2241"/>
+                </a:stretch>
+              </a:blipFill>
+            </p:spPr>
+            <p:txBody>
+              <a:bodyPr/>
+              <a:lstStyle/>
+              <a:p>
+                <a:r>
+                  <a:rPr lang="en-GB">
+                    <a:noFill/>
+                  </a:rPr>
+                  <a:t> </a:t>
+                </a:r>
+              </a:p>
+            </p:txBody>
+          </p:sp>
+        </mc:Fallback>
+      </mc:AlternateContent>
+    </p:spTree>
+    <p:extLst>
+      <p:ext uri="{BB962C8B-B14F-4D97-AF65-F5344CB8AC3E}">
+        <p14:creationId xmlns:p14="http://schemas.microsoft.com/office/powerpoint/2010/main" val="1806236245"/>
+      </p:ext>
+    </p:extLst>
+  </p:cSld>
+  <p:clrMapOvr>
+    <a:masterClrMapping/>
+  </p:clrMapOvr>
+</p:sld>
+</file>
+
+<file path=ppt/slides/slide25.xml><?xml version="1.0" encoding="utf-8"?>
 <p:sld xmlns:a="http://schemas.openxmlformats.org/drawingml/2006/main" xmlns:r="http://schemas.openxmlformats.org/officeDocument/2006/relationships" xmlns:p="http://schemas.openxmlformats.org/presentationml/2006/main">
   <p:cSld>
     <p:bg>
@@ -8224,7 +13929,7 @@
 </p:sld>
 </file>
 
-<file path=ppt/slides/slide5.xml><?xml version="1.0" encoding="utf-8"?>
+<file path=ppt/slides/slide26.xml><?xml version="1.0" encoding="utf-8"?>
 <p:sld xmlns:a="http://schemas.openxmlformats.org/drawingml/2006/main" xmlns:r="http://schemas.openxmlformats.org/officeDocument/2006/relationships" xmlns:p="http://schemas.openxmlformats.org/presentationml/2006/main">
   <p:cSld>
     <p:spTree>
@@ -10158,7 +15863,7 @@
 </p:sld>
 </file>
 
-<file path=ppt/slides/slide6.xml><?xml version="1.0" encoding="utf-8"?>
+<file path=ppt/slides/slide27.xml><?xml version="1.0" encoding="utf-8"?>
 <p:sld xmlns:a="http://schemas.openxmlformats.org/drawingml/2006/main" xmlns:r="http://schemas.openxmlformats.org/officeDocument/2006/relationships" xmlns:p="http://schemas.openxmlformats.org/presentationml/2006/main">
   <p:cSld>
     <p:bg>
@@ -10387,8 +16092,8 @@
           <a:lstStyle/>
           <a:p>
             <a:r>
-              <a:rPr lang="en-US" sz="4800"/>
-              <a:t>Task 3</a:t>
+              <a:rPr lang="en-US" sz="4800" dirty="0"/>
+              <a:t>Task 1</a:t>
             </a:r>
           </a:p>
         </p:txBody>
@@ -10605,7 +16310,7 @@
 </p:sld>
 </file>
 
-<file path=ppt/slides/slide7.xml><?xml version="1.0" encoding="utf-8"?>
+<file path=ppt/slides/slide28.xml><?xml version="1.0" encoding="utf-8"?>
 <p:sld xmlns:a="http://schemas.openxmlformats.org/drawingml/2006/main" xmlns:r="http://schemas.openxmlformats.org/officeDocument/2006/relationships" xmlns:p="http://schemas.openxmlformats.org/presentationml/2006/main">
   <p:cSld>
     <p:bg>
@@ -10864,6 +16569,3637 @@
     <p:extLst>
       <p:ext uri="{BB962C8B-B14F-4D97-AF65-F5344CB8AC3E}">
         <p14:creationId xmlns:p14="http://schemas.microsoft.com/office/powerpoint/2010/main" val="3132194252"/>
+      </p:ext>
+    </p:extLst>
+  </p:cSld>
+  <p:clrMapOvr>
+    <a:masterClrMapping/>
+  </p:clrMapOvr>
+</p:sld>
+</file>
+
+<file path=ppt/slides/slide3.xml><?xml version="1.0" encoding="utf-8"?>
+<p:sld xmlns:a="http://schemas.openxmlformats.org/drawingml/2006/main" xmlns:r="http://schemas.openxmlformats.org/officeDocument/2006/relationships" xmlns:p="http://schemas.openxmlformats.org/presentationml/2006/main">
+  <p:cSld>
+    <p:bg>
+      <p:bgPr>
+        <a:solidFill>
+          <a:schemeClr val="bg1"/>
+        </a:solidFill>
+        <a:effectLst/>
+      </p:bgPr>
+    </p:bg>
+    <p:spTree>
+      <p:nvGrpSpPr>
+        <p:cNvPr id="1" name=""/>
+        <p:cNvGrpSpPr/>
+        <p:nvPr/>
+      </p:nvGrpSpPr>
+      <p:grpSpPr>
+        <a:xfrm>
+          <a:off x="0" y="0"/>
+          <a:ext cx="0" cy="0"/>
+          <a:chOff x="0" y="0"/>
+          <a:chExt cx="0" cy="0"/>
+        </a:xfrm>
+      </p:grpSpPr>
+      <p:sp useBgFill="1">
+        <p:nvSpPr>
+          <p:cNvPr id="9" name="Rectangle 8">
+            <a:extLst>
+              <a:ext uri="{FF2B5EF4-FFF2-40B4-BE49-F238E27FC236}">
+                <a16:creationId xmlns:a16="http://schemas.microsoft.com/office/drawing/2014/main" id="{6CCA5F87-1D1E-45CB-8D83-FC7EEFAD9935}"/>
+              </a:ext>
+              <a:ext uri="{C183D7F6-B498-43B3-948B-1728B52AA6E4}">
+                <adec:decorative xmlns:adec="http://schemas.microsoft.com/office/drawing/2017/decorative" val="1"/>
+              </a:ext>
+            </a:extLst>
+          </p:cNvPr>
+          <p:cNvSpPr>
+            <a:spLocks noGrp="1" noRot="1" noChangeAspect="1" noMove="1" noResize="1" noEditPoints="1" noAdjustHandles="1" noChangeArrowheads="1" noChangeShapeType="1" noTextEdit="1"/>
+          </p:cNvSpPr>
+          <p:nvPr>
+            <p:extLst>
+              <p:ext uri="{386F3935-93C4-4BCD-93E2-E3B085C9AB24}">
+                <p16:designElem xmlns:p16="http://schemas.microsoft.com/office/powerpoint/2015/main" val="1"/>
+              </p:ext>
+            </p:extLst>
+          </p:nvPr>
+        </p:nvSpPr>
+        <p:spPr>
+          <a:xfrm>
+            <a:off x="0" y="0"/>
+            <a:ext cx="12192000" cy="6858000"/>
+          </a:xfrm>
+          <a:prstGeom prst="rect">
+            <a:avLst/>
+          </a:prstGeom>
+          <a:ln>
+            <a:noFill/>
+          </a:ln>
+        </p:spPr>
+        <p:style>
+          <a:lnRef idx="2">
+            <a:schemeClr val="accent1">
+              <a:shade val="50000"/>
+            </a:schemeClr>
+          </a:lnRef>
+          <a:fillRef idx="1">
+            <a:schemeClr val="accent1"/>
+          </a:fillRef>
+          <a:effectRef idx="0">
+            <a:schemeClr val="accent1"/>
+          </a:effectRef>
+          <a:fontRef idx="minor">
+            <a:schemeClr val="lt1"/>
+          </a:fontRef>
+        </p:style>
+        <p:txBody>
+          <a:bodyPr rtlCol="0" anchor="ctr"/>
+          <a:lstStyle/>
+          <a:p>
+            <a:pPr algn="ctr"/>
+            <a:endParaRPr lang="en-US"/>
+          </a:p>
+        </p:txBody>
+      </p:sp>
+      <p:pic>
+        <p:nvPicPr>
+          <p:cNvPr id="5" name="Picture 4">
+            <a:extLst>
+              <a:ext uri="{FF2B5EF4-FFF2-40B4-BE49-F238E27FC236}">
+                <a16:creationId xmlns:a16="http://schemas.microsoft.com/office/drawing/2014/main" id="{7FF22027-96A3-52C1-09F3-C12D05313B90}"/>
+              </a:ext>
+            </a:extLst>
+          </p:cNvPr>
+          <p:cNvPicPr>
+            <a:picLocks noChangeAspect="1"/>
+          </p:cNvPicPr>
+          <p:nvPr/>
+        </p:nvPicPr>
+        <p:blipFill rotWithShape="1">
+          <a:blip r:embed="rId2"/>
+          <a:srcRect l="24476" r="2" b="2"/>
+          <a:stretch/>
+        </p:blipFill>
+        <p:spPr>
+          <a:xfrm>
+            <a:off x="20" y="10"/>
+            <a:ext cx="8668492" cy="6857990"/>
+          </a:xfrm>
+          <a:prstGeom prst="rect">
+            <a:avLst/>
+          </a:prstGeom>
+        </p:spPr>
+      </p:pic>
+      <p:sp>
+        <p:nvSpPr>
+          <p:cNvPr id="11" name="Rectangle 10">
+            <a:extLst>
+              <a:ext uri="{FF2B5EF4-FFF2-40B4-BE49-F238E27FC236}">
+                <a16:creationId xmlns:a16="http://schemas.microsoft.com/office/drawing/2014/main" id="{7CCFC2C6-6238-4A2F-93DE-2ADF74AF635E}"/>
+              </a:ext>
+              <a:ext uri="{C183D7F6-B498-43B3-948B-1728B52AA6E4}">
+                <adec:decorative xmlns:adec="http://schemas.microsoft.com/office/drawing/2017/decorative" val="1"/>
+              </a:ext>
+            </a:extLst>
+          </p:cNvPr>
+          <p:cNvSpPr>
+            <a:spLocks noGrp="1" noRot="1" noChangeAspect="1" noMove="1" noResize="1" noEditPoints="1" noAdjustHandles="1" noChangeArrowheads="1" noChangeShapeType="1" noTextEdit="1"/>
+          </p:cNvSpPr>
+          <p:nvPr>
+            <p:extLst>
+              <p:ext uri="{386F3935-93C4-4BCD-93E2-E3B085C9AB24}">
+                <p16:designElem xmlns:p16="http://schemas.microsoft.com/office/powerpoint/2015/main" val="1"/>
+              </p:ext>
+            </p:extLst>
+          </p:nvPr>
+        </p:nvSpPr>
+        <p:spPr>
+          <a:xfrm flipH="1">
+            <a:off x="3711652" y="0"/>
+            <a:ext cx="8480347" cy="6858000"/>
+          </a:xfrm>
+          <a:prstGeom prst="rect">
+            <a:avLst/>
+          </a:prstGeom>
+          <a:gradFill>
+            <a:gsLst>
+              <a:gs pos="48000">
+                <a:schemeClr val="bg1"/>
+              </a:gs>
+              <a:gs pos="35000">
+                <a:schemeClr val="bg1">
+                  <a:alpha val="77000"/>
+                </a:schemeClr>
+              </a:gs>
+              <a:gs pos="19000">
+                <a:schemeClr val="bg1">
+                  <a:alpha val="38000"/>
+                </a:schemeClr>
+              </a:gs>
+              <a:gs pos="0">
+                <a:schemeClr val="bg1">
+                  <a:alpha val="0"/>
+                </a:schemeClr>
+              </a:gs>
+              <a:gs pos="100000">
+                <a:schemeClr val="bg1"/>
+              </a:gs>
+            </a:gsLst>
+            <a:lin ang="10800000" scaled="0"/>
+          </a:gradFill>
+          <a:ln>
+            <a:noFill/>
+          </a:ln>
+        </p:spPr>
+        <p:style>
+          <a:lnRef idx="2">
+            <a:schemeClr val="accent1">
+              <a:shade val="50000"/>
+            </a:schemeClr>
+          </a:lnRef>
+          <a:fillRef idx="1">
+            <a:schemeClr val="accent1"/>
+          </a:fillRef>
+          <a:effectRef idx="0">
+            <a:schemeClr val="accent1"/>
+          </a:effectRef>
+          <a:fontRef idx="minor">
+            <a:schemeClr val="lt1"/>
+          </a:fontRef>
+        </p:style>
+        <p:txBody>
+          <a:bodyPr rtlCol="0" anchor="ctr"/>
+          <a:lstStyle/>
+          <a:p>
+            <a:pPr algn="ctr"/>
+            <a:endParaRPr lang="en-US" dirty="0"/>
+          </a:p>
+        </p:txBody>
+      </p:sp>
+      <p:sp>
+        <p:nvSpPr>
+          <p:cNvPr id="2" name="Title 1">
+            <a:extLst>
+              <a:ext uri="{FF2B5EF4-FFF2-40B4-BE49-F238E27FC236}">
+                <a16:creationId xmlns:a16="http://schemas.microsoft.com/office/drawing/2014/main" id="{A390C88C-2C1E-C018-0F33-DFE0B210696E}"/>
+              </a:ext>
+            </a:extLst>
+          </p:cNvPr>
+          <p:cNvSpPr>
+            <a:spLocks noGrp="1"/>
+          </p:cNvSpPr>
+          <p:nvPr>
+            <p:ph type="title"/>
+          </p:nvPr>
+        </p:nvSpPr>
+        <p:spPr>
+          <a:xfrm>
+            <a:off x="7848600" y="1122363"/>
+            <a:ext cx="4023360" cy="3204134"/>
+          </a:xfrm>
+        </p:spPr>
+        <p:txBody>
+          <a:bodyPr vert="horz" lIns="91440" tIns="45720" rIns="91440" bIns="45720" rtlCol="0" anchor="b">
+            <a:normAutofit/>
+          </a:bodyPr>
+          <a:lstStyle/>
+          <a:p>
+            <a:r>
+              <a:rPr lang="en-US" sz="4800"/>
+              <a:t>What We’ve Done So Far</a:t>
+            </a:r>
+          </a:p>
+        </p:txBody>
+      </p:sp>
+      <p:sp>
+        <p:nvSpPr>
+          <p:cNvPr id="3" name="Text Placeholder 2">
+            <a:extLst>
+              <a:ext uri="{FF2B5EF4-FFF2-40B4-BE49-F238E27FC236}">
+                <a16:creationId xmlns:a16="http://schemas.microsoft.com/office/drawing/2014/main" id="{5490EA6F-186B-B15C-6663-49947F9AC37D}"/>
+              </a:ext>
+            </a:extLst>
+          </p:cNvPr>
+          <p:cNvSpPr>
+            <a:spLocks noGrp="1"/>
+          </p:cNvSpPr>
+          <p:nvPr>
+            <p:ph type="body" idx="1"/>
+          </p:nvPr>
+        </p:nvSpPr>
+        <p:spPr>
+          <a:xfrm>
+            <a:off x="7848600" y="4872922"/>
+            <a:ext cx="4023360" cy="1208141"/>
+          </a:xfrm>
+        </p:spPr>
+        <p:txBody>
+          <a:bodyPr vert="horz" lIns="91440" tIns="45720" rIns="91440" bIns="45720" rtlCol="0">
+            <a:normAutofit/>
+          </a:bodyPr>
+          <a:lstStyle/>
+          <a:p>
+            <a:endParaRPr lang="en-US" sz="2000">
+              <a:solidFill>
+                <a:schemeClr val="tx1"/>
+              </a:solidFill>
+            </a:endParaRPr>
+          </a:p>
+        </p:txBody>
+      </p:sp>
+      <p:sp>
+        <p:nvSpPr>
+          <p:cNvPr id="13" name="Rectangle 12">
+            <a:extLst>
+              <a:ext uri="{FF2B5EF4-FFF2-40B4-BE49-F238E27FC236}">
+                <a16:creationId xmlns:a16="http://schemas.microsoft.com/office/drawing/2014/main" id="{AF2F604E-43BE-4DC3-B983-E071523364F8}"/>
+              </a:ext>
+              <a:ext uri="{C183D7F6-B498-43B3-948B-1728B52AA6E4}">
+                <adec:decorative xmlns:adec="http://schemas.microsoft.com/office/drawing/2017/decorative" val="1"/>
+              </a:ext>
+            </a:extLst>
+          </p:cNvPr>
+          <p:cNvSpPr>
+            <a:spLocks noGrp="1" noRot="1" noChangeAspect="1" noMove="1" noResize="1" noEditPoints="1" noAdjustHandles="1" noChangeArrowheads="1" noChangeShapeType="1" noTextEdit="1"/>
+          </p:cNvSpPr>
+          <p:nvPr>
+            <p:extLst>
+              <p:ext uri="{386F3935-93C4-4BCD-93E2-E3B085C9AB24}">
+                <p16:designElem xmlns:p16="http://schemas.microsoft.com/office/powerpoint/2015/main" val="1"/>
+              </p:ext>
+            </p:extLst>
+          </p:nvPr>
+        </p:nvSpPr>
+        <p:spPr>
+          <a:xfrm rot="5400000">
+            <a:off x="8130540" y="346791"/>
+            <a:ext cx="146304" cy="704088"/>
+          </a:xfrm>
+          <a:prstGeom prst="rect">
+            <a:avLst/>
+          </a:prstGeom>
+          <a:solidFill>
+            <a:schemeClr val="accent2"/>
+          </a:solidFill>
+          <a:ln>
+            <a:noFill/>
+          </a:ln>
+        </p:spPr>
+        <p:style>
+          <a:lnRef idx="2">
+            <a:schemeClr val="accent1">
+              <a:shade val="50000"/>
+            </a:schemeClr>
+          </a:lnRef>
+          <a:fillRef idx="1">
+            <a:schemeClr val="accent1"/>
+          </a:fillRef>
+          <a:effectRef idx="0">
+            <a:schemeClr val="accent1"/>
+          </a:effectRef>
+          <a:fontRef idx="minor">
+            <a:schemeClr val="lt1"/>
+          </a:fontRef>
+        </p:style>
+        <p:txBody>
+          <a:bodyPr rtlCol="0" anchor="ctr"/>
+          <a:lstStyle/>
+          <a:p>
+            <a:pPr algn="ctr"/>
+            <a:endParaRPr lang="en-US">
+              <a:solidFill>
+                <a:prstClr val="white"/>
+              </a:solidFill>
+              <a:latin typeface="Calibri" panose="020F0502020204030204"/>
+            </a:endParaRPr>
+          </a:p>
+        </p:txBody>
+      </p:sp>
+      <p:sp>
+        <p:nvSpPr>
+          <p:cNvPr id="15" name="Rectangle 14">
+            <a:extLst>
+              <a:ext uri="{FF2B5EF4-FFF2-40B4-BE49-F238E27FC236}">
+                <a16:creationId xmlns:a16="http://schemas.microsoft.com/office/drawing/2014/main" id="{08C9B587-E65E-4B52-B37C-ABEBB6E87928}"/>
+              </a:ext>
+              <a:ext uri="{C183D7F6-B498-43B3-948B-1728B52AA6E4}">
+                <adec:decorative xmlns:adec="http://schemas.microsoft.com/office/drawing/2017/decorative" val="1"/>
+              </a:ext>
+            </a:extLst>
+          </p:cNvPr>
+          <p:cNvSpPr>
+            <a:spLocks noGrp="1" noRot="1" noChangeAspect="1" noMove="1" noResize="1" noEditPoints="1" noAdjustHandles="1" noChangeArrowheads="1" noChangeShapeType="1" noTextEdit="1"/>
+          </p:cNvSpPr>
+          <p:nvPr>
+            <p:extLst>
+              <p:ext uri="{386F3935-93C4-4BCD-93E2-E3B085C9AB24}">
+                <p16:designElem xmlns:p16="http://schemas.microsoft.com/office/powerpoint/2015/main" val="1"/>
+              </p:ext>
+            </p:extLst>
+          </p:nvPr>
+        </p:nvSpPr>
+        <p:spPr>
+          <a:xfrm>
+            <a:off x="7851648" y="4546920"/>
+            <a:ext cx="4023360" cy="18288"/>
+          </a:xfrm>
+          <a:prstGeom prst="rect">
+            <a:avLst/>
+          </a:prstGeom>
+          <a:solidFill>
+            <a:srgbClr val="D5D5D5"/>
+          </a:solidFill>
+          <a:ln w="3175">
+            <a:noFill/>
+          </a:ln>
+          <a:effectLst/>
+        </p:spPr>
+        <p:style>
+          <a:lnRef idx="2">
+            <a:schemeClr val="accent1">
+              <a:shade val="50000"/>
+            </a:schemeClr>
+          </a:lnRef>
+          <a:fillRef idx="1">
+            <a:schemeClr val="accent1"/>
+          </a:fillRef>
+          <a:effectRef idx="0">
+            <a:schemeClr val="accent1"/>
+          </a:effectRef>
+          <a:fontRef idx="minor">
+            <a:schemeClr val="lt1"/>
+          </a:fontRef>
+        </p:style>
+        <p:txBody>
+          <a:bodyPr rtlCol="0" anchor="ctr"/>
+          <a:lstStyle/>
+          <a:p>
+            <a:pPr marL="0" marR="0" lvl="0" indent="0" algn="ctr" defTabSz="914400" rtl="0" eaLnBrk="1" fontAlgn="auto" latinLnBrk="0" hangingPunct="1">
+              <a:lnSpc>
+                <a:spcPct val="100000"/>
+              </a:lnSpc>
+              <a:spcBef>
+                <a:spcPts val="0"/>
+              </a:spcBef>
+              <a:spcAft>
+                <a:spcPts val="0"/>
+              </a:spcAft>
+              <a:buClrTx/>
+              <a:buSzTx/>
+              <a:buFontTx/>
+              <a:buNone/>
+              <a:tabLst/>
+              <a:defRPr/>
+            </a:pPr>
+            <a:endParaRPr kumimoji="0" lang="en-US" sz="1800" b="0" i="0" u="none" strike="noStrike" kern="1200" cap="none" spc="0" normalizeH="0" baseline="0" noProof="0">
+              <a:ln>
+                <a:noFill/>
+              </a:ln>
+              <a:solidFill>
+                <a:prstClr val="white"/>
+              </a:solidFill>
+              <a:effectLst/>
+              <a:uLnTx/>
+              <a:uFillTx/>
+              <a:latin typeface="Calibri" panose="020F0502020204030204"/>
+              <a:ea typeface="+mn-ea"/>
+              <a:cs typeface="+mn-cs"/>
+            </a:endParaRPr>
+          </a:p>
+        </p:txBody>
+      </p:sp>
+    </p:spTree>
+    <p:extLst>
+      <p:ext uri="{BB962C8B-B14F-4D97-AF65-F5344CB8AC3E}">
+        <p14:creationId xmlns:p14="http://schemas.microsoft.com/office/powerpoint/2010/main" val="3021062065"/>
+      </p:ext>
+    </p:extLst>
+  </p:cSld>
+  <p:clrMapOvr>
+    <a:masterClrMapping/>
+  </p:clrMapOvr>
+</p:sld>
+</file>
+
+<file path=ppt/slides/slide4.xml><?xml version="1.0" encoding="utf-8"?>
+<p:sld xmlns:a="http://schemas.openxmlformats.org/drawingml/2006/main" xmlns:r="http://schemas.openxmlformats.org/officeDocument/2006/relationships" xmlns:p="http://schemas.openxmlformats.org/presentationml/2006/main">
+  <p:cSld>
+    <p:bg>
+      <p:bgPr>
+        <a:solidFill>
+          <a:schemeClr val="bg1"/>
+        </a:solidFill>
+        <a:effectLst/>
+      </p:bgPr>
+    </p:bg>
+    <p:spTree>
+      <p:nvGrpSpPr>
+        <p:cNvPr id="1" name=""/>
+        <p:cNvGrpSpPr/>
+        <p:nvPr/>
+      </p:nvGrpSpPr>
+      <p:grpSpPr>
+        <a:xfrm>
+          <a:off x="0" y="0"/>
+          <a:ext cx="0" cy="0"/>
+          <a:chOff x="0" y="0"/>
+          <a:chExt cx="0" cy="0"/>
+        </a:xfrm>
+      </p:grpSpPr>
+      <p:sp>
+        <p:nvSpPr>
+          <p:cNvPr id="2" name="Title 1">
+            <a:extLst>
+              <a:ext uri="{FF2B5EF4-FFF2-40B4-BE49-F238E27FC236}">
+                <a16:creationId xmlns:a16="http://schemas.microsoft.com/office/drawing/2014/main" id="{2F2E616C-844A-2386-22F3-E70C4AA3D5F3}"/>
+              </a:ext>
+            </a:extLst>
+          </p:cNvPr>
+          <p:cNvSpPr>
+            <a:spLocks noGrp="1"/>
+          </p:cNvSpPr>
+          <p:nvPr>
+            <p:ph type="title"/>
+          </p:nvPr>
+        </p:nvSpPr>
+        <p:spPr>
+          <a:xfrm>
+            <a:off x="4965430" y="629268"/>
+            <a:ext cx="6586491" cy="1286160"/>
+          </a:xfrm>
+        </p:spPr>
+        <p:txBody>
+          <a:bodyPr anchor="b">
+            <a:normAutofit/>
+          </a:bodyPr>
+          <a:lstStyle/>
+          <a:p>
+            <a:r>
+              <a:rPr lang="en-US" dirty="0"/>
+              <a:t>Selecting a Measure</a:t>
+            </a:r>
+            <a:endParaRPr lang="en-GB" dirty="0"/>
+          </a:p>
+        </p:txBody>
+      </p:sp>
+      <p:sp>
+        <p:nvSpPr>
+          <p:cNvPr id="3" name="Content Placeholder 2">
+            <a:extLst>
+              <a:ext uri="{FF2B5EF4-FFF2-40B4-BE49-F238E27FC236}">
+                <a16:creationId xmlns:a16="http://schemas.microsoft.com/office/drawing/2014/main" id="{E5E30D40-9AF6-4022-1C49-AAE3D17A5F54}"/>
+              </a:ext>
+            </a:extLst>
+          </p:cNvPr>
+          <p:cNvSpPr>
+            <a:spLocks noGrp="1"/>
+          </p:cNvSpPr>
+          <p:nvPr>
+            <p:ph idx="1"/>
+          </p:nvPr>
+        </p:nvSpPr>
+        <p:spPr>
+          <a:xfrm>
+            <a:off x="4965431" y="2438400"/>
+            <a:ext cx="6586489" cy="3785419"/>
+          </a:xfrm>
+        </p:spPr>
+        <p:txBody>
+          <a:bodyPr>
+            <a:normAutofit/>
+          </a:bodyPr>
+          <a:lstStyle/>
+          <a:p>
+            <a:r>
+              <a:rPr lang="en-US" sz="2000"/>
+              <a:t>Construct Validation (Week 2)</a:t>
+            </a:r>
+          </a:p>
+          <a:p>
+            <a:pPr lvl="1"/>
+            <a:r>
+              <a:rPr lang="en-US" sz="2000"/>
+              <a:t>What is the phenomenon we’re interested in</a:t>
+            </a:r>
+          </a:p>
+          <a:p>
+            <a:pPr lvl="1"/>
+            <a:r>
+              <a:rPr lang="en-US" sz="2000"/>
+              <a:t>What can this tell us about behaviour?</a:t>
+            </a:r>
+          </a:p>
+          <a:p>
+            <a:r>
+              <a:rPr lang="en-GB" sz="2000"/>
+              <a:t>Choosing a scale (Week 2; Week 5)</a:t>
+            </a:r>
+          </a:p>
+          <a:p>
+            <a:pPr lvl="1"/>
+            <a:r>
+              <a:rPr lang="en-GB" sz="2000"/>
+              <a:t>How can this construct answer a particular question?</a:t>
+            </a:r>
+          </a:p>
+          <a:p>
+            <a:pPr lvl="1"/>
+            <a:r>
+              <a:rPr lang="en-GB" sz="2000"/>
+              <a:t>What scale is appropriate for measuring this construct?</a:t>
+            </a:r>
+          </a:p>
+          <a:p>
+            <a:pPr lvl="1"/>
+            <a:endParaRPr lang="en-GB" sz="2000"/>
+          </a:p>
+        </p:txBody>
+      </p:sp>
+      <p:pic>
+        <p:nvPicPr>
+          <p:cNvPr id="5" name="Picture 4" descr="Rolls of blueprints">
+            <a:extLst>
+              <a:ext uri="{FF2B5EF4-FFF2-40B4-BE49-F238E27FC236}">
+                <a16:creationId xmlns:a16="http://schemas.microsoft.com/office/drawing/2014/main" id="{CA875DE9-1234-27FD-ACC0-CF3BDA043C90}"/>
+              </a:ext>
+            </a:extLst>
+          </p:cNvPr>
+          <p:cNvPicPr>
+            <a:picLocks noChangeAspect="1"/>
+          </p:cNvPicPr>
+          <p:nvPr/>
+        </p:nvPicPr>
+        <p:blipFill rotWithShape="1">
+          <a:blip r:embed="rId2"/>
+          <a:srcRect l="54882" r="-1" b="-1"/>
+          <a:stretch/>
+        </p:blipFill>
+        <p:spPr>
+          <a:xfrm>
+            <a:off x="20" y="10"/>
+            <a:ext cx="4635571" cy="6857990"/>
+          </a:xfrm>
+          <a:prstGeom prst="rect">
+            <a:avLst/>
+          </a:prstGeom>
+          <a:effectLst/>
+        </p:spPr>
+      </p:pic>
+      <p:cxnSp>
+        <p:nvCxnSpPr>
+          <p:cNvPr id="9" name="Straight Connector 8">
+            <a:extLst>
+              <a:ext uri="{FF2B5EF4-FFF2-40B4-BE49-F238E27FC236}">
+                <a16:creationId xmlns:a16="http://schemas.microsoft.com/office/drawing/2014/main" id="{A7F400EE-A8A5-48AF-B4D6-291B52C6F0B0}"/>
+              </a:ext>
+              <a:ext uri="{C183D7F6-B498-43B3-948B-1728B52AA6E4}">
+                <adec:decorative xmlns:adec="http://schemas.microsoft.com/office/drawing/2017/decorative" val="1"/>
+              </a:ext>
+            </a:extLst>
+          </p:cNvPr>
+          <p:cNvCxnSpPr>
+            <a:cxnSpLocks noGrp="1" noRot="1" noChangeAspect="1" noMove="1" noResize="1" noEditPoints="1" noAdjustHandles="1" noChangeArrowheads="1" noChangeShapeType="1"/>
+          </p:cNvCxnSpPr>
+          <p:nvPr>
+            <p:extLst>
+              <p:ext uri="{386F3935-93C4-4BCD-93E2-E3B085C9AB24}">
+                <p16:designElem xmlns:p16="http://schemas.microsoft.com/office/powerpoint/2015/main" val="1"/>
+              </p:ext>
+            </p:extLst>
+          </p:nvPr>
+        </p:nvCxnSpPr>
+        <p:spPr>
+          <a:xfrm>
+            <a:off x="5080934" y="2115117"/>
+            <a:ext cx="6309360" cy="0"/>
+          </a:xfrm>
+          <a:prstGeom prst="line">
+            <a:avLst/>
+          </a:prstGeom>
+          <a:ln w="19050">
+            <a:solidFill>
+              <a:srgbClr val="7AA6C4"/>
+            </a:solidFill>
+          </a:ln>
+        </p:spPr>
+        <p:style>
+          <a:lnRef idx="1">
+            <a:schemeClr val="accent1"/>
+          </a:lnRef>
+          <a:fillRef idx="0">
+            <a:schemeClr val="accent1"/>
+          </a:fillRef>
+          <a:effectRef idx="0">
+            <a:schemeClr val="accent1"/>
+          </a:effectRef>
+          <a:fontRef idx="minor">
+            <a:schemeClr val="tx1"/>
+          </a:fontRef>
+        </p:style>
+      </p:cxnSp>
+    </p:spTree>
+    <p:extLst>
+      <p:ext uri="{BB962C8B-B14F-4D97-AF65-F5344CB8AC3E}">
+        <p14:creationId xmlns:p14="http://schemas.microsoft.com/office/powerpoint/2010/main" val="2770216507"/>
+      </p:ext>
+    </p:extLst>
+  </p:cSld>
+  <p:clrMapOvr>
+    <a:masterClrMapping/>
+  </p:clrMapOvr>
+</p:sld>
+</file>
+
+<file path=ppt/slides/slide5.xml><?xml version="1.0" encoding="utf-8"?>
+<p:sld xmlns:a="http://schemas.openxmlformats.org/drawingml/2006/main" xmlns:r="http://schemas.openxmlformats.org/officeDocument/2006/relationships" xmlns:p="http://schemas.openxmlformats.org/presentationml/2006/main">
+  <p:cSld>
+    <p:bg>
+      <p:bgPr>
+        <a:solidFill>
+          <a:schemeClr val="bg1"/>
+        </a:solidFill>
+        <a:effectLst/>
+      </p:bgPr>
+    </p:bg>
+    <p:spTree>
+      <p:nvGrpSpPr>
+        <p:cNvPr id="1" name=""/>
+        <p:cNvGrpSpPr/>
+        <p:nvPr/>
+      </p:nvGrpSpPr>
+      <p:grpSpPr>
+        <a:xfrm>
+          <a:off x="0" y="0"/>
+          <a:ext cx="0" cy="0"/>
+          <a:chOff x="0" y="0"/>
+          <a:chExt cx="0" cy="0"/>
+        </a:xfrm>
+      </p:grpSpPr>
+      <p:sp useBgFill="1">
+        <p:nvSpPr>
+          <p:cNvPr id="9" name="Rectangle 8">
+            <a:extLst>
+              <a:ext uri="{FF2B5EF4-FFF2-40B4-BE49-F238E27FC236}">
+                <a16:creationId xmlns:a16="http://schemas.microsoft.com/office/drawing/2014/main" id="{F13C74B1-5B17-4795-BED0-7140497B445A}"/>
+              </a:ext>
+              <a:ext uri="{C183D7F6-B498-43B3-948B-1728B52AA6E4}">
+                <adec:decorative xmlns:adec="http://schemas.microsoft.com/office/drawing/2017/decorative" val="1"/>
+              </a:ext>
+            </a:extLst>
+          </p:cNvPr>
+          <p:cNvSpPr>
+            <a:spLocks noGrp="1" noRot="1" noChangeAspect="1" noMove="1" noResize="1" noEditPoints="1" noAdjustHandles="1" noChangeArrowheads="1" noChangeShapeType="1" noTextEdit="1"/>
+          </p:cNvSpPr>
+          <p:nvPr>
+            <p:extLst>
+              <p:ext uri="{386F3935-93C4-4BCD-93E2-E3B085C9AB24}">
+                <p16:designElem xmlns:p16="http://schemas.microsoft.com/office/powerpoint/2015/main" val="1"/>
+              </p:ext>
+            </p:extLst>
+          </p:nvPr>
+        </p:nvSpPr>
+        <p:spPr>
+          <a:xfrm>
+            <a:off x="0" y="0"/>
+            <a:ext cx="12188952" cy="6858000"/>
+          </a:xfrm>
+          <a:prstGeom prst="rect">
+            <a:avLst/>
+          </a:prstGeom>
+          <a:ln>
+            <a:noFill/>
+          </a:ln>
+        </p:spPr>
+        <p:style>
+          <a:lnRef idx="2">
+            <a:schemeClr val="accent1">
+              <a:shade val="50000"/>
+            </a:schemeClr>
+          </a:lnRef>
+          <a:fillRef idx="1">
+            <a:schemeClr val="accent1"/>
+          </a:fillRef>
+          <a:effectRef idx="0">
+            <a:schemeClr val="accent1"/>
+          </a:effectRef>
+          <a:fontRef idx="minor">
+            <a:schemeClr val="lt1"/>
+          </a:fontRef>
+        </p:style>
+        <p:txBody>
+          <a:bodyPr rtlCol="0" anchor="ctr"/>
+          <a:lstStyle/>
+          <a:p>
+            <a:pPr algn="ctr"/>
+            <a:endParaRPr lang="en-US"/>
+          </a:p>
+        </p:txBody>
+      </p:sp>
+      <p:sp>
+        <p:nvSpPr>
+          <p:cNvPr id="2" name="Title 1">
+            <a:extLst>
+              <a:ext uri="{FF2B5EF4-FFF2-40B4-BE49-F238E27FC236}">
+                <a16:creationId xmlns:a16="http://schemas.microsoft.com/office/drawing/2014/main" id="{D298D004-C879-C36B-B00A-4BD5B4F10A67}"/>
+              </a:ext>
+            </a:extLst>
+          </p:cNvPr>
+          <p:cNvSpPr>
+            <a:spLocks noGrp="1"/>
+          </p:cNvSpPr>
+          <p:nvPr>
+            <p:ph type="title"/>
+          </p:nvPr>
+        </p:nvSpPr>
+        <p:spPr>
+          <a:xfrm>
+            <a:off x="640080" y="325369"/>
+            <a:ext cx="4368602" cy="1956841"/>
+          </a:xfrm>
+        </p:spPr>
+        <p:txBody>
+          <a:bodyPr anchor="b">
+            <a:normAutofit/>
+          </a:bodyPr>
+          <a:lstStyle/>
+          <a:p>
+            <a:r>
+              <a:rPr lang="en-US" sz="5400"/>
+              <a:t>Checking the Measure</a:t>
+            </a:r>
+            <a:endParaRPr lang="en-GB" sz="5400"/>
+          </a:p>
+        </p:txBody>
+      </p:sp>
+      <p:sp>
+        <p:nvSpPr>
+          <p:cNvPr id="11" name="sketchy line">
+            <a:extLst>
+              <a:ext uri="{FF2B5EF4-FFF2-40B4-BE49-F238E27FC236}">
+                <a16:creationId xmlns:a16="http://schemas.microsoft.com/office/drawing/2014/main" id="{D4974D33-8DC5-464E-8C6D-BE58F0669C17}"/>
+              </a:ext>
+              <a:ext uri="{C183D7F6-B498-43B3-948B-1728B52AA6E4}">
+                <adec:decorative xmlns:adec="http://schemas.microsoft.com/office/drawing/2017/decorative" val="1"/>
+              </a:ext>
+            </a:extLst>
+          </p:cNvPr>
+          <p:cNvSpPr>
+            <a:spLocks noGrp="1" noRot="1" noChangeAspect="1" noMove="1" noResize="1" noEditPoints="1" noAdjustHandles="1" noChangeArrowheads="1" noChangeShapeType="1" noTextEdit="1"/>
+          </p:cNvSpPr>
+          <p:nvPr>
+            <p:extLst>
+              <p:ext uri="{386F3935-93C4-4BCD-93E2-E3B085C9AB24}">
+                <p16:designElem xmlns:p16="http://schemas.microsoft.com/office/powerpoint/2015/main" val="1"/>
+              </p:ext>
+            </p:extLst>
+          </p:nvPr>
+        </p:nvSpPr>
+        <p:spPr>
+          <a:xfrm>
+            <a:off x="640080" y="2586994"/>
+            <a:ext cx="3474720" cy="18288"/>
+          </a:xfrm>
+          <a:custGeom>
+            <a:avLst/>
+            <a:gdLst>
+              <a:gd name="connsiteX0" fmla="*/ 0 w 3474720"/>
+              <a:gd name="connsiteY0" fmla="*/ 0 h 18288"/>
+              <a:gd name="connsiteX1" fmla="*/ 694944 w 3474720"/>
+              <a:gd name="connsiteY1" fmla="*/ 0 h 18288"/>
+              <a:gd name="connsiteX2" fmla="*/ 1355141 w 3474720"/>
+              <a:gd name="connsiteY2" fmla="*/ 0 h 18288"/>
+              <a:gd name="connsiteX3" fmla="*/ 2015338 w 3474720"/>
+              <a:gd name="connsiteY3" fmla="*/ 0 h 18288"/>
+              <a:gd name="connsiteX4" fmla="*/ 2779776 w 3474720"/>
+              <a:gd name="connsiteY4" fmla="*/ 0 h 18288"/>
+              <a:gd name="connsiteX5" fmla="*/ 3474720 w 3474720"/>
+              <a:gd name="connsiteY5" fmla="*/ 0 h 18288"/>
+              <a:gd name="connsiteX6" fmla="*/ 3474720 w 3474720"/>
+              <a:gd name="connsiteY6" fmla="*/ 18288 h 18288"/>
+              <a:gd name="connsiteX7" fmla="*/ 2779776 w 3474720"/>
+              <a:gd name="connsiteY7" fmla="*/ 18288 h 18288"/>
+              <a:gd name="connsiteX8" fmla="*/ 2189074 w 3474720"/>
+              <a:gd name="connsiteY8" fmla="*/ 18288 h 18288"/>
+              <a:gd name="connsiteX9" fmla="*/ 1528877 w 3474720"/>
+              <a:gd name="connsiteY9" fmla="*/ 18288 h 18288"/>
+              <a:gd name="connsiteX10" fmla="*/ 868680 w 3474720"/>
+              <a:gd name="connsiteY10" fmla="*/ 18288 h 18288"/>
+              <a:gd name="connsiteX11" fmla="*/ 0 w 3474720"/>
+              <a:gd name="connsiteY11" fmla="*/ 18288 h 18288"/>
+              <a:gd name="connsiteX12" fmla="*/ 0 w 3474720"/>
+              <a:gd name="connsiteY12" fmla="*/ 0 h 18288"/>
+            </a:gdLst>
+            <a:ahLst/>
+            <a:cxnLst>
+              <a:cxn ang="0">
+                <a:pos x="connsiteX0" y="connsiteY0"/>
+              </a:cxn>
+              <a:cxn ang="0">
+                <a:pos x="connsiteX1" y="connsiteY1"/>
+              </a:cxn>
+              <a:cxn ang="0">
+                <a:pos x="connsiteX2" y="connsiteY2"/>
+              </a:cxn>
+              <a:cxn ang="0">
+                <a:pos x="connsiteX3" y="connsiteY3"/>
+              </a:cxn>
+              <a:cxn ang="0">
+                <a:pos x="connsiteX4" y="connsiteY4"/>
+              </a:cxn>
+              <a:cxn ang="0">
+                <a:pos x="connsiteX5" y="connsiteY5"/>
+              </a:cxn>
+              <a:cxn ang="0">
+                <a:pos x="connsiteX6" y="connsiteY6"/>
+              </a:cxn>
+              <a:cxn ang="0">
+                <a:pos x="connsiteX7" y="connsiteY7"/>
+              </a:cxn>
+              <a:cxn ang="0">
+                <a:pos x="connsiteX8" y="connsiteY8"/>
+              </a:cxn>
+              <a:cxn ang="0">
+                <a:pos x="connsiteX9" y="connsiteY9"/>
+              </a:cxn>
+              <a:cxn ang="0">
+                <a:pos x="connsiteX10" y="connsiteY10"/>
+              </a:cxn>
+              <a:cxn ang="0">
+                <a:pos x="connsiteX11" y="connsiteY11"/>
+              </a:cxn>
+              <a:cxn ang="0">
+                <a:pos x="connsiteX12" y="connsiteY12"/>
+              </a:cxn>
+            </a:cxnLst>
+            <a:rect l="l" t="t" r="r" b="b"/>
+            <a:pathLst>
+              <a:path w="3474720" h="18288" fill="none" extrusionOk="0">
+                <a:moveTo>
+                  <a:pt x="0" y="0"/>
+                </a:moveTo>
+                <a:cubicBezTo>
+                  <a:pt x="224454" y="-14544"/>
+                  <a:pt x="495407" y="26540"/>
+                  <a:pt x="694944" y="0"/>
+                </a:cubicBezTo>
+                <a:cubicBezTo>
+                  <a:pt x="894481" y="-26540"/>
+                  <a:pt x="1130063" y="24713"/>
+                  <a:pt x="1355141" y="0"/>
+                </a:cubicBezTo>
+                <a:cubicBezTo>
+                  <a:pt x="1580219" y="-24713"/>
+                  <a:pt x="1820099" y="26695"/>
+                  <a:pt x="2015338" y="0"/>
+                </a:cubicBezTo>
+                <a:cubicBezTo>
+                  <a:pt x="2210577" y="-26695"/>
+                  <a:pt x="2402045" y="165"/>
+                  <a:pt x="2779776" y="0"/>
+                </a:cubicBezTo>
+                <a:cubicBezTo>
+                  <a:pt x="3157507" y="-165"/>
+                  <a:pt x="3286859" y="-15571"/>
+                  <a:pt x="3474720" y="0"/>
+                </a:cubicBezTo>
+                <a:cubicBezTo>
+                  <a:pt x="3474286" y="7551"/>
+                  <a:pt x="3474253" y="9822"/>
+                  <a:pt x="3474720" y="18288"/>
+                </a:cubicBezTo>
+                <a:cubicBezTo>
+                  <a:pt x="3233904" y="29845"/>
+                  <a:pt x="2945134" y="-5256"/>
+                  <a:pt x="2779776" y="18288"/>
+                </a:cubicBezTo>
+                <a:cubicBezTo>
+                  <a:pt x="2614418" y="41832"/>
+                  <a:pt x="2339768" y="22709"/>
+                  <a:pt x="2189074" y="18288"/>
+                </a:cubicBezTo>
+                <a:cubicBezTo>
+                  <a:pt x="2038380" y="13867"/>
+                  <a:pt x="1817434" y="-4947"/>
+                  <a:pt x="1528877" y="18288"/>
+                </a:cubicBezTo>
+                <a:cubicBezTo>
+                  <a:pt x="1240320" y="41523"/>
+                  <a:pt x="1042447" y="37198"/>
+                  <a:pt x="868680" y="18288"/>
+                </a:cubicBezTo>
+                <a:cubicBezTo>
+                  <a:pt x="694913" y="-622"/>
+                  <a:pt x="233232" y="44909"/>
+                  <a:pt x="0" y="18288"/>
+                </a:cubicBezTo>
+                <a:cubicBezTo>
+                  <a:pt x="60" y="11696"/>
+                  <a:pt x="66" y="3758"/>
+                  <a:pt x="0" y="0"/>
+                </a:cubicBezTo>
+                <a:close/>
+              </a:path>
+              <a:path w="3474720" h="18288" stroke="0" extrusionOk="0">
+                <a:moveTo>
+                  <a:pt x="0" y="0"/>
+                </a:moveTo>
+                <a:cubicBezTo>
+                  <a:pt x="202328" y="-14716"/>
+                  <a:pt x="332722" y="-11499"/>
+                  <a:pt x="625450" y="0"/>
+                </a:cubicBezTo>
+                <a:cubicBezTo>
+                  <a:pt x="918178" y="11499"/>
+                  <a:pt x="1096688" y="5123"/>
+                  <a:pt x="1389888" y="0"/>
+                </a:cubicBezTo>
+                <a:cubicBezTo>
+                  <a:pt x="1683088" y="-5123"/>
+                  <a:pt x="1835981" y="-14038"/>
+                  <a:pt x="1980590" y="0"/>
+                </a:cubicBezTo>
+                <a:cubicBezTo>
+                  <a:pt x="2125199" y="14038"/>
+                  <a:pt x="2396099" y="-7203"/>
+                  <a:pt x="2571293" y="0"/>
+                </a:cubicBezTo>
+                <a:cubicBezTo>
+                  <a:pt x="2746487" y="7203"/>
+                  <a:pt x="3041609" y="-12036"/>
+                  <a:pt x="3474720" y="0"/>
+                </a:cubicBezTo>
+                <a:cubicBezTo>
+                  <a:pt x="3474638" y="4406"/>
+                  <a:pt x="3474631" y="9982"/>
+                  <a:pt x="3474720" y="18288"/>
+                </a:cubicBezTo>
+                <a:cubicBezTo>
+                  <a:pt x="3324873" y="21876"/>
+                  <a:pt x="3136771" y="12587"/>
+                  <a:pt x="2814523" y="18288"/>
+                </a:cubicBezTo>
+                <a:cubicBezTo>
+                  <a:pt x="2492275" y="23989"/>
+                  <a:pt x="2294402" y="47111"/>
+                  <a:pt x="2154326" y="18288"/>
+                </a:cubicBezTo>
+                <a:cubicBezTo>
+                  <a:pt x="2014250" y="-10535"/>
+                  <a:pt x="1820317" y="33903"/>
+                  <a:pt x="1494130" y="18288"/>
+                </a:cubicBezTo>
+                <a:cubicBezTo>
+                  <a:pt x="1167943" y="2673"/>
+                  <a:pt x="948432" y="14868"/>
+                  <a:pt x="729691" y="18288"/>
+                </a:cubicBezTo>
+                <a:cubicBezTo>
+                  <a:pt x="510950" y="21708"/>
+                  <a:pt x="264032" y="24354"/>
+                  <a:pt x="0" y="18288"/>
+                </a:cubicBezTo>
+                <a:cubicBezTo>
+                  <a:pt x="189" y="14288"/>
+                  <a:pt x="-703" y="3747"/>
+                  <a:pt x="0" y="0"/>
+                </a:cubicBezTo>
+                <a:close/>
+              </a:path>
+            </a:pathLst>
+          </a:custGeom>
+          <a:solidFill>
+            <a:schemeClr val="accent2"/>
+          </a:solidFill>
+          <a:ln w="44450" cap="rnd">
+            <a:solidFill>
+              <a:schemeClr val="accent2"/>
+            </a:solidFill>
+            <a:round/>
+            <a:extLst>
+              <a:ext uri="{C807C97D-BFC1-408E-A445-0C87EB9F89A2}">
+                <ask:lineSketchStyleProps xmlns:ask="http://schemas.microsoft.com/office/drawing/2018/sketchyshapes" sd="2863741219">
+                  <a:prstGeom prst="rect">
+                    <a:avLst/>
+                  </a:prstGeom>
+                  <ask:type>
+                    <ask:lineSketchFreehand/>
+                  </ask:type>
+                </ask:lineSketchStyleProps>
+              </a:ext>
+            </a:extLst>
+          </a:ln>
+        </p:spPr>
+        <p:style>
+          <a:lnRef idx="2">
+            <a:schemeClr val="accent1">
+              <a:shade val="50000"/>
+            </a:schemeClr>
+          </a:lnRef>
+          <a:fillRef idx="1">
+            <a:schemeClr val="accent1"/>
+          </a:fillRef>
+          <a:effectRef idx="0">
+            <a:schemeClr val="accent1"/>
+          </a:effectRef>
+          <a:fontRef idx="minor">
+            <a:schemeClr val="lt1"/>
+          </a:fontRef>
+        </p:style>
+        <p:txBody>
+          <a:bodyPr rtlCol="0" anchor="ctr"/>
+          <a:lstStyle/>
+          <a:p>
+            <a:pPr algn="ctr"/>
+            <a:endParaRPr lang="en-US"/>
+          </a:p>
+        </p:txBody>
+      </p:sp>
+      <p:sp>
+        <p:nvSpPr>
+          <p:cNvPr id="3" name="Content Placeholder 2">
+            <a:extLst>
+              <a:ext uri="{FF2B5EF4-FFF2-40B4-BE49-F238E27FC236}">
+                <a16:creationId xmlns:a16="http://schemas.microsoft.com/office/drawing/2014/main" id="{433F0D58-625A-887B-6D5C-E524A4AEACCA}"/>
+              </a:ext>
+            </a:extLst>
+          </p:cNvPr>
+          <p:cNvSpPr>
+            <a:spLocks noGrp="1"/>
+          </p:cNvSpPr>
+          <p:nvPr>
+            <p:ph idx="1"/>
+          </p:nvPr>
+        </p:nvSpPr>
+        <p:spPr>
+          <a:xfrm>
+            <a:off x="640080" y="2872899"/>
+            <a:ext cx="4243589" cy="3320668"/>
+          </a:xfrm>
+        </p:spPr>
+        <p:txBody>
+          <a:bodyPr>
+            <a:normAutofit/>
+          </a:bodyPr>
+          <a:lstStyle/>
+          <a:p>
+            <a:r>
+              <a:rPr lang="en-US" sz="2200" dirty="0"/>
+              <a:t>Assumption Checks:</a:t>
+            </a:r>
+          </a:p>
+          <a:p>
+            <a:pPr lvl="1"/>
+            <a:r>
+              <a:rPr lang="en-US" sz="2200" dirty="0"/>
+              <a:t>Uni-dimensionality (Week 4)</a:t>
+            </a:r>
+          </a:p>
+          <a:p>
+            <a:pPr lvl="1"/>
+            <a:r>
+              <a:rPr lang="en-GB" sz="2200" dirty="0"/>
+              <a:t>Tau Equivalence (Week 5)</a:t>
+            </a:r>
+          </a:p>
+          <a:p>
+            <a:pPr lvl="1"/>
+            <a:r>
+              <a:rPr lang="en-GB" sz="2200" dirty="0"/>
+              <a:t>Reliability (Week 5)</a:t>
+            </a:r>
+          </a:p>
+          <a:p>
+            <a:pPr lvl="1"/>
+            <a:r>
+              <a:rPr lang="en-GB" sz="2200" dirty="0"/>
+              <a:t>Normal Distribution (Week 2)</a:t>
+            </a:r>
+          </a:p>
+        </p:txBody>
+      </p:sp>
+      <p:pic>
+        <p:nvPicPr>
+          <p:cNvPr id="5" name="Picture 4" descr="Periodic table of elements">
+            <a:extLst>
+              <a:ext uri="{FF2B5EF4-FFF2-40B4-BE49-F238E27FC236}">
+                <a16:creationId xmlns:a16="http://schemas.microsoft.com/office/drawing/2014/main" id="{B5300B17-3ABE-759C-EC89-640B23659F45}"/>
+              </a:ext>
+            </a:extLst>
+          </p:cNvPr>
+          <p:cNvPicPr>
+            <a:picLocks noChangeAspect="1"/>
+          </p:cNvPicPr>
+          <p:nvPr/>
+        </p:nvPicPr>
+        <p:blipFill rotWithShape="1">
+          <a:blip r:embed="rId2"/>
+          <a:srcRect l="17739" r="15560"/>
+          <a:stretch/>
+        </p:blipFill>
+        <p:spPr>
+          <a:xfrm>
+            <a:off x="5311702" y="10"/>
+            <a:ext cx="6878775" cy="6857990"/>
+          </a:xfrm>
+          <a:custGeom>
+            <a:avLst/>
+            <a:gdLst/>
+            <a:ahLst/>
+            <a:cxnLst/>
+            <a:rect l="l" t="t" r="r" b="b"/>
+            <a:pathLst>
+              <a:path w="6878775" h="6858000">
+                <a:moveTo>
+                  <a:pt x="1102973" y="0"/>
+                </a:moveTo>
+                <a:lnTo>
+                  <a:pt x="1160688" y="0"/>
+                </a:lnTo>
+                <a:lnTo>
+                  <a:pt x="983189" y="331786"/>
+                </a:lnTo>
+                <a:cubicBezTo>
+                  <a:pt x="914866" y="469145"/>
+                  <a:pt x="850355" y="608712"/>
+                  <a:pt x="789261" y="750263"/>
+                </a:cubicBezTo>
+                <a:cubicBezTo>
+                  <a:pt x="774307" y="784928"/>
+                  <a:pt x="759992" y="819849"/>
+                  <a:pt x="745295" y="854514"/>
+                </a:cubicBezTo>
+                <a:cubicBezTo>
+                  <a:pt x="756682" y="845393"/>
+                  <a:pt x="765489" y="833492"/>
+                  <a:pt x="770857" y="819975"/>
+                </a:cubicBezTo>
+                <a:cubicBezTo>
+                  <a:pt x="879943" y="589569"/>
+                  <a:pt x="999605" y="365513"/>
+                  <a:pt x="1131329" y="148742"/>
+                </a:cubicBezTo>
+                <a:lnTo>
+                  <a:pt x="1227589" y="0"/>
+                </a:lnTo>
+                <a:lnTo>
+                  <a:pt x="6878775" y="0"/>
+                </a:lnTo>
+                <a:lnTo>
+                  <a:pt x="6878775" y="6858000"/>
+                </a:lnTo>
+                <a:lnTo>
+                  <a:pt x="713521" y="6858000"/>
+                </a:lnTo>
+                <a:lnTo>
+                  <a:pt x="625642" y="6670527"/>
+                </a:lnTo>
+                <a:cubicBezTo>
+                  <a:pt x="507232" y="6398531"/>
+                  <a:pt x="403083" y="6118381"/>
+                  <a:pt x="312785" y="5830359"/>
+                </a:cubicBezTo>
+                <a:cubicBezTo>
+                  <a:pt x="278149" y="5719759"/>
+                  <a:pt x="248879" y="5607635"/>
+                  <a:pt x="212198" y="5480401"/>
+                </a:cubicBezTo>
+                <a:cubicBezTo>
+                  <a:pt x="212208" y="5491601"/>
+                  <a:pt x="212803" y="5502788"/>
+                  <a:pt x="213988" y="5513923"/>
+                </a:cubicBezTo>
+                <a:cubicBezTo>
+                  <a:pt x="264089" y="5723695"/>
+                  <a:pt x="307290" y="5935370"/>
+                  <a:pt x="365826" y="6142729"/>
+                </a:cubicBezTo>
+                <a:cubicBezTo>
+                  <a:pt x="433152" y="6380817"/>
+                  <a:pt x="510068" y="6614016"/>
+                  <a:pt x="597975" y="6841549"/>
+                </a:cubicBezTo>
+                <a:lnTo>
+                  <a:pt x="604824" y="6858000"/>
+                </a:lnTo>
+                <a:lnTo>
+                  <a:pt x="552056" y="6858000"/>
+                </a:lnTo>
+                <a:lnTo>
+                  <a:pt x="539576" y="6828295"/>
+                </a:lnTo>
+                <a:cubicBezTo>
+                  <a:pt x="380597" y="6414594"/>
+                  <a:pt x="260223" y="5988893"/>
+                  <a:pt x="171555" y="5552906"/>
+                </a:cubicBezTo>
+                <a:cubicBezTo>
+                  <a:pt x="91163" y="5157998"/>
+                  <a:pt x="43746" y="4758899"/>
+                  <a:pt x="12305" y="4357388"/>
+                </a:cubicBezTo>
+                <a:cubicBezTo>
+                  <a:pt x="-14281" y="4013908"/>
+                  <a:pt x="4507" y="3672965"/>
+                  <a:pt x="46684" y="3331516"/>
+                </a:cubicBezTo>
+                <a:cubicBezTo>
+                  <a:pt x="127203" y="2664286"/>
+                  <a:pt x="277819" y="2007265"/>
+                  <a:pt x="496065" y="1371196"/>
+                </a:cubicBezTo>
+                <a:cubicBezTo>
+                  <a:pt x="636273" y="966066"/>
+                  <a:pt x="800445" y="573253"/>
+                  <a:pt x="995723" y="196614"/>
+                </a:cubicBezTo>
+                <a:close/>
+              </a:path>
+            </a:pathLst>
+          </a:custGeom>
+        </p:spPr>
+      </p:pic>
+    </p:spTree>
+    <p:extLst>
+      <p:ext uri="{BB962C8B-B14F-4D97-AF65-F5344CB8AC3E}">
+        <p14:creationId xmlns:p14="http://schemas.microsoft.com/office/powerpoint/2010/main" val="253430004"/>
+      </p:ext>
+    </p:extLst>
+  </p:cSld>
+  <p:clrMapOvr>
+    <a:masterClrMapping/>
+  </p:clrMapOvr>
+</p:sld>
+</file>
+
+<file path=ppt/slides/slide6.xml><?xml version="1.0" encoding="utf-8"?>
+<p:sld xmlns:a="http://schemas.openxmlformats.org/drawingml/2006/main" xmlns:r="http://schemas.openxmlformats.org/officeDocument/2006/relationships" xmlns:p="http://schemas.openxmlformats.org/presentationml/2006/main">
+  <p:cSld>
+    <p:bg>
+      <p:bgPr>
+        <a:solidFill>
+          <a:schemeClr val="bg1"/>
+        </a:solidFill>
+        <a:effectLst/>
+      </p:bgPr>
+    </p:bg>
+    <p:spTree>
+      <p:nvGrpSpPr>
+        <p:cNvPr id="1" name=""/>
+        <p:cNvGrpSpPr/>
+        <p:nvPr/>
+      </p:nvGrpSpPr>
+      <p:grpSpPr>
+        <a:xfrm>
+          <a:off x="0" y="0"/>
+          <a:ext cx="0" cy="0"/>
+          <a:chOff x="0" y="0"/>
+          <a:chExt cx="0" cy="0"/>
+        </a:xfrm>
+      </p:grpSpPr>
+      <p:sp useBgFill="1">
+        <p:nvSpPr>
+          <p:cNvPr id="9" name="Rectangle 8">
+            <a:extLst>
+              <a:ext uri="{FF2B5EF4-FFF2-40B4-BE49-F238E27FC236}">
+                <a16:creationId xmlns:a16="http://schemas.microsoft.com/office/drawing/2014/main" id="{F13C74B1-5B17-4795-BED0-7140497B445A}"/>
+              </a:ext>
+              <a:ext uri="{C183D7F6-B498-43B3-948B-1728B52AA6E4}">
+                <adec:decorative xmlns:adec="http://schemas.microsoft.com/office/drawing/2017/decorative" val="1"/>
+              </a:ext>
+            </a:extLst>
+          </p:cNvPr>
+          <p:cNvSpPr>
+            <a:spLocks noGrp="1" noRot="1" noChangeAspect="1" noMove="1" noResize="1" noEditPoints="1" noAdjustHandles="1" noChangeArrowheads="1" noChangeShapeType="1" noTextEdit="1"/>
+          </p:cNvSpPr>
+          <p:nvPr>
+            <p:extLst>
+              <p:ext uri="{386F3935-93C4-4BCD-93E2-E3B085C9AB24}">
+                <p16:designElem xmlns:p16="http://schemas.microsoft.com/office/powerpoint/2015/main" val="1"/>
+              </p:ext>
+            </p:extLst>
+          </p:nvPr>
+        </p:nvSpPr>
+        <p:spPr>
+          <a:xfrm>
+            <a:off x="0" y="0"/>
+            <a:ext cx="12188952" cy="6858000"/>
+          </a:xfrm>
+          <a:prstGeom prst="rect">
+            <a:avLst/>
+          </a:prstGeom>
+          <a:ln>
+            <a:noFill/>
+          </a:ln>
+        </p:spPr>
+        <p:style>
+          <a:lnRef idx="2">
+            <a:schemeClr val="accent1">
+              <a:shade val="50000"/>
+            </a:schemeClr>
+          </a:lnRef>
+          <a:fillRef idx="1">
+            <a:schemeClr val="accent1"/>
+          </a:fillRef>
+          <a:effectRef idx="0">
+            <a:schemeClr val="accent1"/>
+          </a:effectRef>
+          <a:fontRef idx="minor">
+            <a:schemeClr val="lt1"/>
+          </a:fontRef>
+        </p:style>
+        <p:txBody>
+          <a:bodyPr rtlCol="0" anchor="ctr"/>
+          <a:lstStyle/>
+          <a:p>
+            <a:pPr algn="ctr"/>
+            <a:endParaRPr lang="en-US"/>
+          </a:p>
+        </p:txBody>
+      </p:sp>
+      <p:sp>
+        <p:nvSpPr>
+          <p:cNvPr id="2" name="Title 1">
+            <a:extLst>
+              <a:ext uri="{FF2B5EF4-FFF2-40B4-BE49-F238E27FC236}">
+                <a16:creationId xmlns:a16="http://schemas.microsoft.com/office/drawing/2014/main" id="{D298D004-C879-C36B-B00A-4BD5B4F10A67}"/>
+              </a:ext>
+            </a:extLst>
+          </p:cNvPr>
+          <p:cNvSpPr>
+            <a:spLocks noGrp="1"/>
+          </p:cNvSpPr>
+          <p:nvPr>
+            <p:ph type="title"/>
+          </p:nvPr>
+        </p:nvSpPr>
+        <p:spPr>
+          <a:xfrm>
+            <a:off x="640080" y="325369"/>
+            <a:ext cx="4368602" cy="1956841"/>
+          </a:xfrm>
+        </p:spPr>
+        <p:txBody>
+          <a:bodyPr anchor="b">
+            <a:normAutofit/>
+          </a:bodyPr>
+          <a:lstStyle/>
+          <a:p>
+            <a:r>
+              <a:rPr lang="en-US" sz="5400" dirty="0" err="1"/>
+              <a:t>Summarising</a:t>
+            </a:r>
+            <a:r>
+              <a:rPr lang="en-US" sz="5400" dirty="0"/>
+              <a:t> the Measure</a:t>
+            </a:r>
+            <a:endParaRPr lang="en-GB" sz="5400" dirty="0"/>
+          </a:p>
+        </p:txBody>
+      </p:sp>
+      <p:sp>
+        <p:nvSpPr>
+          <p:cNvPr id="11" name="sketchy line">
+            <a:extLst>
+              <a:ext uri="{FF2B5EF4-FFF2-40B4-BE49-F238E27FC236}">
+                <a16:creationId xmlns:a16="http://schemas.microsoft.com/office/drawing/2014/main" id="{D4974D33-8DC5-464E-8C6D-BE58F0669C17}"/>
+              </a:ext>
+              <a:ext uri="{C183D7F6-B498-43B3-948B-1728B52AA6E4}">
+                <adec:decorative xmlns:adec="http://schemas.microsoft.com/office/drawing/2017/decorative" val="1"/>
+              </a:ext>
+            </a:extLst>
+          </p:cNvPr>
+          <p:cNvSpPr>
+            <a:spLocks noGrp="1" noRot="1" noChangeAspect="1" noMove="1" noResize="1" noEditPoints="1" noAdjustHandles="1" noChangeArrowheads="1" noChangeShapeType="1" noTextEdit="1"/>
+          </p:cNvSpPr>
+          <p:nvPr>
+            <p:extLst>
+              <p:ext uri="{386F3935-93C4-4BCD-93E2-E3B085C9AB24}">
+                <p16:designElem xmlns:p16="http://schemas.microsoft.com/office/powerpoint/2015/main" val="1"/>
+              </p:ext>
+            </p:extLst>
+          </p:nvPr>
+        </p:nvSpPr>
+        <p:spPr>
+          <a:xfrm>
+            <a:off x="640080" y="2586994"/>
+            <a:ext cx="3474720" cy="18288"/>
+          </a:xfrm>
+          <a:custGeom>
+            <a:avLst/>
+            <a:gdLst>
+              <a:gd name="connsiteX0" fmla="*/ 0 w 3474720"/>
+              <a:gd name="connsiteY0" fmla="*/ 0 h 18288"/>
+              <a:gd name="connsiteX1" fmla="*/ 694944 w 3474720"/>
+              <a:gd name="connsiteY1" fmla="*/ 0 h 18288"/>
+              <a:gd name="connsiteX2" fmla="*/ 1355141 w 3474720"/>
+              <a:gd name="connsiteY2" fmla="*/ 0 h 18288"/>
+              <a:gd name="connsiteX3" fmla="*/ 2015338 w 3474720"/>
+              <a:gd name="connsiteY3" fmla="*/ 0 h 18288"/>
+              <a:gd name="connsiteX4" fmla="*/ 2779776 w 3474720"/>
+              <a:gd name="connsiteY4" fmla="*/ 0 h 18288"/>
+              <a:gd name="connsiteX5" fmla="*/ 3474720 w 3474720"/>
+              <a:gd name="connsiteY5" fmla="*/ 0 h 18288"/>
+              <a:gd name="connsiteX6" fmla="*/ 3474720 w 3474720"/>
+              <a:gd name="connsiteY6" fmla="*/ 18288 h 18288"/>
+              <a:gd name="connsiteX7" fmla="*/ 2779776 w 3474720"/>
+              <a:gd name="connsiteY7" fmla="*/ 18288 h 18288"/>
+              <a:gd name="connsiteX8" fmla="*/ 2189074 w 3474720"/>
+              <a:gd name="connsiteY8" fmla="*/ 18288 h 18288"/>
+              <a:gd name="connsiteX9" fmla="*/ 1528877 w 3474720"/>
+              <a:gd name="connsiteY9" fmla="*/ 18288 h 18288"/>
+              <a:gd name="connsiteX10" fmla="*/ 868680 w 3474720"/>
+              <a:gd name="connsiteY10" fmla="*/ 18288 h 18288"/>
+              <a:gd name="connsiteX11" fmla="*/ 0 w 3474720"/>
+              <a:gd name="connsiteY11" fmla="*/ 18288 h 18288"/>
+              <a:gd name="connsiteX12" fmla="*/ 0 w 3474720"/>
+              <a:gd name="connsiteY12" fmla="*/ 0 h 18288"/>
+            </a:gdLst>
+            <a:ahLst/>
+            <a:cxnLst>
+              <a:cxn ang="0">
+                <a:pos x="connsiteX0" y="connsiteY0"/>
+              </a:cxn>
+              <a:cxn ang="0">
+                <a:pos x="connsiteX1" y="connsiteY1"/>
+              </a:cxn>
+              <a:cxn ang="0">
+                <a:pos x="connsiteX2" y="connsiteY2"/>
+              </a:cxn>
+              <a:cxn ang="0">
+                <a:pos x="connsiteX3" y="connsiteY3"/>
+              </a:cxn>
+              <a:cxn ang="0">
+                <a:pos x="connsiteX4" y="connsiteY4"/>
+              </a:cxn>
+              <a:cxn ang="0">
+                <a:pos x="connsiteX5" y="connsiteY5"/>
+              </a:cxn>
+              <a:cxn ang="0">
+                <a:pos x="connsiteX6" y="connsiteY6"/>
+              </a:cxn>
+              <a:cxn ang="0">
+                <a:pos x="connsiteX7" y="connsiteY7"/>
+              </a:cxn>
+              <a:cxn ang="0">
+                <a:pos x="connsiteX8" y="connsiteY8"/>
+              </a:cxn>
+              <a:cxn ang="0">
+                <a:pos x="connsiteX9" y="connsiteY9"/>
+              </a:cxn>
+              <a:cxn ang="0">
+                <a:pos x="connsiteX10" y="connsiteY10"/>
+              </a:cxn>
+              <a:cxn ang="0">
+                <a:pos x="connsiteX11" y="connsiteY11"/>
+              </a:cxn>
+              <a:cxn ang="0">
+                <a:pos x="connsiteX12" y="connsiteY12"/>
+              </a:cxn>
+            </a:cxnLst>
+            <a:rect l="l" t="t" r="r" b="b"/>
+            <a:pathLst>
+              <a:path w="3474720" h="18288" fill="none" extrusionOk="0">
+                <a:moveTo>
+                  <a:pt x="0" y="0"/>
+                </a:moveTo>
+                <a:cubicBezTo>
+                  <a:pt x="224454" y="-14544"/>
+                  <a:pt x="495407" y="26540"/>
+                  <a:pt x="694944" y="0"/>
+                </a:cubicBezTo>
+                <a:cubicBezTo>
+                  <a:pt x="894481" y="-26540"/>
+                  <a:pt x="1130063" y="24713"/>
+                  <a:pt x="1355141" y="0"/>
+                </a:cubicBezTo>
+                <a:cubicBezTo>
+                  <a:pt x="1580219" y="-24713"/>
+                  <a:pt x="1820099" y="26695"/>
+                  <a:pt x="2015338" y="0"/>
+                </a:cubicBezTo>
+                <a:cubicBezTo>
+                  <a:pt x="2210577" y="-26695"/>
+                  <a:pt x="2402045" y="165"/>
+                  <a:pt x="2779776" y="0"/>
+                </a:cubicBezTo>
+                <a:cubicBezTo>
+                  <a:pt x="3157507" y="-165"/>
+                  <a:pt x="3286859" y="-15571"/>
+                  <a:pt x="3474720" y="0"/>
+                </a:cubicBezTo>
+                <a:cubicBezTo>
+                  <a:pt x="3474286" y="7551"/>
+                  <a:pt x="3474253" y="9822"/>
+                  <a:pt x="3474720" y="18288"/>
+                </a:cubicBezTo>
+                <a:cubicBezTo>
+                  <a:pt x="3233904" y="29845"/>
+                  <a:pt x="2945134" y="-5256"/>
+                  <a:pt x="2779776" y="18288"/>
+                </a:cubicBezTo>
+                <a:cubicBezTo>
+                  <a:pt x="2614418" y="41832"/>
+                  <a:pt x="2339768" y="22709"/>
+                  <a:pt x="2189074" y="18288"/>
+                </a:cubicBezTo>
+                <a:cubicBezTo>
+                  <a:pt x="2038380" y="13867"/>
+                  <a:pt x="1817434" y="-4947"/>
+                  <a:pt x="1528877" y="18288"/>
+                </a:cubicBezTo>
+                <a:cubicBezTo>
+                  <a:pt x="1240320" y="41523"/>
+                  <a:pt x="1042447" y="37198"/>
+                  <a:pt x="868680" y="18288"/>
+                </a:cubicBezTo>
+                <a:cubicBezTo>
+                  <a:pt x="694913" y="-622"/>
+                  <a:pt x="233232" y="44909"/>
+                  <a:pt x="0" y="18288"/>
+                </a:cubicBezTo>
+                <a:cubicBezTo>
+                  <a:pt x="60" y="11696"/>
+                  <a:pt x="66" y="3758"/>
+                  <a:pt x="0" y="0"/>
+                </a:cubicBezTo>
+                <a:close/>
+              </a:path>
+              <a:path w="3474720" h="18288" stroke="0" extrusionOk="0">
+                <a:moveTo>
+                  <a:pt x="0" y="0"/>
+                </a:moveTo>
+                <a:cubicBezTo>
+                  <a:pt x="202328" y="-14716"/>
+                  <a:pt x="332722" y="-11499"/>
+                  <a:pt x="625450" y="0"/>
+                </a:cubicBezTo>
+                <a:cubicBezTo>
+                  <a:pt x="918178" y="11499"/>
+                  <a:pt x="1096688" y="5123"/>
+                  <a:pt x="1389888" y="0"/>
+                </a:cubicBezTo>
+                <a:cubicBezTo>
+                  <a:pt x="1683088" y="-5123"/>
+                  <a:pt x="1835981" y="-14038"/>
+                  <a:pt x="1980590" y="0"/>
+                </a:cubicBezTo>
+                <a:cubicBezTo>
+                  <a:pt x="2125199" y="14038"/>
+                  <a:pt x="2396099" y="-7203"/>
+                  <a:pt x="2571293" y="0"/>
+                </a:cubicBezTo>
+                <a:cubicBezTo>
+                  <a:pt x="2746487" y="7203"/>
+                  <a:pt x="3041609" y="-12036"/>
+                  <a:pt x="3474720" y="0"/>
+                </a:cubicBezTo>
+                <a:cubicBezTo>
+                  <a:pt x="3474638" y="4406"/>
+                  <a:pt x="3474631" y="9982"/>
+                  <a:pt x="3474720" y="18288"/>
+                </a:cubicBezTo>
+                <a:cubicBezTo>
+                  <a:pt x="3324873" y="21876"/>
+                  <a:pt x="3136771" y="12587"/>
+                  <a:pt x="2814523" y="18288"/>
+                </a:cubicBezTo>
+                <a:cubicBezTo>
+                  <a:pt x="2492275" y="23989"/>
+                  <a:pt x="2294402" y="47111"/>
+                  <a:pt x="2154326" y="18288"/>
+                </a:cubicBezTo>
+                <a:cubicBezTo>
+                  <a:pt x="2014250" y="-10535"/>
+                  <a:pt x="1820317" y="33903"/>
+                  <a:pt x="1494130" y="18288"/>
+                </a:cubicBezTo>
+                <a:cubicBezTo>
+                  <a:pt x="1167943" y="2673"/>
+                  <a:pt x="948432" y="14868"/>
+                  <a:pt x="729691" y="18288"/>
+                </a:cubicBezTo>
+                <a:cubicBezTo>
+                  <a:pt x="510950" y="21708"/>
+                  <a:pt x="264032" y="24354"/>
+                  <a:pt x="0" y="18288"/>
+                </a:cubicBezTo>
+                <a:cubicBezTo>
+                  <a:pt x="189" y="14288"/>
+                  <a:pt x="-703" y="3747"/>
+                  <a:pt x="0" y="0"/>
+                </a:cubicBezTo>
+                <a:close/>
+              </a:path>
+            </a:pathLst>
+          </a:custGeom>
+          <a:solidFill>
+            <a:schemeClr val="accent2"/>
+          </a:solidFill>
+          <a:ln w="44450" cap="rnd">
+            <a:solidFill>
+              <a:schemeClr val="accent2"/>
+            </a:solidFill>
+            <a:round/>
+            <a:extLst>
+              <a:ext uri="{C807C97D-BFC1-408E-A445-0C87EB9F89A2}">
+                <ask:lineSketchStyleProps xmlns:ask="http://schemas.microsoft.com/office/drawing/2018/sketchyshapes" sd="2863741219">
+                  <a:prstGeom prst="rect">
+                    <a:avLst/>
+                  </a:prstGeom>
+                  <ask:type>
+                    <ask:lineSketchFreehand/>
+                  </ask:type>
+                </ask:lineSketchStyleProps>
+              </a:ext>
+            </a:extLst>
+          </a:ln>
+        </p:spPr>
+        <p:style>
+          <a:lnRef idx="2">
+            <a:schemeClr val="accent1">
+              <a:shade val="50000"/>
+            </a:schemeClr>
+          </a:lnRef>
+          <a:fillRef idx="1">
+            <a:schemeClr val="accent1"/>
+          </a:fillRef>
+          <a:effectRef idx="0">
+            <a:schemeClr val="accent1"/>
+          </a:effectRef>
+          <a:fontRef idx="minor">
+            <a:schemeClr val="lt1"/>
+          </a:fontRef>
+        </p:style>
+        <p:txBody>
+          <a:bodyPr rtlCol="0" anchor="ctr"/>
+          <a:lstStyle/>
+          <a:p>
+            <a:pPr algn="ctr"/>
+            <a:endParaRPr lang="en-US"/>
+          </a:p>
+        </p:txBody>
+      </p:sp>
+      <p:sp>
+        <p:nvSpPr>
+          <p:cNvPr id="3" name="Content Placeholder 2">
+            <a:extLst>
+              <a:ext uri="{FF2B5EF4-FFF2-40B4-BE49-F238E27FC236}">
+                <a16:creationId xmlns:a16="http://schemas.microsoft.com/office/drawing/2014/main" id="{433F0D58-625A-887B-6D5C-E524A4AEACCA}"/>
+              </a:ext>
+            </a:extLst>
+          </p:cNvPr>
+          <p:cNvSpPr>
+            <a:spLocks noGrp="1"/>
+          </p:cNvSpPr>
+          <p:nvPr>
+            <p:ph idx="1"/>
+          </p:nvPr>
+        </p:nvSpPr>
+        <p:spPr>
+          <a:xfrm>
+            <a:off x="640080" y="2872899"/>
+            <a:ext cx="4528820" cy="3320668"/>
+          </a:xfrm>
+        </p:spPr>
+        <p:txBody>
+          <a:bodyPr>
+            <a:normAutofit lnSpcReduction="10000"/>
+          </a:bodyPr>
+          <a:lstStyle/>
+          <a:p>
+            <a:r>
+              <a:rPr lang="en-US" dirty="0"/>
+              <a:t>Summary Statistics (Week 2)</a:t>
+            </a:r>
+          </a:p>
+          <a:p>
+            <a:pPr lvl="1"/>
+            <a:r>
+              <a:rPr lang="en-US" dirty="0"/>
+              <a:t>Mean</a:t>
+            </a:r>
+          </a:p>
+          <a:p>
+            <a:pPr lvl="1"/>
+            <a:r>
+              <a:rPr lang="en-US" dirty="0"/>
+              <a:t>Standard Deviation</a:t>
+            </a:r>
+          </a:p>
+          <a:p>
+            <a:r>
+              <a:rPr lang="en-US" dirty="0" err="1"/>
+              <a:t>Standardised</a:t>
+            </a:r>
+            <a:r>
+              <a:rPr lang="en-US" dirty="0"/>
+              <a:t> Scores (Week 2, Follow-up Week 6)</a:t>
+            </a:r>
+          </a:p>
+          <a:p>
+            <a:pPr lvl="1"/>
+            <a:r>
+              <a:rPr lang="en-US" dirty="0"/>
+              <a:t>Z scores</a:t>
+            </a:r>
+          </a:p>
+          <a:p>
+            <a:pPr lvl="1"/>
+            <a:r>
+              <a:rPr lang="en-US" dirty="0"/>
+              <a:t>T Scores</a:t>
+            </a:r>
+          </a:p>
+          <a:p>
+            <a:pPr lvl="1"/>
+            <a:r>
+              <a:rPr lang="en-US" dirty="0" err="1"/>
+              <a:t>Sten</a:t>
+            </a:r>
+            <a:r>
+              <a:rPr lang="en-US" dirty="0"/>
+              <a:t>/Stanine</a:t>
+            </a:r>
+          </a:p>
+        </p:txBody>
+      </p:sp>
+      <p:pic>
+        <p:nvPicPr>
+          <p:cNvPr id="5" name="Picture 4" descr="Periodic table of elements">
+            <a:extLst>
+              <a:ext uri="{FF2B5EF4-FFF2-40B4-BE49-F238E27FC236}">
+                <a16:creationId xmlns:a16="http://schemas.microsoft.com/office/drawing/2014/main" id="{B5300B17-3ABE-759C-EC89-640B23659F45}"/>
+              </a:ext>
+            </a:extLst>
+          </p:cNvPr>
+          <p:cNvPicPr>
+            <a:picLocks noChangeAspect="1"/>
+          </p:cNvPicPr>
+          <p:nvPr/>
+        </p:nvPicPr>
+        <p:blipFill rotWithShape="1">
+          <a:blip r:embed="rId2"/>
+          <a:srcRect l="17739" r="15560"/>
+          <a:stretch/>
+        </p:blipFill>
+        <p:spPr>
+          <a:xfrm>
+            <a:off x="5311702" y="10"/>
+            <a:ext cx="6878775" cy="6857990"/>
+          </a:xfrm>
+          <a:custGeom>
+            <a:avLst/>
+            <a:gdLst/>
+            <a:ahLst/>
+            <a:cxnLst/>
+            <a:rect l="l" t="t" r="r" b="b"/>
+            <a:pathLst>
+              <a:path w="6878775" h="6858000">
+                <a:moveTo>
+                  <a:pt x="1102973" y="0"/>
+                </a:moveTo>
+                <a:lnTo>
+                  <a:pt x="1160688" y="0"/>
+                </a:lnTo>
+                <a:lnTo>
+                  <a:pt x="983189" y="331786"/>
+                </a:lnTo>
+                <a:cubicBezTo>
+                  <a:pt x="914866" y="469145"/>
+                  <a:pt x="850355" y="608712"/>
+                  <a:pt x="789261" y="750263"/>
+                </a:cubicBezTo>
+                <a:cubicBezTo>
+                  <a:pt x="774307" y="784928"/>
+                  <a:pt x="759992" y="819849"/>
+                  <a:pt x="745295" y="854514"/>
+                </a:cubicBezTo>
+                <a:cubicBezTo>
+                  <a:pt x="756682" y="845393"/>
+                  <a:pt x="765489" y="833492"/>
+                  <a:pt x="770857" y="819975"/>
+                </a:cubicBezTo>
+                <a:cubicBezTo>
+                  <a:pt x="879943" y="589569"/>
+                  <a:pt x="999605" y="365513"/>
+                  <a:pt x="1131329" y="148742"/>
+                </a:cubicBezTo>
+                <a:lnTo>
+                  <a:pt x="1227589" y="0"/>
+                </a:lnTo>
+                <a:lnTo>
+                  <a:pt x="6878775" y="0"/>
+                </a:lnTo>
+                <a:lnTo>
+                  <a:pt x="6878775" y="6858000"/>
+                </a:lnTo>
+                <a:lnTo>
+                  <a:pt x="713521" y="6858000"/>
+                </a:lnTo>
+                <a:lnTo>
+                  <a:pt x="625642" y="6670527"/>
+                </a:lnTo>
+                <a:cubicBezTo>
+                  <a:pt x="507232" y="6398531"/>
+                  <a:pt x="403083" y="6118381"/>
+                  <a:pt x="312785" y="5830359"/>
+                </a:cubicBezTo>
+                <a:cubicBezTo>
+                  <a:pt x="278149" y="5719759"/>
+                  <a:pt x="248879" y="5607635"/>
+                  <a:pt x="212198" y="5480401"/>
+                </a:cubicBezTo>
+                <a:cubicBezTo>
+                  <a:pt x="212208" y="5491601"/>
+                  <a:pt x="212803" y="5502788"/>
+                  <a:pt x="213988" y="5513923"/>
+                </a:cubicBezTo>
+                <a:cubicBezTo>
+                  <a:pt x="264089" y="5723695"/>
+                  <a:pt x="307290" y="5935370"/>
+                  <a:pt x="365826" y="6142729"/>
+                </a:cubicBezTo>
+                <a:cubicBezTo>
+                  <a:pt x="433152" y="6380817"/>
+                  <a:pt x="510068" y="6614016"/>
+                  <a:pt x="597975" y="6841549"/>
+                </a:cubicBezTo>
+                <a:lnTo>
+                  <a:pt x="604824" y="6858000"/>
+                </a:lnTo>
+                <a:lnTo>
+                  <a:pt x="552056" y="6858000"/>
+                </a:lnTo>
+                <a:lnTo>
+                  <a:pt x="539576" y="6828295"/>
+                </a:lnTo>
+                <a:cubicBezTo>
+                  <a:pt x="380597" y="6414594"/>
+                  <a:pt x="260223" y="5988893"/>
+                  <a:pt x="171555" y="5552906"/>
+                </a:cubicBezTo>
+                <a:cubicBezTo>
+                  <a:pt x="91163" y="5157998"/>
+                  <a:pt x="43746" y="4758899"/>
+                  <a:pt x="12305" y="4357388"/>
+                </a:cubicBezTo>
+                <a:cubicBezTo>
+                  <a:pt x="-14281" y="4013908"/>
+                  <a:pt x="4507" y="3672965"/>
+                  <a:pt x="46684" y="3331516"/>
+                </a:cubicBezTo>
+                <a:cubicBezTo>
+                  <a:pt x="127203" y="2664286"/>
+                  <a:pt x="277819" y="2007265"/>
+                  <a:pt x="496065" y="1371196"/>
+                </a:cubicBezTo>
+                <a:cubicBezTo>
+                  <a:pt x="636273" y="966066"/>
+                  <a:pt x="800445" y="573253"/>
+                  <a:pt x="995723" y="196614"/>
+                </a:cubicBezTo>
+                <a:close/>
+              </a:path>
+            </a:pathLst>
+          </a:custGeom>
+        </p:spPr>
+      </p:pic>
+    </p:spTree>
+    <p:extLst>
+      <p:ext uri="{BB962C8B-B14F-4D97-AF65-F5344CB8AC3E}">
+        <p14:creationId xmlns:p14="http://schemas.microsoft.com/office/powerpoint/2010/main" val="1136739647"/>
+      </p:ext>
+    </p:extLst>
+  </p:cSld>
+  <p:clrMapOvr>
+    <a:masterClrMapping/>
+  </p:clrMapOvr>
+</p:sld>
+</file>
+
+<file path=ppt/slides/slide7.xml><?xml version="1.0" encoding="utf-8"?>
+<p:sld xmlns:a="http://schemas.openxmlformats.org/drawingml/2006/main" xmlns:r="http://schemas.openxmlformats.org/officeDocument/2006/relationships" xmlns:p="http://schemas.openxmlformats.org/presentationml/2006/main">
+  <p:cSld>
+    <p:bg>
+      <p:bgPr>
+        <a:solidFill>
+          <a:schemeClr val="bg1"/>
+        </a:solidFill>
+        <a:effectLst/>
+      </p:bgPr>
+    </p:bg>
+    <p:spTree>
+      <p:nvGrpSpPr>
+        <p:cNvPr id="1" name=""/>
+        <p:cNvGrpSpPr/>
+        <p:nvPr/>
+      </p:nvGrpSpPr>
+      <p:grpSpPr>
+        <a:xfrm>
+          <a:off x="0" y="0"/>
+          <a:ext cx="0" cy="0"/>
+          <a:chOff x="0" y="0"/>
+          <a:chExt cx="0" cy="0"/>
+        </a:xfrm>
+      </p:grpSpPr>
+      <p:sp useBgFill="1">
+        <p:nvSpPr>
+          <p:cNvPr id="9" name="Rectangle 8">
+            <a:extLst>
+              <a:ext uri="{FF2B5EF4-FFF2-40B4-BE49-F238E27FC236}">
+                <a16:creationId xmlns:a16="http://schemas.microsoft.com/office/drawing/2014/main" id="{6CCA5F87-1D1E-45CB-8D83-FC7EEFAD9935}"/>
+              </a:ext>
+              <a:ext uri="{C183D7F6-B498-43B3-948B-1728B52AA6E4}">
+                <adec:decorative xmlns:adec="http://schemas.microsoft.com/office/drawing/2017/decorative" val="1"/>
+              </a:ext>
+            </a:extLst>
+          </p:cNvPr>
+          <p:cNvSpPr>
+            <a:spLocks noGrp="1" noRot="1" noChangeAspect="1" noMove="1" noResize="1" noEditPoints="1" noAdjustHandles="1" noChangeArrowheads="1" noChangeShapeType="1" noTextEdit="1"/>
+          </p:cNvSpPr>
+          <p:nvPr>
+            <p:extLst>
+              <p:ext uri="{386F3935-93C4-4BCD-93E2-E3B085C9AB24}">
+                <p16:designElem xmlns:p16="http://schemas.microsoft.com/office/powerpoint/2015/main" val="1"/>
+              </p:ext>
+            </p:extLst>
+          </p:nvPr>
+        </p:nvSpPr>
+        <p:spPr>
+          <a:xfrm>
+            <a:off x="0" y="0"/>
+            <a:ext cx="12192000" cy="6858000"/>
+          </a:xfrm>
+          <a:prstGeom prst="rect">
+            <a:avLst/>
+          </a:prstGeom>
+          <a:ln>
+            <a:noFill/>
+          </a:ln>
+        </p:spPr>
+        <p:style>
+          <a:lnRef idx="2">
+            <a:schemeClr val="accent1">
+              <a:shade val="50000"/>
+            </a:schemeClr>
+          </a:lnRef>
+          <a:fillRef idx="1">
+            <a:schemeClr val="accent1"/>
+          </a:fillRef>
+          <a:effectRef idx="0">
+            <a:schemeClr val="accent1"/>
+          </a:effectRef>
+          <a:fontRef idx="minor">
+            <a:schemeClr val="lt1"/>
+          </a:fontRef>
+        </p:style>
+        <p:txBody>
+          <a:bodyPr rtlCol="0" anchor="ctr"/>
+          <a:lstStyle/>
+          <a:p>
+            <a:pPr algn="ctr"/>
+            <a:endParaRPr lang="en-US"/>
+          </a:p>
+        </p:txBody>
+      </p:sp>
+      <p:pic>
+        <p:nvPicPr>
+          <p:cNvPr id="5" name="Picture 4">
+            <a:extLst>
+              <a:ext uri="{FF2B5EF4-FFF2-40B4-BE49-F238E27FC236}">
+                <a16:creationId xmlns:a16="http://schemas.microsoft.com/office/drawing/2014/main" id="{7FF22027-96A3-52C1-09F3-C12D05313B90}"/>
+              </a:ext>
+            </a:extLst>
+          </p:cNvPr>
+          <p:cNvPicPr>
+            <a:picLocks noChangeAspect="1"/>
+          </p:cNvPicPr>
+          <p:nvPr/>
+        </p:nvPicPr>
+        <p:blipFill rotWithShape="1">
+          <a:blip r:embed="rId2"/>
+          <a:srcRect l="24476" r="2" b="2"/>
+          <a:stretch/>
+        </p:blipFill>
+        <p:spPr>
+          <a:xfrm>
+            <a:off x="20" y="10"/>
+            <a:ext cx="8668492" cy="6857990"/>
+          </a:xfrm>
+          <a:prstGeom prst="rect">
+            <a:avLst/>
+          </a:prstGeom>
+        </p:spPr>
+      </p:pic>
+      <p:sp>
+        <p:nvSpPr>
+          <p:cNvPr id="11" name="Rectangle 10">
+            <a:extLst>
+              <a:ext uri="{FF2B5EF4-FFF2-40B4-BE49-F238E27FC236}">
+                <a16:creationId xmlns:a16="http://schemas.microsoft.com/office/drawing/2014/main" id="{7CCFC2C6-6238-4A2F-93DE-2ADF74AF635E}"/>
+              </a:ext>
+              <a:ext uri="{C183D7F6-B498-43B3-948B-1728B52AA6E4}">
+                <adec:decorative xmlns:adec="http://schemas.microsoft.com/office/drawing/2017/decorative" val="1"/>
+              </a:ext>
+            </a:extLst>
+          </p:cNvPr>
+          <p:cNvSpPr>
+            <a:spLocks noGrp="1" noRot="1" noChangeAspect="1" noMove="1" noResize="1" noEditPoints="1" noAdjustHandles="1" noChangeArrowheads="1" noChangeShapeType="1" noTextEdit="1"/>
+          </p:cNvSpPr>
+          <p:nvPr>
+            <p:extLst>
+              <p:ext uri="{386F3935-93C4-4BCD-93E2-E3B085C9AB24}">
+                <p16:designElem xmlns:p16="http://schemas.microsoft.com/office/powerpoint/2015/main" val="1"/>
+              </p:ext>
+            </p:extLst>
+          </p:nvPr>
+        </p:nvSpPr>
+        <p:spPr>
+          <a:xfrm flipH="1">
+            <a:off x="3711652" y="0"/>
+            <a:ext cx="8480347" cy="6858000"/>
+          </a:xfrm>
+          <a:prstGeom prst="rect">
+            <a:avLst/>
+          </a:prstGeom>
+          <a:gradFill>
+            <a:gsLst>
+              <a:gs pos="48000">
+                <a:schemeClr val="bg1"/>
+              </a:gs>
+              <a:gs pos="35000">
+                <a:schemeClr val="bg1">
+                  <a:alpha val="77000"/>
+                </a:schemeClr>
+              </a:gs>
+              <a:gs pos="19000">
+                <a:schemeClr val="bg1">
+                  <a:alpha val="38000"/>
+                </a:schemeClr>
+              </a:gs>
+              <a:gs pos="0">
+                <a:schemeClr val="bg1">
+                  <a:alpha val="0"/>
+                </a:schemeClr>
+              </a:gs>
+              <a:gs pos="100000">
+                <a:schemeClr val="bg1"/>
+              </a:gs>
+            </a:gsLst>
+            <a:lin ang="10800000" scaled="0"/>
+          </a:gradFill>
+          <a:ln>
+            <a:noFill/>
+          </a:ln>
+        </p:spPr>
+        <p:style>
+          <a:lnRef idx="2">
+            <a:schemeClr val="accent1">
+              <a:shade val="50000"/>
+            </a:schemeClr>
+          </a:lnRef>
+          <a:fillRef idx="1">
+            <a:schemeClr val="accent1"/>
+          </a:fillRef>
+          <a:effectRef idx="0">
+            <a:schemeClr val="accent1"/>
+          </a:effectRef>
+          <a:fontRef idx="minor">
+            <a:schemeClr val="lt1"/>
+          </a:fontRef>
+        </p:style>
+        <p:txBody>
+          <a:bodyPr rtlCol="0" anchor="ctr"/>
+          <a:lstStyle/>
+          <a:p>
+            <a:pPr algn="ctr"/>
+            <a:endParaRPr lang="en-US" dirty="0"/>
+          </a:p>
+        </p:txBody>
+      </p:sp>
+      <p:sp>
+        <p:nvSpPr>
+          <p:cNvPr id="2" name="Title 1">
+            <a:extLst>
+              <a:ext uri="{FF2B5EF4-FFF2-40B4-BE49-F238E27FC236}">
+                <a16:creationId xmlns:a16="http://schemas.microsoft.com/office/drawing/2014/main" id="{A390C88C-2C1E-C018-0F33-DFE0B210696E}"/>
+              </a:ext>
+            </a:extLst>
+          </p:cNvPr>
+          <p:cNvSpPr>
+            <a:spLocks noGrp="1"/>
+          </p:cNvSpPr>
+          <p:nvPr>
+            <p:ph type="title"/>
+          </p:nvPr>
+        </p:nvSpPr>
+        <p:spPr>
+          <a:xfrm>
+            <a:off x="7848600" y="1122363"/>
+            <a:ext cx="4023360" cy="3204134"/>
+          </a:xfrm>
+        </p:spPr>
+        <p:txBody>
+          <a:bodyPr vert="horz" lIns="91440" tIns="45720" rIns="91440" bIns="45720" rtlCol="0" anchor="b">
+            <a:normAutofit/>
+          </a:bodyPr>
+          <a:lstStyle/>
+          <a:p>
+            <a:r>
+              <a:rPr lang="en-US" sz="4800" dirty="0"/>
+              <a:t>Still to Do</a:t>
+            </a:r>
+          </a:p>
+        </p:txBody>
+      </p:sp>
+      <p:sp>
+        <p:nvSpPr>
+          <p:cNvPr id="3" name="Text Placeholder 2">
+            <a:extLst>
+              <a:ext uri="{FF2B5EF4-FFF2-40B4-BE49-F238E27FC236}">
+                <a16:creationId xmlns:a16="http://schemas.microsoft.com/office/drawing/2014/main" id="{5490EA6F-186B-B15C-6663-49947F9AC37D}"/>
+              </a:ext>
+            </a:extLst>
+          </p:cNvPr>
+          <p:cNvSpPr>
+            <a:spLocks noGrp="1"/>
+          </p:cNvSpPr>
+          <p:nvPr>
+            <p:ph type="body" idx="1"/>
+          </p:nvPr>
+        </p:nvSpPr>
+        <p:spPr>
+          <a:xfrm>
+            <a:off x="7848600" y="4872922"/>
+            <a:ext cx="4023360" cy="1208141"/>
+          </a:xfrm>
+        </p:spPr>
+        <p:txBody>
+          <a:bodyPr vert="horz" lIns="91440" tIns="45720" rIns="91440" bIns="45720" rtlCol="0">
+            <a:normAutofit/>
+          </a:bodyPr>
+          <a:lstStyle/>
+          <a:p>
+            <a:endParaRPr lang="en-US" sz="2000">
+              <a:solidFill>
+                <a:schemeClr val="tx1"/>
+              </a:solidFill>
+            </a:endParaRPr>
+          </a:p>
+        </p:txBody>
+      </p:sp>
+      <p:sp>
+        <p:nvSpPr>
+          <p:cNvPr id="13" name="Rectangle 12">
+            <a:extLst>
+              <a:ext uri="{FF2B5EF4-FFF2-40B4-BE49-F238E27FC236}">
+                <a16:creationId xmlns:a16="http://schemas.microsoft.com/office/drawing/2014/main" id="{AF2F604E-43BE-4DC3-B983-E071523364F8}"/>
+              </a:ext>
+              <a:ext uri="{C183D7F6-B498-43B3-948B-1728B52AA6E4}">
+                <adec:decorative xmlns:adec="http://schemas.microsoft.com/office/drawing/2017/decorative" val="1"/>
+              </a:ext>
+            </a:extLst>
+          </p:cNvPr>
+          <p:cNvSpPr>
+            <a:spLocks noGrp="1" noRot="1" noChangeAspect="1" noMove="1" noResize="1" noEditPoints="1" noAdjustHandles="1" noChangeArrowheads="1" noChangeShapeType="1" noTextEdit="1"/>
+          </p:cNvSpPr>
+          <p:nvPr>
+            <p:extLst>
+              <p:ext uri="{386F3935-93C4-4BCD-93E2-E3B085C9AB24}">
+                <p16:designElem xmlns:p16="http://schemas.microsoft.com/office/powerpoint/2015/main" val="1"/>
+              </p:ext>
+            </p:extLst>
+          </p:nvPr>
+        </p:nvSpPr>
+        <p:spPr>
+          <a:xfrm rot="5400000">
+            <a:off x="8130540" y="346791"/>
+            <a:ext cx="146304" cy="704088"/>
+          </a:xfrm>
+          <a:prstGeom prst="rect">
+            <a:avLst/>
+          </a:prstGeom>
+          <a:solidFill>
+            <a:schemeClr val="accent2"/>
+          </a:solidFill>
+          <a:ln>
+            <a:noFill/>
+          </a:ln>
+        </p:spPr>
+        <p:style>
+          <a:lnRef idx="2">
+            <a:schemeClr val="accent1">
+              <a:shade val="50000"/>
+            </a:schemeClr>
+          </a:lnRef>
+          <a:fillRef idx="1">
+            <a:schemeClr val="accent1"/>
+          </a:fillRef>
+          <a:effectRef idx="0">
+            <a:schemeClr val="accent1"/>
+          </a:effectRef>
+          <a:fontRef idx="minor">
+            <a:schemeClr val="lt1"/>
+          </a:fontRef>
+        </p:style>
+        <p:txBody>
+          <a:bodyPr rtlCol="0" anchor="ctr"/>
+          <a:lstStyle/>
+          <a:p>
+            <a:pPr algn="ctr"/>
+            <a:endParaRPr lang="en-US">
+              <a:solidFill>
+                <a:prstClr val="white"/>
+              </a:solidFill>
+              <a:latin typeface="Calibri" panose="020F0502020204030204"/>
+            </a:endParaRPr>
+          </a:p>
+        </p:txBody>
+      </p:sp>
+      <p:sp>
+        <p:nvSpPr>
+          <p:cNvPr id="15" name="Rectangle 14">
+            <a:extLst>
+              <a:ext uri="{FF2B5EF4-FFF2-40B4-BE49-F238E27FC236}">
+                <a16:creationId xmlns:a16="http://schemas.microsoft.com/office/drawing/2014/main" id="{08C9B587-E65E-4B52-B37C-ABEBB6E87928}"/>
+              </a:ext>
+              <a:ext uri="{C183D7F6-B498-43B3-948B-1728B52AA6E4}">
+                <adec:decorative xmlns:adec="http://schemas.microsoft.com/office/drawing/2017/decorative" val="1"/>
+              </a:ext>
+            </a:extLst>
+          </p:cNvPr>
+          <p:cNvSpPr>
+            <a:spLocks noGrp="1" noRot="1" noChangeAspect="1" noMove="1" noResize="1" noEditPoints="1" noAdjustHandles="1" noChangeArrowheads="1" noChangeShapeType="1" noTextEdit="1"/>
+          </p:cNvSpPr>
+          <p:nvPr>
+            <p:extLst>
+              <p:ext uri="{386F3935-93C4-4BCD-93E2-E3B085C9AB24}">
+                <p16:designElem xmlns:p16="http://schemas.microsoft.com/office/powerpoint/2015/main" val="1"/>
+              </p:ext>
+            </p:extLst>
+          </p:nvPr>
+        </p:nvSpPr>
+        <p:spPr>
+          <a:xfrm>
+            <a:off x="7851648" y="4546920"/>
+            <a:ext cx="4023360" cy="18288"/>
+          </a:xfrm>
+          <a:prstGeom prst="rect">
+            <a:avLst/>
+          </a:prstGeom>
+          <a:solidFill>
+            <a:srgbClr val="D5D5D5"/>
+          </a:solidFill>
+          <a:ln w="3175">
+            <a:noFill/>
+          </a:ln>
+          <a:effectLst/>
+        </p:spPr>
+        <p:style>
+          <a:lnRef idx="2">
+            <a:schemeClr val="accent1">
+              <a:shade val="50000"/>
+            </a:schemeClr>
+          </a:lnRef>
+          <a:fillRef idx="1">
+            <a:schemeClr val="accent1"/>
+          </a:fillRef>
+          <a:effectRef idx="0">
+            <a:schemeClr val="accent1"/>
+          </a:effectRef>
+          <a:fontRef idx="minor">
+            <a:schemeClr val="lt1"/>
+          </a:fontRef>
+        </p:style>
+        <p:txBody>
+          <a:bodyPr rtlCol="0" anchor="ctr"/>
+          <a:lstStyle/>
+          <a:p>
+            <a:pPr marL="0" marR="0" lvl="0" indent="0" algn="ctr" defTabSz="914400" rtl="0" eaLnBrk="1" fontAlgn="auto" latinLnBrk="0" hangingPunct="1">
+              <a:lnSpc>
+                <a:spcPct val="100000"/>
+              </a:lnSpc>
+              <a:spcBef>
+                <a:spcPts val="0"/>
+              </a:spcBef>
+              <a:spcAft>
+                <a:spcPts val="0"/>
+              </a:spcAft>
+              <a:buClrTx/>
+              <a:buSzTx/>
+              <a:buFontTx/>
+              <a:buNone/>
+              <a:tabLst/>
+              <a:defRPr/>
+            </a:pPr>
+            <a:endParaRPr kumimoji="0" lang="en-US" sz="1800" b="0" i="0" u="none" strike="noStrike" kern="1200" cap="none" spc="0" normalizeH="0" baseline="0" noProof="0">
+              <a:ln>
+                <a:noFill/>
+              </a:ln>
+              <a:solidFill>
+                <a:prstClr val="white"/>
+              </a:solidFill>
+              <a:effectLst/>
+              <a:uLnTx/>
+              <a:uFillTx/>
+              <a:latin typeface="Calibri" panose="020F0502020204030204"/>
+              <a:ea typeface="+mn-ea"/>
+              <a:cs typeface="+mn-cs"/>
+            </a:endParaRPr>
+          </a:p>
+        </p:txBody>
+      </p:sp>
+    </p:spTree>
+    <p:extLst>
+      <p:ext uri="{BB962C8B-B14F-4D97-AF65-F5344CB8AC3E}">
+        <p14:creationId xmlns:p14="http://schemas.microsoft.com/office/powerpoint/2010/main" val="131128234"/>
+      </p:ext>
+    </p:extLst>
+  </p:cSld>
+  <p:clrMapOvr>
+    <a:masterClrMapping/>
+  </p:clrMapOvr>
+</p:sld>
+</file>
+
+<file path=ppt/slides/slide8.xml><?xml version="1.0" encoding="utf-8"?>
+<p:sld xmlns:a="http://schemas.openxmlformats.org/drawingml/2006/main" xmlns:r="http://schemas.openxmlformats.org/officeDocument/2006/relationships" xmlns:p="http://schemas.openxmlformats.org/presentationml/2006/main">
+  <p:cSld>
+    <p:bg>
+      <p:bgPr>
+        <a:solidFill>
+          <a:schemeClr val="bg1"/>
+        </a:solidFill>
+        <a:effectLst/>
+      </p:bgPr>
+    </p:bg>
+    <p:spTree>
+      <p:nvGrpSpPr>
+        <p:cNvPr id="1" name=""/>
+        <p:cNvGrpSpPr/>
+        <p:nvPr/>
+      </p:nvGrpSpPr>
+      <p:grpSpPr>
+        <a:xfrm>
+          <a:off x="0" y="0"/>
+          <a:ext cx="0" cy="0"/>
+          <a:chOff x="0" y="0"/>
+          <a:chExt cx="0" cy="0"/>
+        </a:xfrm>
+      </p:grpSpPr>
+      <p:sp useBgFill="1">
+        <p:nvSpPr>
+          <p:cNvPr id="9" name="Rectangle 8">
+            <a:extLst>
+              <a:ext uri="{FF2B5EF4-FFF2-40B4-BE49-F238E27FC236}">
+                <a16:creationId xmlns:a16="http://schemas.microsoft.com/office/drawing/2014/main" id="{50E4C519-FBE9-4ABE-A8F9-C2CBE326932F}"/>
+              </a:ext>
+              <a:ext uri="{C183D7F6-B498-43B3-948B-1728B52AA6E4}">
+                <adec:decorative xmlns:adec="http://schemas.microsoft.com/office/drawing/2017/decorative" val="1"/>
+              </a:ext>
+            </a:extLst>
+          </p:cNvPr>
+          <p:cNvSpPr>
+            <a:spLocks noGrp="1" noRot="1" noChangeAspect="1" noMove="1" noResize="1" noEditPoints="1" noAdjustHandles="1" noChangeArrowheads="1" noChangeShapeType="1" noTextEdit="1"/>
+          </p:cNvSpPr>
+          <p:nvPr>
+            <p:extLst>
+              <p:ext uri="{386F3935-93C4-4BCD-93E2-E3B085C9AB24}">
+                <p16:designElem xmlns:p16="http://schemas.microsoft.com/office/powerpoint/2015/main" val="1"/>
+              </p:ext>
+            </p:extLst>
+          </p:nvPr>
+        </p:nvSpPr>
+        <p:spPr>
+          <a:xfrm>
+            <a:off x="0" y="0"/>
+            <a:ext cx="12192000" cy="6858000"/>
+          </a:xfrm>
+          <a:prstGeom prst="rect">
+            <a:avLst/>
+          </a:prstGeom>
+          <a:ln>
+            <a:noFill/>
+          </a:ln>
+        </p:spPr>
+        <p:style>
+          <a:lnRef idx="2">
+            <a:schemeClr val="accent1">
+              <a:shade val="50000"/>
+            </a:schemeClr>
+          </a:lnRef>
+          <a:fillRef idx="1">
+            <a:schemeClr val="accent1"/>
+          </a:fillRef>
+          <a:effectRef idx="0">
+            <a:schemeClr val="accent1"/>
+          </a:effectRef>
+          <a:fontRef idx="minor">
+            <a:schemeClr val="lt1"/>
+          </a:fontRef>
+        </p:style>
+        <p:txBody>
+          <a:bodyPr rtlCol="0" anchor="ctr"/>
+          <a:lstStyle/>
+          <a:p>
+            <a:pPr algn="ctr"/>
+            <a:endParaRPr lang="en-US"/>
+          </a:p>
+        </p:txBody>
+      </p:sp>
+      <p:pic>
+        <p:nvPicPr>
+          <p:cNvPr id="5" name="Picture 4" descr="Bubble sheet test paper and pencil">
+            <a:extLst>
+              <a:ext uri="{FF2B5EF4-FFF2-40B4-BE49-F238E27FC236}">
+                <a16:creationId xmlns:a16="http://schemas.microsoft.com/office/drawing/2014/main" id="{1E3CB310-18A0-DA73-E2FD-468B3DA2D468}"/>
+              </a:ext>
+            </a:extLst>
+          </p:cNvPr>
+          <p:cNvPicPr>
+            <a:picLocks noChangeAspect="1"/>
+          </p:cNvPicPr>
+          <p:nvPr/>
+        </p:nvPicPr>
+        <p:blipFill rotWithShape="1">
+          <a:blip r:embed="rId2"/>
+          <a:srcRect l="15206"/>
+          <a:stretch/>
+        </p:blipFill>
+        <p:spPr>
+          <a:xfrm>
+            <a:off x="3245637" y="-1"/>
+            <a:ext cx="8946363" cy="6858000"/>
+          </a:xfrm>
+          <a:custGeom>
+            <a:avLst/>
+            <a:gdLst/>
+            <a:ahLst/>
+            <a:cxnLst/>
+            <a:rect l="l" t="t" r="r" b="b"/>
+            <a:pathLst>
+              <a:path w="8946363" h="6858000">
+                <a:moveTo>
+                  <a:pt x="0" y="0"/>
+                </a:moveTo>
+                <a:lnTo>
+                  <a:pt x="8946363" y="0"/>
+                </a:lnTo>
+                <a:lnTo>
+                  <a:pt x="8946363" y="6858000"/>
+                </a:lnTo>
+                <a:lnTo>
+                  <a:pt x="1" y="6858000"/>
+                </a:lnTo>
+                <a:lnTo>
+                  <a:pt x="60040" y="6788731"/>
+                </a:lnTo>
+                <a:cubicBezTo>
+                  <a:pt x="770566" y="5928901"/>
+                  <a:pt x="1210035" y="4741057"/>
+                  <a:pt x="1210035" y="3429001"/>
+                </a:cubicBezTo>
+                <a:cubicBezTo>
+                  <a:pt x="1210035" y="2116945"/>
+                  <a:pt x="770566" y="929101"/>
+                  <a:pt x="60040" y="69272"/>
+                </a:cubicBezTo>
+                <a:close/>
+              </a:path>
+            </a:pathLst>
+          </a:custGeom>
+        </p:spPr>
+      </p:pic>
+      <p:sp useBgFill="1">
+        <p:nvSpPr>
+          <p:cNvPr id="11" name="Freeform: Shape 10">
+            <a:extLst>
+              <a:ext uri="{FF2B5EF4-FFF2-40B4-BE49-F238E27FC236}">
+                <a16:creationId xmlns:a16="http://schemas.microsoft.com/office/drawing/2014/main" id="{80EC29FB-299E-49F3-8C7B-01199632A30F}"/>
+              </a:ext>
+              <a:ext uri="{C183D7F6-B498-43B3-948B-1728B52AA6E4}">
+                <adec:decorative xmlns:adec="http://schemas.microsoft.com/office/drawing/2017/decorative" val="1"/>
+              </a:ext>
+            </a:extLst>
+          </p:cNvPr>
+          <p:cNvSpPr>
+            <a:spLocks noGrp="1" noRot="1" noChangeAspect="1" noMove="1" noResize="1" noEditPoints="1" noAdjustHandles="1" noChangeArrowheads="1" noChangeShapeType="1" noTextEdit="1"/>
+          </p:cNvSpPr>
+          <p:nvPr>
+            <p:extLst>
+              <p:ext uri="{386F3935-93C4-4BCD-93E2-E3B085C9AB24}">
+                <p16:designElem xmlns:p16="http://schemas.microsoft.com/office/powerpoint/2015/main" val="1"/>
+              </p:ext>
+            </p:extLst>
+          </p:nvPr>
+        </p:nvSpPr>
+        <p:spPr>
+          <a:xfrm>
+            <a:off x="0" y="-1"/>
+            <a:ext cx="4455672" cy="6858000"/>
+          </a:xfrm>
+          <a:custGeom>
+            <a:avLst/>
+            <a:gdLst>
+              <a:gd name="connsiteX0" fmla="*/ 0 w 4455672"/>
+              <a:gd name="connsiteY0" fmla="*/ 0 h 6858000"/>
+              <a:gd name="connsiteX1" fmla="*/ 3245636 w 4455672"/>
+              <a:gd name="connsiteY1" fmla="*/ 0 h 6858000"/>
+              <a:gd name="connsiteX2" fmla="*/ 3305677 w 4455672"/>
+              <a:gd name="connsiteY2" fmla="*/ 69272 h 6858000"/>
+              <a:gd name="connsiteX3" fmla="*/ 4455672 w 4455672"/>
+              <a:gd name="connsiteY3" fmla="*/ 3429001 h 6858000"/>
+              <a:gd name="connsiteX4" fmla="*/ 3305677 w 4455672"/>
+              <a:gd name="connsiteY4" fmla="*/ 6788731 h 6858000"/>
+              <a:gd name="connsiteX5" fmla="*/ 3245638 w 4455672"/>
+              <a:gd name="connsiteY5" fmla="*/ 6858000 h 6858000"/>
+              <a:gd name="connsiteX6" fmla="*/ 0 w 4455672"/>
+              <a:gd name="connsiteY6" fmla="*/ 6858000 h 6858000"/>
+            </a:gdLst>
+            <a:ahLst/>
+            <a:cxnLst>
+              <a:cxn ang="0">
+                <a:pos x="connsiteX0" y="connsiteY0"/>
+              </a:cxn>
+              <a:cxn ang="0">
+                <a:pos x="connsiteX1" y="connsiteY1"/>
+              </a:cxn>
+              <a:cxn ang="0">
+                <a:pos x="connsiteX2" y="connsiteY2"/>
+              </a:cxn>
+              <a:cxn ang="0">
+                <a:pos x="connsiteX3" y="connsiteY3"/>
+              </a:cxn>
+              <a:cxn ang="0">
+                <a:pos x="connsiteX4" y="connsiteY4"/>
+              </a:cxn>
+              <a:cxn ang="0">
+                <a:pos x="connsiteX5" y="connsiteY5"/>
+              </a:cxn>
+              <a:cxn ang="0">
+                <a:pos x="connsiteX6" y="connsiteY6"/>
+              </a:cxn>
+            </a:cxnLst>
+            <a:rect l="l" t="t" r="r" b="b"/>
+            <a:pathLst>
+              <a:path w="4455672" h="6858000">
+                <a:moveTo>
+                  <a:pt x="0" y="0"/>
+                </a:moveTo>
+                <a:lnTo>
+                  <a:pt x="3245636" y="0"/>
+                </a:lnTo>
+                <a:lnTo>
+                  <a:pt x="3305677" y="69272"/>
+                </a:lnTo>
+                <a:cubicBezTo>
+                  <a:pt x="4016203" y="929101"/>
+                  <a:pt x="4455672" y="2116945"/>
+                  <a:pt x="4455672" y="3429001"/>
+                </a:cubicBezTo>
+                <a:cubicBezTo>
+                  <a:pt x="4455672" y="4741057"/>
+                  <a:pt x="4016203" y="5928901"/>
+                  <a:pt x="3305677" y="6788731"/>
+                </a:cubicBezTo>
+                <a:lnTo>
+                  <a:pt x="3245638" y="6858000"/>
+                </a:lnTo>
+                <a:lnTo>
+                  <a:pt x="0" y="6858000"/>
+                </a:lnTo>
+                <a:close/>
+              </a:path>
+            </a:pathLst>
+          </a:custGeom>
+          <a:ln w="9525">
+            <a:solidFill>
+              <a:srgbClr val="EFEFEF"/>
+            </a:solidFill>
+          </a:ln>
+          <a:effectLst>
+            <a:outerShdw blurRad="50800" dist="38100" algn="l" rotWithShape="0">
+              <a:schemeClr val="bg1">
+                <a:lumMod val="85000"/>
+                <a:alpha val="30000"/>
+              </a:schemeClr>
+            </a:outerShdw>
+          </a:effectLst>
+        </p:spPr>
+        <p:style>
+          <a:lnRef idx="2">
+            <a:schemeClr val="accent1">
+              <a:shade val="50000"/>
+            </a:schemeClr>
+          </a:lnRef>
+          <a:fillRef idx="1">
+            <a:schemeClr val="accent1"/>
+          </a:fillRef>
+          <a:effectRef idx="0">
+            <a:schemeClr val="accent1"/>
+          </a:effectRef>
+          <a:fontRef idx="minor">
+            <a:schemeClr val="lt1"/>
+          </a:fontRef>
+        </p:style>
+        <p:txBody>
+          <a:bodyPr wrap="square" rtlCol="0" anchor="ctr">
+            <a:noAutofit/>
+          </a:bodyPr>
+          <a:lstStyle/>
+          <a:p>
+            <a:pPr marL="0" marR="0" lvl="0" indent="0" algn="ctr" defTabSz="914400" rtl="0" eaLnBrk="1" fontAlgn="auto" latinLnBrk="0" hangingPunct="1">
+              <a:lnSpc>
+                <a:spcPct val="100000"/>
+              </a:lnSpc>
+              <a:spcBef>
+                <a:spcPts val="0"/>
+              </a:spcBef>
+              <a:spcAft>
+                <a:spcPts val="0"/>
+              </a:spcAft>
+              <a:buClrTx/>
+              <a:buSzTx/>
+              <a:buFontTx/>
+              <a:buNone/>
+              <a:tabLst/>
+              <a:defRPr/>
+            </a:pPr>
+            <a:endParaRPr kumimoji="0" lang="en-US" sz="1800" b="0" i="0" u="none" strike="noStrike" kern="1200" cap="none" spc="0" normalizeH="0" baseline="0" noProof="0">
+              <a:ln>
+                <a:noFill/>
+              </a:ln>
+              <a:solidFill>
+                <a:prstClr val="white"/>
+              </a:solidFill>
+              <a:effectLst/>
+              <a:uLnTx/>
+              <a:uFillTx/>
+              <a:latin typeface="Calibri" panose="020F0502020204030204"/>
+              <a:ea typeface="+mn-ea"/>
+              <a:cs typeface="+mn-cs"/>
+            </a:endParaRPr>
+          </a:p>
+        </p:txBody>
+      </p:sp>
+      <p:sp useBgFill="1">
+        <p:nvSpPr>
+          <p:cNvPr id="13" name="Freeform: Shape 12">
+            <a:extLst>
+              <a:ext uri="{FF2B5EF4-FFF2-40B4-BE49-F238E27FC236}">
+                <a16:creationId xmlns:a16="http://schemas.microsoft.com/office/drawing/2014/main" id="{C29A2522-B27A-45C5-897B-79A1407D159A}"/>
+              </a:ext>
+              <a:ext uri="{C183D7F6-B498-43B3-948B-1728B52AA6E4}">
+                <adec:decorative xmlns:adec="http://schemas.microsoft.com/office/drawing/2017/decorative" val="1"/>
+              </a:ext>
+            </a:extLst>
+          </p:cNvPr>
+          <p:cNvSpPr>
+            <a:spLocks noGrp="1" noRot="1" noChangeAspect="1" noMove="1" noResize="1" noEditPoints="1" noAdjustHandles="1" noChangeArrowheads="1" noChangeShapeType="1" noTextEdit="1"/>
+          </p:cNvSpPr>
+          <p:nvPr>
+            <p:extLst>
+              <p:ext uri="{386F3935-93C4-4BCD-93E2-E3B085C9AB24}">
+                <p16:designElem xmlns:p16="http://schemas.microsoft.com/office/powerpoint/2015/main" val="1"/>
+              </p:ext>
+            </p:extLst>
+          </p:nvPr>
+        </p:nvSpPr>
+        <p:spPr>
+          <a:xfrm>
+            <a:off x="0" y="0"/>
+            <a:ext cx="4446528" cy="6858000"/>
+          </a:xfrm>
+          <a:custGeom>
+            <a:avLst/>
+            <a:gdLst>
+              <a:gd name="connsiteX0" fmla="*/ 0 w 4446528"/>
+              <a:gd name="connsiteY0" fmla="*/ 0 h 6858000"/>
+              <a:gd name="connsiteX1" fmla="*/ 3236492 w 4446528"/>
+              <a:gd name="connsiteY1" fmla="*/ 0 h 6858000"/>
+              <a:gd name="connsiteX2" fmla="*/ 3296533 w 4446528"/>
+              <a:gd name="connsiteY2" fmla="*/ 69272 h 6858000"/>
+              <a:gd name="connsiteX3" fmla="*/ 4446528 w 4446528"/>
+              <a:gd name="connsiteY3" fmla="*/ 3429001 h 6858000"/>
+              <a:gd name="connsiteX4" fmla="*/ 3296533 w 4446528"/>
+              <a:gd name="connsiteY4" fmla="*/ 6788731 h 6858000"/>
+              <a:gd name="connsiteX5" fmla="*/ 3236494 w 4446528"/>
+              <a:gd name="connsiteY5" fmla="*/ 6858000 h 6858000"/>
+              <a:gd name="connsiteX6" fmla="*/ 0 w 4446528"/>
+              <a:gd name="connsiteY6" fmla="*/ 6858000 h 6858000"/>
+            </a:gdLst>
+            <a:ahLst/>
+            <a:cxnLst>
+              <a:cxn ang="0">
+                <a:pos x="connsiteX0" y="connsiteY0"/>
+              </a:cxn>
+              <a:cxn ang="0">
+                <a:pos x="connsiteX1" y="connsiteY1"/>
+              </a:cxn>
+              <a:cxn ang="0">
+                <a:pos x="connsiteX2" y="connsiteY2"/>
+              </a:cxn>
+              <a:cxn ang="0">
+                <a:pos x="connsiteX3" y="connsiteY3"/>
+              </a:cxn>
+              <a:cxn ang="0">
+                <a:pos x="connsiteX4" y="connsiteY4"/>
+              </a:cxn>
+              <a:cxn ang="0">
+                <a:pos x="connsiteX5" y="connsiteY5"/>
+              </a:cxn>
+              <a:cxn ang="0">
+                <a:pos x="connsiteX6" y="connsiteY6"/>
+              </a:cxn>
+            </a:cxnLst>
+            <a:rect l="l" t="t" r="r" b="b"/>
+            <a:pathLst>
+              <a:path w="4446528" h="6858000">
+                <a:moveTo>
+                  <a:pt x="0" y="0"/>
+                </a:moveTo>
+                <a:lnTo>
+                  <a:pt x="3236492" y="0"/>
+                </a:lnTo>
+                <a:lnTo>
+                  <a:pt x="3296533" y="69272"/>
+                </a:lnTo>
+                <a:cubicBezTo>
+                  <a:pt x="4007059" y="929101"/>
+                  <a:pt x="4446528" y="2116945"/>
+                  <a:pt x="4446528" y="3429001"/>
+                </a:cubicBezTo>
+                <a:cubicBezTo>
+                  <a:pt x="4446528" y="4741057"/>
+                  <a:pt x="4007059" y="5928901"/>
+                  <a:pt x="3296533" y="6788731"/>
+                </a:cubicBezTo>
+                <a:lnTo>
+                  <a:pt x="3236494" y="6858000"/>
+                </a:lnTo>
+                <a:lnTo>
+                  <a:pt x="0" y="6858000"/>
+                </a:lnTo>
+                <a:close/>
+              </a:path>
+            </a:pathLst>
+          </a:custGeom>
+          <a:ln w="9525">
+            <a:noFill/>
+          </a:ln>
+          <a:effectLst/>
+        </p:spPr>
+        <p:style>
+          <a:lnRef idx="2">
+            <a:schemeClr val="accent1">
+              <a:shade val="50000"/>
+            </a:schemeClr>
+          </a:lnRef>
+          <a:fillRef idx="1">
+            <a:schemeClr val="accent1"/>
+          </a:fillRef>
+          <a:effectRef idx="0">
+            <a:schemeClr val="accent1"/>
+          </a:effectRef>
+          <a:fontRef idx="minor">
+            <a:schemeClr val="lt1"/>
+          </a:fontRef>
+        </p:style>
+        <p:txBody>
+          <a:bodyPr wrap="square" rtlCol="0" anchor="ctr">
+            <a:noAutofit/>
+          </a:bodyPr>
+          <a:lstStyle/>
+          <a:p>
+            <a:pPr marL="0" marR="0" lvl="0" indent="0" algn="ctr" defTabSz="914400" rtl="0" eaLnBrk="1" fontAlgn="auto" latinLnBrk="0" hangingPunct="1">
+              <a:lnSpc>
+                <a:spcPct val="100000"/>
+              </a:lnSpc>
+              <a:spcBef>
+                <a:spcPts val="0"/>
+              </a:spcBef>
+              <a:spcAft>
+                <a:spcPts val="0"/>
+              </a:spcAft>
+              <a:buClrTx/>
+              <a:buSzTx/>
+              <a:buFontTx/>
+              <a:buNone/>
+              <a:tabLst/>
+              <a:defRPr/>
+            </a:pPr>
+            <a:endParaRPr kumimoji="0" lang="en-US" sz="1800" b="0" i="0" u="none" strike="noStrike" kern="1200" cap="none" spc="0" normalizeH="0" baseline="0" noProof="0">
+              <a:ln>
+                <a:noFill/>
+              </a:ln>
+              <a:solidFill>
+                <a:prstClr val="white"/>
+              </a:solidFill>
+              <a:effectLst/>
+              <a:uLnTx/>
+              <a:uFillTx/>
+              <a:latin typeface="Calibri" panose="020F0502020204030204"/>
+              <a:ea typeface="+mn-ea"/>
+              <a:cs typeface="+mn-cs"/>
+            </a:endParaRPr>
+          </a:p>
+        </p:txBody>
+      </p:sp>
+      <p:sp>
+        <p:nvSpPr>
+          <p:cNvPr id="2" name="Title 1">
+            <a:extLst>
+              <a:ext uri="{FF2B5EF4-FFF2-40B4-BE49-F238E27FC236}">
+                <a16:creationId xmlns:a16="http://schemas.microsoft.com/office/drawing/2014/main" id="{D0A40138-744C-3F0F-39DD-8BA46D00633D}"/>
+              </a:ext>
+            </a:extLst>
+          </p:cNvPr>
+          <p:cNvSpPr>
+            <a:spLocks noGrp="1"/>
+          </p:cNvSpPr>
+          <p:nvPr>
+            <p:ph type="title"/>
+          </p:nvPr>
+        </p:nvSpPr>
+        <p:spPr>
+          <a:xfrm>
+            <a:off x="371094" y="1161288"/>
+            <a:ext cx="3438144" cy="1239012"/>
+          </a:xfrm>
+        </p:spPr>
+        <p:txBody>
+          <a:bodyPr anchor="ctr">
+            <a:normAutofit/>
+          </a:bodyPr>
+          <a:lstStyle/>
+          <a:p>
+            <a:r>
+              <a:rPr lang="en-US" sz="2800" dirty="0"/>
+              <a:t>Quantifying Error (this week)</a:t>
+            </a:r>
+            <a:endParaRPr lang="en-GB" sz="2800" dirty="0"/>
+          </a:p>
+        </p:txBody>
+      </p:sp>
+      <p:sp>
+        <p:nvSpPr>
+          <p:cNvPr id="15" name="Rectangle 14">
+            <a:extLst>
+              <a:ext uri="{FF2B5EF4-FFF2-40B4-BE49-F238E27FC236}">
+                <a16:creationId xmlns:a16="http://schemas.microsoft.com/office/drawing/2014/main" id="{98E79BE4-34FE-485A-98A5-92CE8F7C4743}"/>
+              </a:ext>
+              <a:ext uri="{C183D7F6-B498-43B3-948B-1728B52AA6E4}">
+                <adec:decorative xmlns:adec="http://schemas.microsoft.com/office/drawing/2017/decorative" val="1"/>
+              </a:ext>
+            </a:extLst>
+          </p:cNvPr>
+          <p:cNvSpPr>
+            <a:spLocks noGrp="1" noRot="1" noChangeAspect="1" noMove="1" noResize="1" noEditPoints="1" noAdjustHandles="1" noChangeArrowheads="1" noChangeShapeType="1" noTextEdit="1"/>
+          </p:cNvSpPr>
+          <p:nvPr>
+            <p:extLst>
+              <p:ext uri="{386F3935-93C4-4BCD-93E2-E3B085C9AB24}">
+                <p16:designElem xmlns:p16="http://schemas.microsoft.com/office/powerpoint/2015/main" val="1"/>
+              </p:ext>
+            </p:extLst>
+          </p:nvPr>
+        </p:nvSpPr>
+        <p:spPr>
+          <a:xfrm>
+            <a:off x="0" y="1420961"/>
+            <a:ext cx="128016" cy="653903"/>
+          </a:xfrm>
+          <a:prstGeom prst="rect">
+            <a:avLst/>
+          </a:prstGeom>
+          <a:solidFill>
+            <a:schemeClr val="accent2"/>
+          </a:solidFill>
+          <a:ln>
+            <a:noFill/>
+          </a:ln>
+        </p:spPr>
+        <p:style>
+          <a:lnRef idx="2">
+            <a:schemeClr val="accent1">
+              <a:shade val="50000"/>
+            </a:schemeClr>
+          </a:lnRef>
+          <a:fillRef idx="1">
+            <a:schemeClr val="accent1"/>
+          </a:fillRef>
+          <a:effectRef idx="0">
+            <a:schemeClr val="accent1"/>
+          </a:effectRef>
+          <a:fontRef idx="minor">
+            <a:schemeClr val="lt1"/>
+          </a:fontRef>
+        </p:style>
+        <p:txBody>
+          <a:bodyPr rtlCol="0" anchor="ctr"/>
+          <a:lstStyle/>
+          <a:p>
+            <a:pPr algn="ctr"/>
+            <a:endParaRPr lang="en-US">
+              <a:solidFill>
+                <a:prstClr val="white"/>
+              </a:solidFill>
+              <a:latin typeface="Calibri" panose="020F0502020204030204"/>
+            </a:endParaRPr>
+          </a:p>
+        </p:txBody>
+      </p:sp>
+      <p:sp>
+        <p:nvSpPr>
+          <p:cNvPr id="17" name="Rectangle 16">
+            <a:extLst>
+              <a:ext uri="{FF2B5EF4-FFF2-40B4-BE49-F238E27FC236}">
+                <a16:creationId xmlns:a16="http://schemas.microsoft.com/office/drawing/2014/main" id="{7A5F0580-5EE9-419F-96EE-B6529EF6E7D0}"/>
+              </a:ext>
+              <a:ext uri="{C183D7F6-B498-43B3-948B-1728B52AA6E4}">
+                <adec:decorative xmlns:adec="http://schemas.microsoft.com/office/drawing/2017/decorative" val="1"/>
+              </a:ext>
+            </a:extLst>
+          </p:cNvPr>
+          <p:cNvSpPr>
+            <a:spLocks noGrp="1" noRot="1" noChangeAspect="1" noMove="1" noResize="1" noEditPoints="1" noAdjustHandles="1" noChangeArrowheads="1" noChangeShapeType="1" noTextEdit="1"/>
+          </p:cNvSpPr>
+          <p:nvPr>
+            <p:extLst>
+              <p:ext uri="{386F3935-93C4-4BCD-93E2-E3B085C9AB24}">
+                <p16:designElem xmlns:p16="http://schemas.microsoft.com/office/powerpoint/2015/main" val="1"/>
+              </p:ext>
+            </p:extLst>
+          </p:nvPr>
+        </p:nvSpPr>
+        <p:spPr>
+          <a:xfrm>
+            <a:off x="414181" y="2443480"/>
+            <a:ext cx="3383280" cy="18288"/>
+          </a:xfrm>
+          <a:prstGeom prst="rect">
+            <a:avLst/>
+          </a:prstGeom>
+          <a:solidFill>
+            <a:srgbClr val="D5D5D5"/>
+          </a:solidFill>
+          <a:ln w="3175">
+            <a:noFill/>
+          </a:ln>
+          <a:effectLst/>
+        </p:spPr>
+        <p:style>
+          <a:lnRef idx="2">
+            <a:schemeClr val="accent1">
+              <a:shade val="50000"/>
+            </a:schemeClr>
+          </a:lnRef>
+          <a:fillRef idx="1">
+            <a:schemeClr val="accent1"/>
+          </a:fillRef>
+          <a:effectRef idx="0">
+            <a:schemeClr val="accent1"/>
+          </a:effectRef>
+          <a:fontRef idx="minor">
+            <a:schemeClr val="lt1"/>
+          </a:fontRef>
+        </p:style>
+        <p:txBody>
+          <a:bodyPr rtlCol="0" anchor="ctr"/>
+          <a:lstStyle/>
+          <a:p>
+            <a:pPr algn="ctr"/>
+            <a:endParaRPr lang="en-US">
+              <a:solidFill>
+                <a:prstClr val="white"/>
+              </a:solidFill>
+              <a:latin typeface="Calibri" panose="020F0502020204030204"/>
+            </a:endParaRPr>
+          </a:p>
+        </p:txBody>
+      </p:sp>
+      <p:sp>
+        <p:nvSpPr>
+          <p:cNvPr id="3" name="Content Placeholder 2">
+            <a:extLst>
+              <a:ext uri="{FF2B5EF4-FFF2-40B4-BE49-F238E27FC236}">
+                <a16:creationId xmlns:a16="http://schemas.microsoft.com/office/drawing/2014/main" id="{C8E1DBE7-77AC-27C1-A7AF-DAB2D58F9EA7}"/>
+              </a:ext>
+            </a:extLst>
+          </p:cNvPr>
+          <p:cNvSpPr>
+            <a:spLocks noGrp="1"/>
+          </p:cNvSpPr>
+          <p:nvPr>
+            <p:ph idx="1"/>
+          </p:nvPr>
+        </p:nvSpPr>
+        <p:spPr>
+          <a:xfrm>
+            <a:off x="371094" y="2718054"/>
+            <a:ext cx="4446528" cy="4139946"/>
+          </a:xfrm>
+        </p:spPr>
+        <p:txBody>
+          <a:bodyPr anchor="t">
+            <a:normAutofit/>
+          </a:bodyPr>
+          <a:lstStyle/>
+          <a:p>
+            <a:r>
+              <a:rPr lang="en-US" sz="2400" dirty="0"/>
+              <a:t>True Score + Error</a:t>
+            </a:r>
+          </a:p>
+          <a:p>
+            <a:r>
+              <a:rPr lang="en-US" sz="2400" dirty="0"/>
+              <a:t>How do we estimate the degree of error around a score?</a:t>
+            </a:r>
+          </a:p>
+          <a:p>
+            <a:r>
+              <a:rPr lang="en-US" sz="2400" dirty="0"/>
+              <a:t>How do we communicate this?</a:t>
+            </a:r>
+            <a:endParaRPr lang="en-GB" sz="2400" dirty="0"/>
+          </a:p>
+        </p:txBody>
+      </p:sp>
+    </p:spTree>
+    <p:extLst>
+      <p:ext uri="{BB962C8B-B14F-4D97-AF65-F5344CB8AC3E}">
+        <p14:creationId xmlns:p14="http://schemas.microsoft.com/office/powerpoint/2010/main" val="3964059752"/>
+      </p:ext>
+    </p:extLst>
+  </p:cSld>
+  <p:clrMapOvr>
+    <a:masterClrMapping/>
+  </p:clrMapOvr>
+</p:sld>
+</file>
+
+<file path=ppt/slides/slide9.xml><?xml version="1.0" encoding="utf-8"?>
+<p:sld xmlns:a="http://schemas.openxmlformats.org/drawingml/2006/main" xmlns:r="http://schemas.openxmlformats.org/officeDocument/2006/relationships" xmlns:p="http://schemas.openxmlformats.org/presentationml/2006/main">
+  <p:cSld>
+    <p:bg>
+      <p:bgPr>
+        <a:solidFill>
+          <a:schemeClr val="bg1"/>
+        </a:solidFill>
+        <a:effectLst/>
+      </p:bgPr>
+    </p:bg>
+    <p:spTree>
+      <p:nvGrpSpPr>
+        <p:cNvPr id="1" name=""/>
+        <p:cNvGrpSpPr/>
+        <p:nvPr/>
+      </p:nvGrpSpPr>
+      <p:grpSpPr>
+        <a:xfrm>
+          <a:off x="0" y="0"/>
+          <a:ext cx="0" cy="0"/>
+          <a:chOff x="0" y="0"/>
+          <a:chExt cx="0" cy="0"/>
+        </a:xfrm>
+      </p:grpSpPr>
+      <p:sp>
+        <p:nvSpPr>
+          <p:cNvPr id="9" name="Rectangle 8">
+            <a:extLst>
+              <a:ext uri="{FF2B5EF4-FFF2-40B4-BE49-F238E27FC236}">
+                <a16:creationId xmlns:a16="http://schemas.microsoft.com/office/drawing/2014/main" id="{2B566528-1B12-4246-9431-5C2D7D081168}"/>
+              </a:ext>
+              <a:ext uri="{C183D7F6-B498-43B3-948B-1728B52AA6E4}">
+                <adec:decorative xmlns:adec="http://schemas.microsoft.com/office/drawing/2017/decorative" val="1"/>
+              </a:ext>
+            </a:extLst>
+          </p:cNvPr>
+          <p:cNvSpPr>
+            <a:spLocks noGrp="1" noRot="1" noChangeAspect="1" noMove="1" noResize="1" noEditPoints="1" noAdjustHandles="1" noChangeArrowheads="1" noChangeShapeType="1" noTextEdit="1"/>
+          </p:cNvSpPr>
+          <p:nvPr>
+            <p:extLst>
+              <p:ext uri="{386F3935-93C4-4BCD-93E2-E3B085C9AB24}">
+                <p16:designElem xmlns:p16="http://schemas.microsoft.com/office/powerpoint/2015/main" val="1"/>
+              </p:ext>
+            </p:extLst>
+          </p:nvPr>
+        </p:nvSpPr>
+        <p:spPr>
+          <a:xfrm>
+            <a:off x="0" y="0"/>
+            <a:ext cx="12192000" cy="6858000"/>
+          </a:xfrm>
+          <a:prstGeom prst="rect">
+            <a:avLst/>
+          </a:prstGeom>
+          <a:solidFill>
+            <a:schemeClr val="bg1"/>
+          </a:solidFill>
+          <a:ln>
+            <a:noFill/>
+          </a:ln>
+        </p:spPr>
+        <p:style>
+          <a:lnRef idx="2">
+            <a:schemeClr val="accent1">
+              <a:shade val="50000"/>
+            </a:schemeClr>
+          </a:lnRef>
+          <a:fillRef idx="1">
+            <a:schemeClr val="accent1"/>
+          </a:fillRef>
+          <a:effectRef idx="0">
+            <a:schemeClr val="accent1"/>
+          </a:effectRef>
+          <a:fontRef idx="minor">
+            <a:schemeClr val="lt1"/>
+          </a:fontRef>
+        </p:style>
+        <p:txBody>
+          <a:bodyPr rtlCol="0" anchor="ctr"/>
+          <a:lstStyle/>
+          <a:p>
+            <a:pPr algn="ctr"/>
+            <a:endParaRPr lang="en-US" dirty="0"/>
+          </a:p>
+        </p:txBody>
+      </p:sp>
+      <p:sp>
+        <p:nvSpPr>
+          <p:cNvPr id="2" name="Title 1">
+            <a:extLst>
+              <a:ext uri="{FF2B5EF4-FFF2-40B4-BE49-F238E27FC236}">
+                <a16:creationId xmlns:a16="http://schemas.microsoft.com/office/drawing/2014/main" id="{D03DA94A-0861-5BB5-27C7-17D5AFEDCBB2}"/>
+              </a:ext>
+            </a:extLst>
+          </p:cNvPr>
+          <p:cNvSpPr>
+            <a:spLocks noGrp="1"/>
+          </p:cNvSpPr>
+          <p:nvPr>
+            <p:ph type="title"/>
+          </p:nvPr>
+        </p:nvSpPr>
+        <p:spPr>
+          <a:xfrm>
+            <a:off x="303888" y="392601"/>
+            <a:ext cx="6290733" cy="918100"/>
+          </a:xfrm>
+        </p:spPr>
+        <p:txBody>
+          <a:bodyPr>
+            <a:normAutofit/>
+          </a:bodyPr>
+          <a:lstStyle/>
+          <a:p>
+            <a:r>
+              <a:rPr lang="en-US" sz="3600" dirty="0"/>
+              <a:t>Providing Feedback (Next week)</a:t>
+            </a:r>
+            <a:endParaRPr lang="en-GB" sz="3600" dirty="0"/>
+          </a:p>
+        </p:txBody>
+      </p:sp>
+      <p:sp>
+        <p:nvSpPr>
+          <p:cNvPr id="3" name="Content Placeholder 2">
+            <a:extLst>
+              <a:ext uri="{FF2B5EF4-FFF2-40B4-BE49-F238E27FC236}">
+                <a16:creationId xmlns:a16="http://schemas.microsoft.com/office/drawing/2014/main" id="{BC394130-FFDD-758F-81E8-01672AF0799B}"/>
+              </a:ext>
+            </a:extLst>
+          </p:cNvPr>
+          <p:cNvSpPr>
+            <a:spLocks noGrp="1"/>
+          </p:cNvSpPr>
+          <p:nvPr>
+            <p:ph idx="1"/>
+          </p:nvPr>
+        </p:nvSpPr>
+        <p:spPr>
+          <a:xfrm>
+            <a:off x="643468" y="1782981"/>
+            <a:ext cx="5136416" cy="4393982"/>
+          </a:xfrm>
+        </p:spPr>
+        <p:txBody>
+          <a:bodyPr>
+            <a:normAutofit/>
+          </a:bodyPr>
+          <a:lstStyle/>
+          <a:p>
+            <a:r>
+              <a:rPr lang="en-US" sz="2000" dirty="0"/>
+              <a:t>We have</a:t>
+            </a:r>
+          </a:p>
+          <a:p>
+            <a:pPr lvl="1"/>
+            <a:r>
+              <a:rPr lang="en-US" sz="2000" dirty="0"/>
+              <a:t>A question</a:t>
+            </a:r>
+          </a:p>
+          <a:p>
+            <a:pPr lvl="1"/>
+            <a:r>
+              <a:rPr lang="en-US" sz="2000" dirty="0"/>
+              <a:t>A measure</a:t>
+            </a:r>
+          </a:p>
+          <a:p>
+            <a:pPr lvl="1"/>
+            <a:r>
+              <a:rPr lang="en-US" sz="2000" dirty="0"/>
+              <a:t>A norm group</a:t>
+            </a:r>
+          </a:p>
+          <a:p>
+            <a:pPr lvl="1"/>
+            <a:r>
+              <a:rPr lang="en-US" sz="2000" dirty="0"/>
+              <a:t>A degree of error</a:t>
+            </a:r>
+          </a:p>
+          <a:p>
+            <a:r>
+              <a:rPr lang="en-US" sz="2000" dirty="0"/>
+              <a:t>How do we communicate this in an understandable and useful way?</a:t>
+            </a:r>
+            <a:endParaRPr lang="en-GB" sz="2000" dirty="0"/>
+          </a:p>
+        </p:txBody>
+      </p:sp>
+      <p:sp>
+        <p:nvSpPr>
+          <p:cNvPr id="11" name="Isosceles Triangle 10">
+            <a:extLst>
+              <a:ext uri="{FF2B5EF4-FFF2-40B4-BE49-F238E27FC236}">
+                <a16:creationId xmlns:a16="http://schemas.microsoft.com/office/drawing/2014/main" id="{D3F51FEB-38FB-4F6C-9F7B-2F2AFAB65463}"/>
+              </a:ext>
+              <a:ext uri="{C183D7F6-B498-43B3-948B-1728B52AA6E4}">
+                <adec:decorative xmlns:adec="http://schemas.microsoft.com/office/drawing/2017/decorative" val="1"/>
+              </a:ext>
+            </a:extLst>
+          </p:cNvPr>
+          <p:cNvSpPr>
+            <a:spLocks noGrp="1" noRot="1" noChangeAspect="1" noMove="1" noResize="1" noEditPoints="1" noAdjustHandles="1" noChangeArrowheads="1" noChangeShapeType="1" noTextEdit="1"/>
+          </p:cNvSpPr>
+          <p:nvPr>
+            <p:extLst>
+              <p:ext uri="{386F3935-93C4-4BCD-93E2-E3B085C9AB24}">
+                <p16:designElem xmlns:p16="http://schemas.microsoft.com/office/powerpoint/2015/main" val="1"/>
+              </p:ext>
+            </p:extLst>
+          </p:nvPr>
+        </p:nvSpPr>
+        <p:spPr>
+          <a:xfrm rot="5400000">
+            <a:off x="-501760" y="5103257"/>
+            <a:ext cx="2017580" cy="1014060"/>
+          </a:xfrm>
+          <a:prstGeom prst="triangle">
+            <a:avLst>
+              <a:gd name="adj" fmla="val 50000"/>
+            </a:avLst>
+          </a:prstGeom>
+          <a:solidFill>
+            <a:schemeClr val="accent1">
+              <a:alpha val="30000"/>
+            </a:schemeClr>
+          </a:solidFill>
+          <a:ln>
+            <a:noFill/>
+          </a:ln>
+        </p:spPr>
+        <p:style>
+          <a:lnRef idx="2">
+            <a:schemeClr val="accent1">
+              <a:shade val="50000"/>
+            </a:schemeClr>
+          </a:lnRef>
+          <a:fillRef idx="1">
+            <a:schemeClr val="accent1"/>
+          </a:fillRef>
+          <a:effectRef idx="0">
+            <a:schemeClr val="accent1"/>
+          </a:effectRef>
+          <a:fontRef idx="minor">
+            <a:schemeClr val="lt1"/>
+          </a:fontRef>
+        </p:style>
+        <p:txBody>
+          <a:bodyPr rtlCol="0" anchor="ctr"/>
+          <a:lstStyle/>
+          <a:p>
+            <a:pPr algn="ctr"/>
+            <a:endParaRPr lang="en-US"/>
+          </a:p>
+        </p:txBody>
+      </p:sp>
+      <p:sp>
+        <p:nvSpPr>
+          <p:cNvPr id="13" name="Rectangle 12">
+            <a:extLst>
+              <a:ext uri="{FF2B5EF4-FFF2-40B4-BE49-F238E27FC236}">
+                <a16:creationId xmlns:a16="http://schemas.microsoft.com/office/drawing/2014/main" id="{1E547BA6-BAE0-43BB-A7CA-60F69CE252F0}"/>
+              </a:ext>
+              <a:ext uri="{C183D7F6-B498-43B3-948B-1728B52AA6E4}">
+                <adec:decorative xmlns:adec="http://schemas.microsoft.com/office/drawing/2017/decorative" val="1"/>
+              </a:ext>
+            </a:extLst>
+          </p:cNvPr>
+          <p:cNvSpPr>
+            <a:spLocks noGrp="1" noRot="1" noChangeAspect="1" noMove="1" noResize="1" noEditPoints="1" noAdjustHandles="1" noChangeArrowheads="1" noChangeShapeType="1" noTextEdit="1"/>
+          </p:cNvSpPr>
+          <p:nvPr>
+            <p:extLst>
+              <p:ext uri="{386F3935-93C4-4BCD-93E2-E3B085C9AB24}">
+                <p16:designElem xmlns:p16="http://schemas.microsoft.com/office/powerpoint/2015/main" val="1"/>
+              </p:ext>
+            </p:extLst>
+          </p:nvPr>
+        </p:nvSpPr>
+        <p:spPr>
+          <a:xfrm rot="2700000">
+            <a:off x="427916" y="5728708"/>
+            <a:ext cx="485578" cy="485578"/>
+          </a:xfrm>
+          <a:prstGeom prst="rect">
+            <a:avLst/>
+          </a:prstGeom>
+          <a:solidFill>
+            <a:schemeClr val="accent1">
+              <a:alpha val="30000"/>
+            </a:schemeClr>
+          </a:solidFill>
+          <a:ln>
+            <a:noFill/>
+          </a:ln>
+        </p:spPr>
+        <p:style>
+          <a:lnRef idx="2">
+            <a:schemeClr val="accent1">
+              <a:shade val="50000"/>
+            </a:schemeClr>
+          </a:lnRef>
+          <a:fillRef idx="1">
+            <a:schemeClr val="accent1"/>
+          </a:fillRef>
+          <a:effectRef idx="0">
+            <a:schemeClr val="accent1"/>
+          </a:effectRef>
+          <a:fontRef idx="minor">
+            <a:schemeClr val="lt1"/>
+          </a:fontRef>
+        </p:style>
+        <p:txBody>
+          <a:bodyPr rtlCol="0" anchor="ctr"/>
+          <a:lstStyle/>
+          <a:p>
+            <a:pPr algn="ctr"/>
+            <a:endParaRPr lang="en-US"/>
+          </a:p>
+        </p:txBody>
+      </p:sp>
+      <p:pic>
+        <p:nvPicPr>
+          <p:cNvPr id="5" name="Picture 4" descr="Question mark boxes">
+            <a:extLst>
+              <a:ext uri="{FF2B5EF4-FFF2-40B4-BE49-F238E27FC236}">
+                <a16:creationId xmlns:a16="http://schemas.microsoft.com/office/drawing/2014/main" id="{29BAB842-35FD-7219-7370-29AC7531D8F8}"/>
+              </a:ext>
+            </a:extLst>
+          </p:cNvPr>
+          <p:cNvPicPr>
+            <a:picLocks noChangeAspect="1"/>
+          </p:cNvPicPr>
+          <p:nvPr/>
+        </p:nvPicPr>
+        <p:blipFill rotWithShape="1">
+          <a:blip r:embed="rId2"/>
+          <a:srcRect l="29237" r="23356"/>
+          <a:stretch/>
+        </p:blipFill>
+        <p:spPr>
+          <a:xfrm>
+            <a:off x="6412117" y="10"/>
+            <a:ext cx="5779884" cy="6857990"/>
+          </a:xfrm>
+          <a:prstGeom prst="rect">
+            <a:avLst/>
+          </a:prstGeom>
+        </p:spPr>
+      </p:pic>
+      <p:grpSp>
+        <p:nvGrpSpPr>
+          <p:cNvPr id="15" name="Group 14">
+            <a:extLst>
+              <a:ext uri="{FF2B5EF4-FFF2-40B4-BE49-F238E27FC236}">
+                <a16:creationId xmlns:a16="http://schemas.microsoft.com/office/drawing/2014/main" id="{07EAA094-9CF6-4695-958A-33D9BCAA9474}"/>
+              </a:ext>
+              <a:ext uri="{C183D7F6-B498-43B3-948B-1728B52AA6E4}">
+                <adec:decorative xmlns:adec="http://schemas.microsoft.com/office/drawing/2017/decorative" val="1"/>
+              </a:ext>
+            </a:extLst>
+          </p:cNvPr>
+          <p:cNvGrpSpPr>
+            <a:grpSpLocks noGrp="1" noUngrp="1" noRot="1" noChangeAspect="1" noMove="1" noResize="1"/>
+          </p:cNvGrpSpPr>
+          <p:nvPr>
+            <p:extLst>
+              <p:ext uri="{386F3935-93C4-4BCD-93E2-E3B085C9AB24}">
+                <p16:designElem xmlns:p16="http://schemas.microsoft.com/office/powerpoint/2015/main" val="1"/>
+              </p:ext>
+            </p:extLst>
+          </p:nvPr>
+        </p:nvGrpSpPr>
+        <p:grpSpPr>
+          <a:xfrm>
+            <a:off x="11123132" y="713128"/>
+            <a:ext cx="1068867" cy="2126625"/>
+            <a:chOff x="10918968" y="713127"/>
+            <a:chExt cx="1273032" cy="2532832"/>
+          </a:xfrm>
+        </p:grpSpPr>
+        <p:sp>
+          <p:nvSpPr>
+            <p:cNvPr id="16" name="Rectangle 15">
+              <a:extLst>
+                <a:ext uri="{FF2B5EF4-FFF2-40B4-BE49-F238E27FC236}">
+                  <a16:creationId xmlns:a16="http://schemas.microsoft.com/office/drawing/2014/main" id="{2E80C965-DB6D-4F81-9E9E-B027384D0BD6}"/>
+                </a:ext>
+                <a:ext uri="{C183D7F6-B498-43B3-948B-1728B52AA6E4}">
+                  <adec:decorative xmlns:adec="http://schemas.microsoft.com/office/drawing/2017/decorative" val="1"/>
+                </a:ext>
+              </a:extLst>
+            </p:cNvPr>
+            <p:cNvSpPr/>
+            <p:nvPr>
+              <p:extLst>
+                <p:ext uri="{386F3935-93C4-4BCD-93E2-E3B085C9AB24}">
+                  <p16:designElem xmlns:p16="http://schemas.microsoft.com/office/powerpoint/2015/main" val="1"/>
+                </p:ext>
+              </p:extLst>
+            </p:nvPr>
+          </p:nvSpPr>
+          <p:spPr>
+            <a:xfrm rot="2700000">
+              <a:off x="11052629" y="2120024"/>
+              <a:ext cx="645368" cy="645368"/>
+            </a:xfrm>
+            <a:prstGeom prst="rect">
+              <a:avLst/>
+            </a:prstGeom>
+            <a:solidFill>
+              <a:schemeClr val="accent4">
+                <a:alpha val="30000"/>
+              </a:schemeClr>
+            </a:solidFill>
+            <a:ln>
+              <a:noFill/>
+            </a:ln>
+          </p:spPr>
+          <p:style>
+            <a:lnRef idx="2">
+              <a:schemeClr val="accent1">
+                <a:shade val="50000"/>
+              </a:schemeClr>
+            </a:lnRef>
+            <a:fillRef idx="1">
+              <a:schemeClr val="accent1"/>
+            </a:fillRef>
+            <a:effectRef idx="0">
+              <a:schemeClr val="accent1"/>
+            </a:effectRef>
+            <a:fontRef idx="minor">
+              <a:schemeClr val="lt1"/>
+            </a:fontRef>
+          </p:style>
+          <p:txBody>
+            <a:bodyPr rtlCol="0" anchor="ctr"/>
+            <a:lstStyle/>
+            <a:p>
+              <a:pPr algn="ctr"/>
+              <a:endParaRPr lang="en-US"/>
+            </a:p>
+          </p:txBody>
+        </p:sp>
+        <p:sp>
+          <p:nvSpPr>
+            <p:cNvPr id="17" name="Isosceles Triangle 16">
+              <a:extLst>
+                <a:ext uri="{FF2B5EF4-FFF2-40B4-BE49-F238E27FC236}">
+                  <a16:creationId xmlns:a16="http://schemas.microsoft.com/office/drawing/2014/main" id="{A580F890-B085-4E95-96AA-55AEBEC5CE6E}"/>
+                </a:ext>
+                <a:ext uri="{C183D7F6-B498-43B3-948B-1728B52AA6E4}">
+                  <adec:decorative xmlns:adec="http://schemas.microsoft.com/office/drawing/2017/decorative" val="1"/>
+                </a:ext>
+              </a:extLst>
+            </p:cNvPr>
+            <p:cNvSpPr/>
+            <p:nvPr>
+              <p:extLst>
+                <p:ext uri="{386F3935-93C4-4BCD-93E2-E3B085C9AB24}">
+                  <p16:designElem xmlns:p16="http://schemas.microsoft.com/office/powerpoint/2015/main" val="1"/>
+                </p:ext>
+              </p:extLst>
+            </p:nvPr>
+          </p:nvSpPr>
+          <p:spPr>
+            <a:xfrm rot="16200000">
+              <a:off x="10289068" y="1343027"/>
+              <a:ext cx="2532832" cy="1273032"/>
+            </a:xfrm>
+            <a:prstGeom prst="triangle">
+              <a:avLst>
+                <a:gd name="adj" fmla="val 50000"/>
+              </a:avLst>
+            </a:prstGeom>
+            <a:solidFill>
+              <a:schemeClr val="accent4">
+                <a:alpha val="30000"/>
+              </a:schemeClr>
+            </a:solidFill>
+            <a:ln>
+              <a:noFill/>
+            </a:ln>
+          </p:spPr>
+          <p:style>
+            <a:lnRef idx="2">
+              <a:schemeClr val="accent1">
+                <a:shade val="50000"/>
+              </a:schemeClr>
+            </a:lnRef>
+            <a:fillRef idx="1">
+              <a:schemeClr val="accent1"/>
+            </a:fillRef>
+            <a:effectRef idx="0">
+              <a:schemeClr val="accent1"/>
+            </a:effectRef>
+            <a:fontRef idx="minor">
+              <a:schemeClr val="lt1"/>
+            </a:fontRef>
+          </p:style>
+          <p:txBody>
+            <a:bodyPr rtlCol="0" anchor="ctr"/>
+            <a:lstStyle/>
+            <a:p>
+              <a:pPr algn="ctr"/>
+              <a:endParaRPr lang="en-US" dirty="0"/>
+            </a:p>
+          </p:txBody>
+        </p:sp>
+      </p:grpSp>
+    </p:spTree>
+    <p:extLst>
+      <p:ext uri="{BB962C8B-B14F-4D97-AF65-F5344CB8AC3E}">
+        <p14:creationId xmlns:p14="http://schemas.microsoft.com/office/powerpoint/2010/main" val="2478000129"/>
       </p:ext>
     </p:extLst>
   </p:cSld>
@@ -11470,12 +20806,9 @@
 </file>
 
 <file path=customXml/item1.xml><?xml version="1.0" encoding="utf-8"?>
-<?mso-contentType ?>
-<FormTemplates xmlns="http://schemas.microsoft.com/sharepoint/v3/contenttype/forms">
-  <Display>DocumentLibraryForm</Display>
-  <Edit>DocumentLibraryForm</Edit>
-  <New>DocumentLibraryForm</New>
-</FormTemplates>
+<p:properties xmlns:p="http://schemas.microsoft.com/office/2006/metadata/properties" xmlns:xsi="http://www.w3.org/2001/XMLSchema-instance" xmlns:pc="http://schemas.microsoft.com/office/infopath/2007/PartnerControls">
+  <documentManagement/>
+</p:properties>
 </file>
 
 <file path=customXml/item2.xml><?xml version="1.0" encoding="utf-8"?>
@@ -11702,15 +21035,19 @@
 </file>
 
 <file path=customXml/item3.xml><?xml version="1.0" encoding="utf-8"?>
-<p:properties xmlns:p="http://schemas.microsoft.com/office/2006/metadata/properties" xmlns:xsi="http://www.w3.org/2001/XMLSchema-instance" xmlns:pc="http://schemas.microsoft.com/office/infopath/2007/PartnerControls">
-  <documentManagement/>
-</p:properties>
+<?mso-contentType ?>
+<FormTemplates xmlns="http://schemas.microsoft.com/sharepoint/v3/contenttype/forms">
+  <Display>DocumentLibraryForm</Display>
+  <Edit>DocumentLibraryForm</Edit>
+  <New>DocumentLibraryForm</New>
+</FormTemplates>
 </file>
 
 <file path=customXml/itemProps1.xml><?xml version="1.0" encoding="utf-8"?>
-<ds:datastoreItem xmlns:ds="http://schemas.openxmlformats.org/officeDocument/2006/customXml" ds:itemID="{C35B37DE-303A-455D-95FA-CA381BCCA7DF}">
+<ds:datastoreItem xmlns:ds="http://schemas.openxmlformats.org/officeDocument/2006/customXml" ds:itemID="{C79C2849-6D24-4D61-81F3-76ECCD4C54CD}">
   <ds:schemaRefs>
-    <ds:schemaRef ds:uri="http://schemas.microsoft.com/sharepoint/v3/contenttype/forms"/>
+    <ds:schemaRef ds:uri="http://schemas.microsoft.com/office/2006/metadata/properties"/>
+    <ds:schemaRef ds:uri="http://schemas.microsoft.com/office/infopath/2007/PartnerControls"/>
   </ds:schemaRefs>
 </ds:datastoreItem>
 </file>
@@ -11735,10 +21072,9 @@
 </file>
 
 <file path=customXml/itemProps3.xml><?xml version="1.0" encoding="utf-8"?>
-<ds:datastoreItem xmlns:ds="http://schemas.openxmlformats.org/officeDocument/2006/customXml" ds:itemID="{C79C2849-6D24-4D61-81F3-76ECCD4C54CD}">
+<ds:datastoreItem xmlns:ds="http://schemas.openxmlformats.org/officeDocument/2006/customXml" ds:itemID="{C35B37DE-303A-455D-95FA-CA381BCCA7DF}">
   <ds:schemaRefs>
-    <ds:schemaRef ds:uri="http://schemas.microsoft.com/office/2006/metadata/properties"/>
-    <ds:schemaRef ds:uri="http://schemas.microsoft.com/office/infopath/2007/PartnerControls"/>
+    <ds:schemaRef ds:uri="http://schemas.microsoft.com/sharepoint/v3/contenttype/forms"/>
   </ds:schemaRefs>
 </ds:datastoreItem>
 </file>